--- a/Word report/MoonQuest_figures.pptx
+++ b/Word report/MoonQuest_figures.pptx
@@ -5,7 +5,9 @@
     <p:sldMasterId id="2147483660" r:id="rId1"/>
   </p:sldMasterIdLst>
   <p:sldIdLst>
-    <p:sldId id="256" r:id="rId2"/>
+    <p:sldId id="257" r:id="rId2"/>
+    <p:sldId id="256" r:id="rId3"/>
+    <p:sldId id="258" r:id="rId4"/>
   </p:sldIdLst>
   <p:sldSz cx="6858000" cy="9906000" type="A4"/>
   <p:notesSz cx="6858000" cy="9144000"/>
@@ -104,6 +106,11 @@
       </a:defRPr>
     </a:lvl9pPr>
   </p:defaultTextStyle>
+  <p:extLst>
+    <p:ext uri="{EFAFB233-063F-42B5-8137-9DF3F51BA10A}">
+      <p15:sldGuideLst xmlns:p15="http://schemas.microsoft.com/office/powerpoint/2012/main"/>
+    </p:ext>
+  </p:extLst>
 </p:presentation>
 </file>
 
@@ -238,7 +245,7 @@
           <a:p>
             <a:fld id="{4F5E2CE0-E47B-4D3A-AEFF-32FB4EEFB863}" type="datetimeFigureOut">
               <a:rPr lang="fr-FR" smtClean="0"/>
-              <a:t>09/04/2024</a:t>
+              <a:t>12/04/2024</a:t>
             </a:fld>
             <a:endParaRPr lang="fr-FR"/>
           </a:p>
@@ -408,7 +415,7 @@
           <a:p>
             <a:fld id="{4F5E2CE0-E47B-4D3A-AEFF-32FB4EEFB863}" type="datetimeFigureOut">
               <a:rPr lang="fr-FR" smtClean="0"/>
-              <a:t>09/04/2024</a:t>
+              <a:t>12/04/2024</a:t>
             </a:fld>
             <a:endParaRPr lang="fr-FR"/>
           </a:p>
@@ -588,7 +595,7 @@
           <a:p>
             <a:fld id="{4F5E2CE0-E47B-4D3A-AEFF-32FB4EEFB863}" type="datetimeFigureOut">
               <a:rPr lang="fr-FR" smtClean="0"/>
-              <a:t>09/04/2024</a:t>
+              <a:t>12/04/2024</a:t>
             </a:fld>
             <a:endParaRPr lang="fr-FR"/>
           </a:p>
@@ -758,7 +765,7 @@
           <a:p>
             <a:fld id="{4F5E2CE0-E47B-4D3A-AEFF-32FB4EEFB863}" type="datetimeFigureOut">
               <a:rPr lang="fr-FR" smtClean="0"/>
-              <a:t>09/04/2024</a:t>
+              <a:t>12/04/2024</a:t>
             </a:fld>
             <a:endParaRPr lang="fr-FR"/>
           </a:p>
@@ -1002,7 +1009,7 @@
           <a:p>
             <a:fld id="{4F5E2CE0-E47B-4D3A-AEFF-32FB4EEFB863}" type="datetimeFigureOut">
               <a:rPr lang="fr-FR" smtClean="0"/>
-              <a:t>09/04/2024</a:t>
+              <a:t>12/04/2024</a:t>
             </a:fld>
             <a:endParaRPr lang="fr-FR"/>
           </a:p>
@@ -1234,7 +1241,7 @@
           <a:p>
             <a:fld id="{4F5E2CE0-E47B-4D3A-AEFF-32FB4EEFB863}" type="datetimeFigureOut">
               <a:rPr lang="fr-FR" smtClean="0"/>
-              <a:t>09/04/2024</a:t>
+              <a:t>12/04/2024</a:t>
             </a:fld>
             <a:endParaRPr lang="fr-FR"/>
           </a:p>
@@ -1601,7 +1608,7 @@
           <a:p>
             <a:fld id="{4F5E2CE0-E47B-4D3A-AEFF-32FB4EEFB863}" type="datetimeFigureOut">
               <a:rPr lang="fr-FR" smtClean="0"/>
-              <a:t>09/04/2024</a:t>
+              <a:t>12/04/2024</a:t>
             </a:fld>
             <a:endParaRPr lang="fr-FR"/>
           </a:p>
@@ -1719,7 +1726,7 @@
           <a:p>
             <a:fld id="{4F5E2CE0-E47B-4D3A-AEFF-32FB4EEFB863}" type="datetimeFigureOut">
               <a:rPr lang="fr-FR" smtClean="0"/>
-              <a:t>09/04/2024</a:t>
+              <a:t>12/04/2024</a:t>
             </a:fld>
             <a:endParaRPr lang="fr-FR"/>
           </a:p>
@@ -1814,7 +1821,7 @@
           <a:p>
             <a:fld id="{4F5E2CE0-E47B-4D3A-AEFF-32FB4EEFB863}" type="datetimeFigureOut">
               <a:rPr lang="fr-FR" smtClean="0"/>
-              <a:t>09/04/2024</a:t>
+              <a:t>12/04/2024</a:t>
             </a:fld>
             <a:endParaRPr lang="fr-FR"/>
           </a:p>
@@ -2091,7 +2098,7 @@
           <a:p>
             <a:fld id="{4F5E2CE0-E47B-4D3A-AEFF-32FB4EEFB863}" type="datetimeFigureOut">
               <a:rPr lang="fr-FR" smtClean="0"/>
-              <a:t>09/04/2024</a:t>
+              <a:t>12/04/2024</a:t>
             </a:fld>
             <a:endParaRPr lang="fr-FR"/>
           </a:p>
@@ -2348,7 +2355,7 @@
           <a:p>
             <a:fld id="{4F5E2CE0-E47B-4D3A-AEFF-32FB4EEFB863}" type="datetimeFigureOut">
               <a:rPr lang="fr-FR" smtClean="0"/>
-              <a:t>09/04/2024</a:t>
+              <a:t>12/04/2024</a:t>
             </a:fld>
             <a:endParaRPr lang="fr-FR"/>
           </a:p>
@@ -2561,7 +2568,7 @@
           <a:p>
             <a:fld id="{4F5E2CE0-E47B-4D3A-AEFF-32FB4EEFB863}" type="datetimeFigureOut">
               <a:rPr lang="fr-FR" smtClean="0"/>
-              <a:t>09/04/2024</a:t>
+              <a:t>12/04/2024</a:t>
             </a:fld>
             <a:endParaRPr lang="fr-FR"/>
           </a:p>
@@ -2966,24 +2973,2016 @@
           <a:chExt cx="0" cy="0"/>
         </a:xfrm>
       </p:grpSpPr>
+      <p:pic>
+        <p:nvPicPr>
+          <p:cNvPr id="3" name="Graphique 2" descr="Utilisateur avec un remplissage uni">
+            <a:extLst>
+              <a:ext uri="{FF2B5EF4-FFF2-40B4-BE49-F238E27FC236}">
+                <a16:creationId xmlns:a16="http://schemas.microsoft.com/office/drawing/2014/main" id="{3BE6F8E9-A7F2-4169-B6E6-3EFDAED021F3}"/>
+              </a:ext>
+            </a:extLst>
+          </p:cNvPr>
+          <p:cNvPicPr>
+            <a:picLocks noChangeAspect="1"/>
+          </p:cNvPicPr>
+          <p:nvPr/>
+        </p:nvPicPr>
+        <p:blipFill>
+          <a:blip r:embed="rId2">
+            <a:extLst>
+              <a:ext uri="{28A0092B-C50C-407E-A947-70E740481C1C}">
+                <a14:useLocalDpi xmlns:a14="http://schemas.microsoft.com/office/drawing/2010/main" val="0"/>
+              </a:ext>
+              <a:ext uri="{96DAC541-7B7A-43D3-8B79-37D633B846F1}">
+                <asvg:svgBlip xmlns:asvg="http://schemas.microsoft.com/office/drawing/2016/SVG/main" r:embed="rId3"/>
+              </a:ext>
+            </a:extLst>
+          </a:blip>
+          <a:stretch>
+            <a:fillRect/>
+          </a:stretch>
+        </p:blipFill>
+        <p:spPr>
+          <a:xfrm>
+            <a:off x="969288" y="2378709"/>
+            <a:ext cx="914400" cy="914400"/>
+          </a:xfrm>
+          <a:prstGeom prst="rect">
+            <a:avLst/>
+          </a:prstGeom>
+        </p:spPr>
+      </p:pic>
+      <p:pic>
+        <p:nvPicPr>
+          <p:cNvPr id="8" name="Graphique 7" descr="Flocon de neige avec un remplissage uni">
+            <a:extLst>
+              <a:ext uri="{FF2B5EF4-FFF2-40B4-BE49-F238E27FC236}">
+                <a16:creationId xmlns:a16="http://schemas.microsoft.com/office/drawing/2014/main" id="{83126C2A-3E36-4C7D-9C28-1E6A7D0C48E7}"/>
+              </a:ext>
+            </a:extLst>
+          </p:cNvPr>
+          <p:cNvPicPr>
+            <a:picLocks noChangeAspect="1"/>
+          </p:cNvPicPr>
+          <p:nvPr/>
+        </p:nvPicPr>
+        <p:blipFill>
+          <a:blip r:embed="rId4">
+            <a:extLst>
+              <a:ext uri="{28A0092B-C50C-407E-A947-70E740481C1C}">
+                <a14:useLocalDpi xmlns:a14="http://schemas.microsoft.com/office/drawing/2010/main" val="0"/>
+              </a:ext>
+              <a:ext uri="{96DAC541-7B7A-43D3-8B79-37D633B846F1}">
+                <asvg:svgBlip xmlns:asvg="http://schemas.microsoft.com/office/drawing/2016/SVG/main" r:embed="rId5"/>
+              </a:ext>
+            </a:extLst>
+          </a:blip>
+          <a:stretch>
+            <a:fillRect/>
+          </a:stretch>
+        </p:blipFill>
+        <p:spPr>
+          <a:xfrm>
+            <a:off x="4148666" y="1325599"/>
+            <a:ext cx="914400" cy="914400"/>
+          </a:xfrm>
+          <a:prstGeom prst="rect">
+            <a:avLst/>
+          </a:prstGeom>
+        </p:spPr>
+      </p:pic>
+      <p:pic>
+        <p:nvPicPr>
+          <p:cNvPr id="11" name="Graphique 10" descr="Nuage avec un remplissage uni">
+            <a:extLst>
+              <a:ext uri="{FF2B5EF4-FFF2-40B4-BE49-F238E27FC236}">
+                <a16:creationId xmlns:a16="http://schemas.microsoft.com/office/drawing/2014/main" id="{1E461DAA-3345-42B3-AC5E-816DEDADECDB}"/>
+              </a:ext>
+            </a:extLst>
+          </p:cNvPr>
+          <p:cNvPicPr>
+            <a:picLocks noChangeAspect="1"/>
+          </p:cNvPicPr>
+          <p:nvPr/>
+        </p:nvPicPr>
+        <p:blipFill>
+          <a:blip r:embed="rId6">
+            <a:extLst>
+              <a:ext uri="{28A0092B-C50C-407E-A947-70E740481C1C}">
+                <a14:useLocalDpi xmlns:a14="http://schemas.microsoft.com/office/drawing/2010/main" val="0"/>
+              </a:ext>
+              <a:ext uri="{96DAC541-7B7A-43D3-8B79-37D633B846F1}">
+                <asvg:svgBlip xmlns:asvg="http://schemas.microsoft.com/office/drawing/2016/SVG/main" r:embed="rId7"/>
+              </a:ext>
+            </a:extLst>
+          </a:blip>
+          <a:stretch>
+            <a:fillRect/>
+          </a:stretch>
+        </p:blipFill>
+        <p:spPr>
+          <a:xfrm>
+            <a:off x="4148666" y="3632018"/>
+            <a:ext cx="914400" cy="914400"/>
+          </a:xfrm>
+          <a:prstGeom prst="rect">
+            <a:avLst/>
+          </a:prstGeom>
+        </p:spPr>
+      </p:pic>
+      <p:pic>
+        <p:nvPicPr>
+          <p:cNvPr id="13" name="Graphique 12" descr="Voiture avec un remplissage uni">
+            <a:extLst>
+              <a:ext uri="{FF2B5EF4-FFF2-40B4-BE49-F238E27FC236}">
+                <a16:creationId xmlns:a16="http://schemas.microsoft.com/office/drawing/2014/main" id="{110832D9-C4E5-43FB-B800-0D85FEE4E80A}"/>
+              </a:ext>
+            </a:extLst>
+          </p:cNvPr>
+          <p:cNvPicPr>
+            <a:picLocks noChangeAspect="1"/>
+          </p:cNvPicPr>
+          <p:nvPr/>
+        </p:nvPicPr>
+        <p:blipFill>
+          <a:blip r:embed="rId8">
+            <a:extLst>
+              <a:ext uri="{28A0092B-C50C-407E-A947-70E740481C1C}">
+                <a14:useLocalDpi xmlns:a14="http://schemas.microsoft.com/office/drawing/2010/main" val="0"/>
+              </a:ext>
+              <a:ext uri="{96DAC541-7B7A-43D3-8B79-37D633B846F1}">
+                <asvg:svgBlip xmlns:asvg="http://schemas.microsoft.com/office/drawing/2016/SVG/main" r:embed="rId9"/>
+              </a:ext>
+            </a:extLst>
+          </a:blip>
+          <a:stretch>
+            <a:fillRect/>
+          </a:stretch>
+        </p:blipFill>
+        <p:spPr>
+          <a:xfrm>
+            <a:off x="4148666" y="2422643"/>
+            <a:ext cx="914400" cy="914400"/>
+          </a:xfrm>
+          <a:prstGeom prst="rect">
+            <a:avLst/>
+          </a:prstGeom>
+        </p:spPr>
+      </p:pic>
       <p:cxnSp>
         <p:nvCxnSpPr>
-          <p:cNvPr id="155" name="Connecteur droit avec flèche 154">
-            <a:extLst>
-              <a:ext uri="{FF2B5EF4-FFF2-40B4-BE49-F238E27FC236}">
-                <a16:creationId xmlns:a16="http://schemas.microsoft.com/office/drawing/2014/main" id="{4430E613-9C94-4DF0-8212-E251DCE7E736}"/>
+          <p:cNvPr id="15" name="Connecteur droit avec flèche 14">
+            <a:extLst>
+              <a:ext uri="{FF2B5EF4-FFF2-40B4-BE49-F238E27FC236}">
+                <a16:creationId xmlns:a16="http://schemas.microsoft.com/office/drawing/2014/main" id="{929F9E87-34D1-4642-AC45-EF2F2204FD31}"/>
               </a:ext>
             </a:extLst>
           </p:cNvPr>
           <p:cNvCxnSpPr>
             <a:cxnSpLocks/>
+            <a:stCxn id="3" idx="3"/>
+            <a:endCxn id="8" idx="1"/>
           </p:cNvCxnSpPr>
           <p:nvPr/>
         </p:nvCxnSpPr>
         <p:spPr>
           <a:xfrm flipV="1">
-            <a:off x="2840331" y="3389465"/>
-            <a:ext cx="8537" cy="1427848"/>
+            <a:off x="1883688" y="1782799"/>
+            <a:ext cx="2264978" cy="1053110"/>
+          </a:xfrm>
+          <a:prstGeom prst="straightConnector1">
+            <a:avLst/>
+          </a:prstGeom>
+          <a:ln w="57150">
+            <a:tailEnd type="triangle"/>
+          </a:ln>
+        </p:spPr>
+        <p:style>
+          <a:lnRef idx="1">
+            <a:schemeClr val="accent1"/>
+          </a:lnRef>
+          <a:fillRef idx="0">
+            <a:schemeClr val="accent1"/>
+          </a:fillRef>
+          <a:effectRef idx="0">
+            <a:schemeClr val="accent1"/>
+          </a:effectRef>
+          <a:fontRef idx="minor">
+            <a:schemeClr val="tx1"/>
+          </a:fontRef>
+        </p:style>
+      </p:cxnSp>
+      <p:cxnSp>
+        <p:nvCxnSpPr>
+          <p:cNvPr id="75" name="Connecteur droit avec flèche 74">
+            <a:extLst>
+              <a:ext uri="{FF2B5EF4-FFF2-40B4-BE49-F238E27FC236}">
+                <a16:creationId xmlns:a16="http://schemas.microsoft.com/office/drawing/2014/main" id="{593B1627-2E5F-47D4-A655-EA2680D32E6D}"/>
+              </a:ext>
+            </a:extLst>
+          </p:cNvPr>
+          <p:cNvCxnSpPr>
+            <a:cxnSpLocks/>
+            <a:stCxn id="3" idx="3"/>
+            <a:endCxn id="13" idx="1"/>
+          </p:cNvCxnSpPr>
+          <p:nvPr/>
+        </p:nvCxnSpPr>
+        <p:spPr>
+          <a:xfrm>
+            <a:off x="1883688" y="2835909"/>
+            <a:ext cx="2264978" cy="43934"/>
+          </a:xfrm>
+          <a:prstGeom prst="straightConnector1">
+            <a:avLst/>
+          </a:prstGeom>
+          <a:ln w="57150">
+            <a:tailEnd type="triangle"/>
+          </a:ln>
+        </p:spPr>
+        <p:style>
+          <a:lnRef idx="1">
+            <a:schemeClr val="accent1"/>
+          </a:lnRef>
+          <a:fillRef idx="0">
+            <a:schemeClr val="accent1"/>
+          </a:fillRef>
+          <a:effectRef idx="0">
+            <a:schemeClr val="accent1"/>
+          </a:effectRef>
+          <a:fontRef idx="minor">
+            <a:schemeClr val="tx1"/>
+          </a:fontRef>
+        </p:style>
+      </p:cxnSp>
+      <p:cxnSp>
+        <p:nvCxnSpPr>
+          <p:cNvPr id="76" name="Connecteur droit avec flèche 75">
+            <a:extLst>
+              <a:ext uri="{FF2B5EF4-FFF2-40B4-BE49-F238E27FC236}">
+                <a16:creationId xmlns:a16="http://schemas.microsoft.com/office/drawing/2014/main" id="{A3F98C47-85C1-4280-B1DE-9913FB4CF62F}"/>
+              </a:ext>
+            </a:extLst>
+          </p:cNvPr>
+          <p:cNvCxnSpPr>
+            <a:cxnSpLocks/>
+            <a:stCxn id="3" idx="3"/>
+            <a:endCxn id="11" idx="1"/>
+          </p:cNvCxnSpPr>
+          <p:nvPr/>
+        </p:nvCxnSpPr>
+        <p:spPr>
+          <a:xfrm>
+            <a:off x="1883688" y="2835909"/>
+            <a:ext cx="2264978" cy="1253309"/>
+          </a:xfrm>
+          <a:prstGeom prst="straightConnector1">
+            <a:avLst/>
+          </a:prstGeom>
+          <a:ln w="57150">
+            <a:tailEnd type="triangle"/>
+          </a:ln>
+        </p:spPr>
+        <p:style>
+          <a:lnRef idx="1">
+            <a:schemeClr val="accent1"/>
+          </a:lnRef>
+          <a:fillRef idx="0">
+            <a:schemeClr val="accent1"/>
+          </a:fillRef>
+          <a:effectRef idx="0">
+            <a:schemeClr val="accent1"/>
+          </a:effectRef>
+          <a:fontRef idx="minor">
+            <a:schemeClr val="tx1"/>
+          </a:fontRef>
+        </p:style>
+      </p:cxnSp>
+      <p:sp>
+        <p:nvSpPr>
+          <p:cNvPr id="26" name="ZoneTexte 25">
+            <a:extLst>
+              <a:ext uri="{FF2B5EF4-FFF2-40B4-BE49-F238E27FC236}">
+                <a16:creationId xmlns:a16="http://schemas.microsoft.com/office/drawing/2014/main" id="{934B0575-D6EB-46FE-893F-243A26EB658E}"/>
+              </a:ext>
+            </a:extLst>
+          </p:cNvPr>
+          <p:cNvSpPr txBox="1"/>
+          <p:nvPr/>
+        </p:nvSpPr>
+        <p:spPr>
+          <a:xfrm>
+            <a:off x="588980" y="2097245"/>
+            <a:ext cx="1675016" cy="369332"/>
+          </a:xfrm>
+          <a:prstGeom prst="rect">
+            <a:avLst/>
+          </a:prstGeom>
+          <a:noFill/>
+        </p:spPr>
+        <p:txBody>
+          <a:bodyPr wrap="square" rtlCol="0">
+            <a:spAutoFit/>
+          </a:bodyPr>
+          <a:lstStyle/>
+          <a:p>
+            <a:r>
+              <a:rPr lang="fr-FR" b="1" dirty="0">
+                <a:latin typeface="Arial Narrow" panose="020B0606020202030204" pitchFamily="34" charset="0"/>
+              </a:rPr>
+              <a:t>Classe Abstraite</a:t>
+            </a:r>
+          </a:p>
+        </p:txBody>
+      </p:sp>
+      <p:sp>
+        <p:nvSpPr>
+          <p:cNvPr id="84" name="ZoneTexte 83">
+            <a:extLst>
+              <a:ext uri="{FF2B5EF4-FFF2-40B4-BE49-F238E27FC236}">
+                <a16:creationId xmlns:a16="http://schemas.microsoft.com/office/drawing/2014/main" id="{136139E3-B0B2-4955-AFD5-32D4443E28EA}"/>
+              </a:ext>
+            </a:extLst>
+          </p:cNvPr>
+          <p:cNvSpPr txBox="1"/>
+          <p:nvPr/>
+        </p:nvSpPr>
+        <p:spPr>
+          <a:xfrm>
+            <a:off x="3941029" y="1022168"/>
+            <a:ext cx="1593724" cy="369332"/>
+          </a:xfrm>
+          <a:prstGeom prst="rect">
+            <a:avLst/>
+          </a:prstGeom>
+          <a:noFill/>
+        </p:spPr>
+        <p:txBody>
+          <a:bodyPr wrap="square" rtlCol="0">
+            <a:spAutoFit/>
+          </a:bodyPr>
+          <a:lstStyle/>
+          <a:p>
+            <a:r>
+              <a:rPr lang="fr-FR" b="1" dirty="0">
+                <a:latin typeface="Arial Narrow" panose="020B0606020202030204" pitchFamily="34" charset="0"/>
+              </a:rPr>
+              <a:t>Classes</a:t>
+            </a:r>
+            <a:r>
+              <a:rPr lang="fr-FR" dirty="0">
+                <a:latin typeface="Arial Narrow" panose="020B0606020202030204" pitchFamily="34" charset="0"/>
+              </a:rPr>
+              <a:t> </a:t>
+            </a:r>
+            <a:r>
+              <a:rPr lang="fr-FR" b="1" dirty="0">
+                <a:latin typeface="Arial Narrow" panose="020B0606020202030204" pitchFamily="34" charset="0"/>
+              </a:rPr>
+              <a:t>Filles</a:t>
+            </a:r>
+          </a:p>
+        </p:txBody>
+      </p:sp>
+      <p:sp>
+        <p:nvSpPr>
+          <p:cNvPr id="86" name="ZoneTexte 85">
+            <a:extLst>
+              <a:ext uri="{FF2B5EF4-FFF2-40B4-BE49-F238E27FC236}">
+                <a16:creationId xmlns:a16="http://schemas.microsoft.com/office/drawing/2014/main" id="{776A2C4D-F8D6-47B3-BE20-77130DDA0B5A}"/>
+              </a:ext>
+            </a:extLst>
+          </p:cNvPr>
+          <p:cNvSpPr txBox="1"/>
+          <p:nvPr/>
+        </p:nvSpPr>
+        <p:spPr>
+          <a:xfrm>
+            <a:off x="1169954" y="3164842"/>
+            <a:ext cx="1593724" cy="276999"/>
+          </a:xfrm>
+          <a:prstGeom prst="rect">
+            <a:avLst/>
+          </a:prstGeom>
+          <a:noFill/>
+        </p:spPr>
+        <p:txBody>
+          <a:bodyPr wrap="square" rtlCol="0">
+            <a:spAutoFit/>
+          </a:bodyPr>
+          <a:lstStyle/>
+          <a:p>
+            <a:r>
+              <a:rPr lang="fr-FR" sz="1200" dirty="0">
+                <a:solidFill>
+                  <a:schemeClr val="accent2"/>
+                </a:solidFill>
+                <a:latin typeface="Arial Narrow" panose="020B0606020202030204" pitchFamily="34" charset="0"/>
+              </a:rPr>
+              <a:t>Piece</a:t>
+            </a:r>
+          </a:p>
+        </p:txBody>
+      </p:sp>
+      <p:sp>
+        <p:nvSpPr>
+          <p:cNvPr id="89" name="ZoneTexte 88">
+            <a:extLst>
+              <a:ext uri="{FF2B5EF4-FFF2-40B4-BE49-F238E27FC236}">
+                <a16:creationId xmlns:a16="http://schemas.microsoft.com/office/drawing/2014/main" id="{A350749F-C6F3-49FD-9FD2-8D0006CD4465}"/>
+              </a:ext>
+            </a:extLst>
+          </p:cNvPr>
+          <p:cNvSpPr txBox="1"/>
+          <p:nvPr/>
+        </p:nvSpPr>
+        <p:spPr>
+          <a:xfrm>
+            <a:off x="4356303" y="2110487"/>
+            <a:ext cx="1593724" cy="276999"/>
+          </a:xfrm>
+          <a:prstGeom prst="rect">
+            <a:avLst/>
+          </a:prstGeom>
+          <a:noFill/>
+        </p:spPr>
+        <p:txBody>
+          <a:bodyPr wrap="square" rtlCol="0">
+            <a:spAutoFit/>
+          </a:bodyPr>
+          <a:lstStyle/>
+          <a:p>
+            <a:r>
+              <a:rPr lang="fr-FR" sz="1200" dirty="0">
+                <a:solidFill>
+                  <a:schemeClr val="accent2"/>
+                </a:solidFill>
+                <a:latin typeface="Arial Narrow" panose="020B0606020202030204" pitchFamily="34" charset="0"/>
+              </a:rPr>
+              <a:t>Glace</a:t>
+            </a:r>
+          </a:p>
+        </p:txBody>
+      </p:sp>
+      <p:sp>
+        <p:nvSpPr>
+          <p:cNvPr id="90" name="ZoneTexte 89">
+            <a:extLst>
+              <a:ext uri="{FF2B5EF4-FFF2-40B4-BE49-F238E27FC236}">
+                <a16:creationId xmlns:a16="http://schemas.microsoft.com/office/drawing/2014/main" id="{AF97850F-D8C1-40DE-99C7-39855D3DE16D}"/>
+              </a:ext>
+            </a:extLst>
+          </p:cNvPr>
+          <p:cNvSpPr txBox="1"/>
+          <p:nvPr/>
+        </p:nvSpPr>
+        <p:spPr>
+          <a:xfrm>
+            <a:off x="4266204" y="3106473"/>
+            <a:ext cx="1593724" cy="276999"/>
+          </a:xfrm>
+          <a:prstGeom prst="rect">
+            <a:avLst/>
+          </a:prstGeom>
+          <a:noFill/>
+        </p:spPr>
+        <p:txBody>
+          <a:bodyPr wrap="square" rtlCol="0">
+            <a:spAutoFit/>
+          </a:bodyPr>
+          <a:lstStyle/>
+          <a:p>
+            <a:r>
+              <a:rPr lang="fr-FR" sz="1200" dirty="0">
+                <a:solidFill>
+                  <a:schemeClr val="accent2"/>
+                </a:solidFill>
+                <a:latin typeface="Arial Narrow" panose="020B0606020202030204" pitchFamily="34" charset="0"/>
+              </a:rPr>
+              <a:t>Véhicule</a:t>
+            </a:r>
+          </a:p>
+        </p:txBody>
+      </p:sp>
+      <p:sp>
+        <p:nvSpPr>
+          <p:cNvPr id="92" name="ZoneTexte 91">
+            <a:extLst>
+              <a:ext uri="{FF2B5EF4-FFF2-40B4-BE49-F238E27FC236}">
+                <a16:creationId xmlns:a16="http://schemas.microsoft.com/office/drawing/2014/main" id="{3EDEEE5F-9FF3-45C0-82E8-3BC37B67DA3D}"/>
+              </a:ext>
+            </a:extLst>
+          </p:cNvPr>
+          <p:cNvSpPr txBox="1"/>
+          <p:nvPr/>
+        </p:nvSpPr>
+        <p:spPr>
+          <a:xfrm>
+            <a:off x="4336380" y="4362485"/>
+            <a:ext cx="1593724" cy="276999"/>
+          </a:xfrm>
+          <a:prstGeom prst="rect">
+            <a:avLst/>
+          </a:prstGeom>
+          <a:noFill/>
+        </p:spPr>
+        <p:txBody>
+          <a:bodyPr wrap="square" rtlCol="0">
+            <a:spAutoFit/>
+          </a:bodyPr>
+          <a:lstStyle/>
+          <a:p>
+            <a:r>
+              <a:rPr lang="fr-FR" sz="1200" dirty="0">
+                <a:solidFill>
+                  <a:schemeClr val="accent2"/>
+                </a:solidFill>
+                <a:latin typeface="Arial Narrow" panose="020B0606020202030204" pitchFamily="34" charset="0"/>
+              </a:rPr>
+              <a:t>Nuage</a:t>
+            </a:r>
+          </a:p>
+        </p:txBody>
+      </p:sp>
+      <p:sp>
+        <p:nvSpPr>
+          <p:cNvPr id="16" name="ZoneTexte 15">
+            <a:extLst>
+              <a:ext uri="{FF2B5EF4-FFF2-40B4-BE49-F238E27FC236}">
+                <a16:creationId xmlns:a16="http://schemas.microsoft.com/office/drawing/2014/main" id="{AC1B8294-CF84-41C5-9DD0-2713591CF950}"/>
+              </a:ext>
+            </a:extLst>
+          </p:cNvPr>
+          <p:cNvSpPr txBox="1"/>
+          <p:nvPr/>
+        </p:nvSpPr>
+        <p:spPr>
+          <a:xfrm>
+            <a:off x="5023576" y="1534822"/>
+            <a:ext cx="1593724" cy="646331"/>
+          </a:xfrm>
+          <a:prstGeom prst="rect">
+            <a:avLst/>
+          </a:prstGeom>
+          <a:noFill/>
+        </p:spPr>
+        <p:txBody>
+          <a:bodyPr wrap="square" rtlCol="0">
+            <a:spAutoFit/>
+          </a:bodyPr>
+          <a:lstStyle/>
+          <a:p>
+            <a:r>
+              <a:rPr lang="fr-FR" sz="1200" b="1" dirty="0">
+                <a:solidFill>
+                  <a:schemeClr val="accent6"/>
+                </a:solidFill>
+                <a:latin typeface="Arial Narrow" panose="020B0606020202030204" pitchFamily="34" charset="0"/>
+              </a:rPr>
+              <a:t>move(), </a:t>
+            </a:r>
+            <a:r>
+              <a:rPr lang="fr-FR" sz="1200" dirty="0">
+                <a:solidFill>
+                  <a:schemeClr val="accent6"/>
+                </a:solidFill>
+                <a:latin typeface="Arial Narrow" panose="020B0606020202030204" pitchFamily="34" charset="0"/>
+              </a:rPr>
+              <a:t>retourne une case à </a:t>
+            </a:r>
+            <a:r>
+              <a:rPr lang="fr-FR" sz="1200" b="1" dirty="0">
+                <a:solidFill>
+                  <a:schemeClr val="accent6"/>
+                </a:solidFill>
+                <a:latin typeface="Arial Narrow" panose="020B0606020202030204" pitchFamily="34" charset="0"/>
+              </a:rPr>
+              <a:t>1 de distance </a:t>
+            </a:r>
+            <a:r>
+              <a:rPr lang="fr-FR" sz="1200" dirty="0">
+                <a:solidFill>
+                  <a:schemeClr val="accent6"/>
+                </a:solidFill>
+                <a:latin typeface="Arial Narrow" panose="020B0606020202030204" pitchFamily="34" charset="0"/>
+              </a:rPr>
+              <a:t>donnée par le joueur </a:t>
+            </a:r>
+          </a:p>
+        </p:txBody>
+      </p:sp>
+      <p:sp>
+        <p:nvSpPr>
+          <p:cNvPr id="17" name="ZoneTexte 16">
+            <a:extLst>
+              <a:ext uri="{FF2B5EF4-FFF2-40B4-BE49-F238E27FC236}">
+                <a16:creationId xmlns:a16="http://schemas.microsoft.com/office/drawing/2014/main" id="{3C1417CC-CEF7-45A7-B553-19833F238A91}"/>
+              </a:ext>
+            </a:extLst>
+          </p:cNvPr>
+          <p:cNvSpPr txBox="1"/>
+          <p:nvPr/>
+        </p:nvSpPr>
+        <p:spPr>
+          <a:xfrm>
+            <a:off x="5028656" y="2572518"/>
+            <a:ext cx="1593724" cy="830997"/>
+          </a:xfrm>
+          <a:prstGeom prst="rect">
+            <a:avLst/>
+          </a:prstGeom>
+          <a:noFill/>
+        </p:spPr>
+        <p:txBody>
+          <a:bodyPr wrap="square" rtlCol="0">
+            <a:spAutoFit/>
+          </a:bodyPr>
+          <a:lstStyle/>
+          <a:p>
+            <a:r>
+              <a:rPr lang="fr-FR" sz="1200" b="1" dirty="0">
+                <a:solidFill>
+                  <a:schemeClr val="accent6"/>
+                </a:solidFill>
+                <a:latin typeface="Arial Narrow" panose="020B0606020202030204" pitchFamily="34" charset="0"/>
+              </a:rPr>
+              <a:t>move(), </a:t>
+            </a:r>
+            <a:r>
+              <a:rPr lang="fr-FR" sz="1200" dirty="0">
+                <a:solidFill>
+                  <a:schemeClr val="accent6"/>
+                </a:solidFill>
+                <a:latin typeface="Arial Narrow" panose="020B0606020202030204" pitchFamily="34" charset="0"/>
+              </a:rPr>
+              <a:t>retourne une case à </a:t>
+            </a:r>
+            <a:r>
+              <a:rPr lang="fr-FR" sz="1200" b="1" dirty="0">
+                <a:solidFill>
+                  <a:schemeClr val="accent6"/>
+                </a:solidFill>
+                <a:latin typeface="Arial Narrow" panose="020B0606020202030204" pitchFamily="34" charset="0"/>
+              </a:rPr>
+              <a:t>1 ou 2 de distance</a:t>
+            </a:r>
+            <a:r>
+              <a:rPr lang="fr-FR" sz="1200" dirty="0">
+                <a:solidFill>
+                  <a:schemeClr val="accent6"/>
+                </a:solidFill>
+                <a:latin typeface="Arial Narrow" panose="020B0606020202030204" pitchFamily="34" charset="0"/>
+              </a:rPr>
+              <a:t> donnée par le joueur </a:t>
+            </a:r>
+          </a:p>
+        </p:txBody>
+      </p:sp>
+      <p:sp>
+        <p:nvSpPr>
+          <p:cNvPr id="18" name="ZoneTexte 17">
+            <a:extLst>
+              <a:ext uri="{FF2B5EF4-FFF2-40B4-BE49-F238E27FC236}">
+                <a16:creationId xmlns:a16="http://schemas.microsoft.com/office/drawing/2014/main" id="{4FC130FC-44A4-4BB7-92CC-431AB5A5F61D}"/>
+              </a:ext>
+            </a:extLst>
+          </p:cNvPr>
+          <p:cNvSpPr txBox="1"/>
+          <p:nvPr/>
+        </p:nvSpPr>
+        <p:spPr>
+          <a:xfrm>
+            <a:off x="5028656" y="3761954"/>
+            <a:ext cx="1593724" cy="830997"/>
+          </a:xfrm>
+          <a:prstGeom prst="rect">
+            <a:avLst/>
+          </a:prstGeom>
+          <a:noFill/>
+        </p:spPr>
+        <p:txBody>
+          <a:bodyPr wrap="square" rtlCol="0">
+            <a:spAutoFit/>
+          </a:bodyPr>
+          <a:lstStyle/>
+          <a:p>
+            <a:r>
+              <a:rPr lang="fr-FR" sz="1200" b="1" dirty="0">
+                <a:solidFill>
+                  <a:schemeClr val="accent6"/>
+                </a:solidFill>
+                <a:latin typeface="Arial Narrow" panose="020B0606020202030204" pitchFamily="34" charset="0"/>
+              </a:rPr>
+              <a:t>move(), </a:t>
+            </a:r>
+            <a:r>
+              <a:rPr lang="fr-FR" sz="1200" dirty="0">
+                <a:solidFill>
+                  <a:schemeClr val="accent6"/>
+                </a:solidFill>
+                <a:latin typeface="Arial Narrow" panose="020B0606020202030204" pitchFamily="34" charset="0"/>
+              </a:rPr>
+              <a:t>retourne une case à 2 de distance dans une </a:t>
+            </a:r>
+            <a:r>
+              <a:rPr lang="fr-FR" sz="1200" b="1" dirty="0">
+                <a:solidFill>
+                  <a:schemeClr val="accent6"/>
+                </a:solidFill>
+                <a:latin typeface="Arial Narrow" panose="020B0606020202030204" pitchFamily="34" charset="0"/>
+              </a:rPr>
+              <a:t>direction</a:t>
+            </a:r>
+            <a:r>
+              <a:rPr lang="fr-FR" sz="1200" dirty="0">
+                <a:solidFill>
+                  <a:schemeClr val="accent6"/>
+                </a:solidFill>
+                <a:latin typeface="Arial Narrow" panose="020B0606020202030204" pitchFamily="34" charset="0"/>
+              </a:rPr>
+              <a:t> </a:t>
+            </a:r>
+            <a:r>
+              <a:rPr lang="fr-FR" sz="1200" b="1" dirty="0">
+                <a:solidFill>
+                  <a:schemeClr val="accent6"/>
+                </a:solidFill>
+                <a:latin typeface="Arial Narrow" panose="020B0606020202030204" pitchFamily="34" charset="0"/>
+              </a:rPr>
+              <a:t>aléatoire</a:t>
+            </a:r>
+          </a:p>
+        </p:txBody>
+      </p:sp>
+      <p:sp>
+        <p:nvSpPr>
+          <p:cNvPr id="21" name="ZoneTexte 20">
+            <a:extLst>
+              <a:ext uri="{FF2B5EF4-FFF2-40B4-BE49-F238E27FC236}">
+                <a16:creationId xmlns:a16="http://schemas.microsoft.com/office/drawing/2014/main" id="{CE1A8C02-2216-4C9C-8494-4238FF3A45CC}"/>
+              </a:ext>
+            </a:extLst>
+          </p:cNvPr>
+          <p:cNvSpPr txBox="1"/>
+          <p:nvPr/>
+        </p:nvSpPr>
+        <p:spPr>
+          <a:xfrm>
+            <a:off x="79433" y="713361"/>
+            <a:ext cx="2684245" cy="923330"/>
+          </a:xfrm>
+          <a:prstGeom prst="rect">
+            <a:avLst/>
+          </a:prstGeom>
+          <a:noFill/>
+        </p:spPr>
+        <p:txBody>
+          <a:bodyPr wrap="square" rtlCol="0">
+            <a:spAutoFit/>
+          </a:bodyPr>
+          <a:lstStyle/>
+          <a:p>
+            <a:pPr algn="ctr"/>
+            <a:r>
+              <a:rPr lang="fr-FR" b="1" dirty="0">
+                <a:latin typeface="Arial Narrow" panose="020B0606020202030204" pitchFamily="34" charset="0"/>
+              </a:rPr>
+              <a:t>Le joueur souhaite bouger une pièce quelconque, il appelle Piece.move()</a:t>
+            </a:r>
+          </a:p>
+        </p:txBody>
+      </p:sp>
+      <p:cxnSp>
+        <p:nvCxnSpPr>
+          <p:cNvPr id="22" name="Connecteur droit avec flèche 21">
+            <a:extLst>
+              <a:ext uri="{FF2B5EF4-FFF2-40B4-BE49-F238E27FC236}">
+                <a16:creationId xmlns:a16="http://schemas.microsoft.com/office/drawing/2014/main" id="{C7D7768A-672D-463C-B4EA-30E570FF465D}"/>
+              </a:ext>
+            </a:extLst>
+          </p:cNvPr>
+          <p:cNvCxnSpPr>
+            <a:cxnSpLocks/>
+            <a:stCxn id="21" idx="2"/>
+            <a:endCxn id="26" idx="0"/>
+          </p:cNvCxnSpPr>
+          <p:nvPr/>
+        </p:nvCxnSpPr>
+        <p:spPr>
+          <a:xfrm>
+            <a:off x="1421556" y="1636691"/>
+            <a:ext cx="4932" cy="460554"/>
+          </a:xfrm>
+          <a:prstGeom prst="straightConnector1">
+            <a:avLst/>
+          </a:prstGeom>
+          <a:ln w="57150">
+            <a:tailEnd type="triangle"/>
+          </a:ln>
+        </p:spPr>
+        <p:style>
+          <a:lnRef idx="1">
+            <a:schemeClr val="accent1"/>
+          </a:lnRef>
+          <a:fillRef idx="0">
+            <a:schemeClr val="accent1"/>
+          </a:fillRef>
+          <a:effectRef idx="0">
+            <a:schemeClr val="accent1"/>
+          </a:effectRef>
+          <a:fontRef idx="minor">
+            <a:schemeClr val="tx1"/>
+          </a:fontRef>
+        </p:style>
+      </p:cxnSp>
+    </p:spTree>
+    <p:extLst>
+      <p:ext uri="{BB962C8B-B14F-4D97-AF65-F5344CB8AC3E}">
+        <p14:creationId xmlns:p14="http://schemas.microsoft.com/office/powerpoint/2010/main" val="447163725"/>
+      </p:ext>
+    </p:extLst>
+  </p:cSld>
+  <p:clrMapOvr>
+    <a:masterClrMapping/>
+  </p:clrMapOvr>
+</p:sld>
+</file>
+
+<file path=ppt/slides/slide2.xml><?xml version="1.0" encoding="utf-8"?>
+<p:sld xmlns:a="http://schemas.openxmlformats.org/drawingml/2006/main" xmlns:r="http://schemas.openxmlformats.org/officeDocument/2006/relationships" xmlns:p="http://schemas.openxmlformats.org/presentationml/2006/main">
+  <p:cSld>
+    <p:spTree>
+      <p:nvGrpSpPr>
+        <p:cNvPr id="1" name=""/>
+        <p:cNvGrpSpPr/>
+        <p:nvPr/>
+      </p:nvGrpSpPr>
+      <p:grpSpPr>
+        <a:xfrm>
+          <a:off x="0" y="0"/>
+          <a:ext cx="0" cy="0"/>
+          <a:chOff x="0" y="0"/>
+          <a:chExt cx="0" cy="0"/>
+        </a:xfrm>
+      </p:grpSpPr>
+      <p:cxnSp>
+        <p:nvCxnSpPr>
+          <p:cNvPr id="79" name="Connecteur droit avec flèche 78">
+            <a:extLst>
+              <a:ext uri="{FF2B5EF4-FFF2-40B4-BE49-F238E27FC236}">
+                <a16:creationId xmlns:a16="http://schemas.microsoft.com/office/drawing/2014/main" id="{CC6930FD-BE93-48BF-9F8D-47AE2ED42873}"/>
+              </a:ext>
+            </a:extLst>
+          </p:cNvPr>
+          <p:cNvCxnSpPr>
+            <a:cxnSpLocks/>
+            <a:stCxn id="36" idx="3"/>
+          </p:cNvCxnSpPr>
+          <p:nvPr/>
+        </p:nvCxnSpPr>
+        <p:spPr>
+          <a:xfrm flipH="1">
+            <a:off x="1858446" y="2073465"/>
+            <a:ext cx="0" cy="1255250"/>
+          </a:xfrm>
+          <a:prstGeom prst="straightConnector1">
+            <a:avLst/>
+          </a:prstGeom>
+          <a:ln w="38100">
+            <a:solidFill>
+              <a:srgbClr val="FF0000"/>
+            </a:solidFill>
+            <a:headEnd type="none" w="med" len="med"/>
+            <a:tailEnd type="triangle" w="med" len="med"/>
+          </a:ln>
+        </p:spPr>
+        <p:style>
+          <a:lnRef idx="1">
+            <a:schemeClr val="accent1"/>
+          </a:lnRef>
+          <a:fillRef idx="0">
+            <a:schemeClr val="accent1"/>
+          </a:fillRef>
+          <a:effectRef idx="0">
+            <a:schemeClr val="accent1"/>
+          </a:effectRef>
+          <a:fontRef idx="minor">
+            <a:schemeClr val="tx1"/>
+          </a:fontRef>
+        </p:style>
+      </p:cxnSp>
+      <p:sp>
+        <p:nvSpPr>
+          <p:cNvPr id="6" name="Rectangle 5">
+            <a:extLst>
+              <a:ext uri="{FF2B5EF4-FFF2-40B4-BE49-F238E27FC236}">
+                <a16:creationId xmlns:a16="http://schemas.microsoft.com/office/drawing/2014/main" id="{0436BBB8-5625-4B04-B745-D8FA22D2B4A1}"/>
+              </a:ext>
+            </a:extLst>
+          </p:cNvPr>
+          <p:cNvSpPr/>
+          <p:nvPr/>
+        </p:nvSpPr>
+        <p:spPr>
+          <a:xfrm>
+            <a:off x="649317" y="3353314"/>
+            <a:ext cx="1330349" cy="540000"/>
+          </a:xfrm>
+          <a:prstGeom prst="rect">
+            <a:avLst/>
+          </a:prstGeom>
+          <a:solidFill>
+            <a:schemeClr val="accent2"/>
+          </a:solidFill>
+        </p:spPr>
+        <p:style>
+          <a:lnRef idx="2">
+            <a:schemeClr val="accent1">
+              <a:shade val="50000"/>
+            </a:schemeClr>
+          </a:lnRef>
+          <a:fillRef idx="1">
+            <a:schemeClr val="accent1"/>
+          </a:fillRef>
+          <a:effectRef idx="0">
+            <a:schemeClr val="accent1"/>
+          </a:effectRef>
+          <a:fontRef idx="minor">
+            <a:schemeClr val="lt1"/>
+          </a:fontRef>
+        </p:style>
+        <p:txBody>
+          <a:bodyPr rtlCol="0" anchor="ctr"/>
+          <a:lstStyle/>
+          <a:p>
+            <a:pPr algn="ctr"/>
+            <a:endParaRPr lang="fr-FR" sz="1013"/>
+          </a:p>
+        </p:txBody>
+      </p:sp>
+      <p:sp>
+        <p:nvSpPr>
+          <p:cNvPr id="7" name="Rectangle 6">
+            <a:extLst>
+              <a:ext uri="{FF2B5EF4-FFF2-40B4-BE49-F238E27FC236}">
+                <a16:creationId xmlns:a16="http://schemas.microsoft.com/office/drawing/2014/main" id="{CEA547BA-880E-4CFF-8981-2FD163B8D239}"/>
+              </a:ext>
+            </a:extLst>
+          </p:cNvPr>
+          <p:cNvSpPr/>
+          <p:nvPr/>
+        </p:nvSpPr>
+        <p:spPr>
+          <a:xfrm>
+            <a:off x="3085366" y="3339352"/>
+            <a:ext cx="1330349" cy="540000"/>
+          </a:xfrm>
+          <a:prstGeom prst="rect">
+            <a:avLst/>
+          </a:prstGeom>
+        </p:spPr>
+        <p:style>
+          <a:lnRef idx="2">
+            <a:schemeClr val="accent1">
+              <a:shade val="50000"/>
+            </a:schemeClr>
+          </a:lnRef>
+          <a:fillRef idx="1">
+            <a:schemeClr val="accent1"/>
+          </a:fillRef>
+          <a:effectRef idx="0">
+            <a:schemeClr val="accent1"/>
+          </a:effectRef>
+          <a:fontRef idx="minor">
+            <a:schemeClr val="lt1"/>
+          </a:fontRef>
+        </p:style>
+        <p:txBody>
+          <a:bodyPr rtlCol="0" anchor="ctr"/>
+          <a:lstStyle/>
+          <a:p>
+            <a:pPr algn="ctr"/>
+            <a:endParaRPr lang="fr-FR" sz="1013"/>
+          </a:p>
+        </p:txBody>
+      </p:sp>
+      <p:sp>
+        <p:nvSpPr>
+          <p:cNvPr id="17" name="Rectangle 16">
+            <a:extLst>
+              <a:ext uri="{FF2B5EF4-FFF2-40B4-BE49-F238E27FC236}">
+                <a16:creationId xmlns:a16="http://schemas.microsoft.com/office/drawing/2014/main" id="{4C4AC5BB-907A-4B92-ACE3-1BCEBC3020AB}"/>
+              </a:ext>
+            </a:extLst>
+          </p:cNvPr>
+          <p:cNvSpPr/>
+          <p:nvPr/>
+        </p:nvSpPr>
+        <p:spPr>
+          <a:xfrm rot="2659627">
+            <a:off x="1150984" y="1544703"/>
+            <a:ext cx="405000" cy="405000"/>
+          </a:xfrm>
+          <a:prstGeom prst="rect">
+            <a:avLst/>
+          </a:prstGeom>
+          <a:solidFill>
+            <a:schemeClr val="accent2"/>
+          </a:solidFill>
+        </p:spPr>
+        <p:style>
+          <a:lnRef idx="2">
+            <a:schemeClr val="accent1">
+              <a:shade val="50000"/>
+            </a:schemeClr>
+          </a:lnRef>
+          <a:fillRef idx="1">
+            <a:schemeClr val="accent1"/>
+          </a:fillRef>
+          <a:effectRef idx="0">
+            <a:schemeClr val="accent1"/>
+          </a:effectRef>
+          <a:fontRef idx="minor">
+            <a:schemeClr val="lt1"/>
+          </a:fontRef>
+        </p:style>
+        <p:txBody>
+          <a:bodyPr rtlCol="0" anchor="ctr"/>
+          <a:lstStyle/>
+          <a:p>
+            <a:pPr algn="ctr"/>
+            <a:endParaRPr lang="fr-FR" sz="1013"/>
+          </a:p>
+        </p:txBody>
+      </p:sp>
+      <p:pic>
+        <p:nvPicPr>
+          <p:cNvPr id="21" name="Graphique 20" descr="Écran avec un remplissage uni">
+            <a:extLst>
+              <a:ext uri="{FF2B5EF4-FFF2-40B4-BE49-F238E27FC236}">
+                <a16:creationId xmlns:a16="http://schemas.microsoft.com/office/drawing/2014/main" id="{42931361-1CE6-4E4A-916D-BB6545ABC8AE}"/>
+              </a:ext>
+            </a:extLst>
+          </p:cNvPr>
+          <p:cNvPicPr>
+            <a:picLocks noChangeAspect="1"/>
+          </p:cNvPicPr>
+          <p:nvPr/>
+        </p:nvPicPr>
+        <p:blipFill>
+          <a:blip r:embed="rId2">
+            <a:extLst>
+              <a:ext uri="{28A0092B-C50C-407E-A947-70E740481C1C}">
+                <a14:useLocalDpi xmlns:a14="http://schemas.microsoft.com/office/drawing/2010/main" val="0"/>
+              </a:ext>
+              <a:ext uri="{96DAC541-7B7A-43D3-8B79-37D633B846F1}">
+                <asvg:svgBlip xmlns:asvg="http://schemas.microsoft.com/office/drawing/2016/SVG/main" r:embed="rId3"/>
+              </a:ext>
+            </a:extLst>
+          </a:blip>
+          <a:stretch>
+            <a:fillRect/>
+          </a:stretch>
+        </p:blipFill>
+        <p:spPr>
+          <a:xfrm>
+            <a:off x="3085961" y="3328715"/>
+            <a:ext cx="514350" cy="563549"/>
+          </a:xfrm>
+          <a:prstGeom prst="rect">
+            <a:avLst/>
+          </a:prstGeom>
+        </p:spPr>
+      </p:pic>
+      <p:pic>
+        <p:nvPicPr>
+          <p:cNvPr id="23" name="Graphique 22" descr="Personne confuse avec un remplissage uni">
+            <a:extLst>
+              <a:ext uri="{FF2B5EF4-FFF2-40B4-BE49-F238E27FC236}">
+                <a16:creationId xmlns:a16="http://schemas.microsoft.com/office/drawing/2014/main" id="{B87845A2-CD3C-441F-A548-D82C533003AC}"/>
+              </a:ext>
+            </a:extLst>
+          </p:cNvPr>
+          <p:cNvPicPr>
+            <a:picLocks noChangeAspect="1"/>
+          </p:cNvPicPr>
+          <p:nvPr/>
+        </p:nvPicPr>
+        <p:blipFill>
+          <a:blip r:embed="rId4">
+            <a:extLst>
+              <a:ext uri="{28A0092B-C50C-407E-A947-70E740481C1C}">
+                <a14:useLocalDpi xmlns:a14="http://schemas.microsoft.com/office/drawing/2010/main" val="0"/>
+              </a:ext>
+              <a:ext uri="{96DAC541-7B7A-43D3-8B79-37D633B846F1}">
+                <asvg:svgBlip xmlns:asvg="http://schemas.microsoft.com/office/drawing/2016/SVG/main" r:embed="rId5"/>
+              </a:ext>
+            </a:extLst>
+          </a:blip>
+          <a:stretch>
+            <a:fillRect/>
+          </a:stretch>
+        </p:blipFill>
+        <p:spPr>
+          <a:xfrm>
+            <a:off x="1154818" y="1544807"/>
+            <a:ext cx="397327" cy="397327"/>
+          </a:xfrm>
+          <a:prstGeom prst="rect">
+            <a:avLst/>
+          </a:prstGeom>
+        </p:spPr>
+      </p:pic>
+      <p:pic>
+        <p:nvPicPr>
+          <p:cNvPr id="27" name="Graphique 26" descr="Cerveau avec un remplissage uni">
+            <a:extLst>
+              <a:ext uri="{FF2B5EF4-FFF2-40B4-BE49-F238E27FC236}">
+                <a16:creationId xmlns:a16="http://schemas.microsoft.com/office/drawing/2014/main" id="{91149C9C-7517-4674-AB57-35875C970460}"/>
+              </a:ext>
+            </a:extLst>
+          </p:cNvPr>
+          <p:cNvPicPr>
+            <a:picLocks noChangeAspect="1"/>
+          </p:cNvPicPr>
+          <p:nvPr/>
+        </p:nvPicPr>
+        <p:blipFill>
+          <a:blip r:embed="rId6">
+            <a:extLst>
+              <a:ext uri="{28A0092B-C50C-407E-A947-70E740481C1C}">
+                <a14:useLocalDpi xmlns:a14="http://schemas.microsoft.com/office/drawing/2010/main" val="0"/>
+              </a:ext>
+              <a:ext uri="{96DAC541-7B7A-43D3-8B79-37D633B846F1}">
+                <asvg:svgBlip xmlns:asvg="http://schemas.microsoft.com/office/drawing/2016/SVG/main" r:embed="rId7"/>
+              </a:ext>
+            </a:extLst>
+          </a:blip>
+          <a:stretch>
+            <a:fillRect/>
+          </a:stretch>
+        </p:blipFill>
+        <p:spPr>
+          <a:xfrm>
+            <a:off x="657051" y="3353315"/>
+            <a:ext cx="514350" cy="514350"/>
+          </a:xfrm>
+          <a:prstGeom prst="rect">
+            <a:avLst/>
+          </a:prstGeom>
+        </p:spPr>
+      </p:pic>
+      <p:sp>
+        <p:nvSpPr>
+          <p:cNvPr id="35" name="Rectangle 34">
+            <a:extLst>
+              <a:ext uri="{FF2B5EF4-FFF2-40B4-BE49-F238E27FC236}">
+                <a16:creationId xmlns:a16="http://schemas.microsoft.com/office/drawing/2014/main" id="{FF9E3023-9581-4B6D-B5D2-630C7A7A43E9}"/>
+              </a:ext>
+            </a:extLst>
+          </p:cNvPr>
+          <p:cNvSpPr/>
+          <p:nvPr/>
+        </p:nvSpPr>
+        <p:spPr>
+          <a:xfrm rot="2659627">
+            <a:off x="1470903" y="1870537"/>
+            <a:ext cx="405000" cy="405000"/>
+          </a:xfrm>
+          <a:prstGeom prst="rect">
+            <a:avLst/>
+          </a:prstGeom>
+          <a:solidFill>
+            <a:schemeClr val="accent2"/>
+          </a:solidFill>
+        </p:spPr>
+        <p:style>
+          <a:lnRef idx="2">
+            <a:schemeClr val="accent1">
+              <a:shade val="50000"/>
+            </a:schemeClr>
+          </a:lnRef>
+          <a:fillRef idx="1">
+            <a:schemeClr val="accent1"/>
+          </a:fillRef>
+          <a:effectRef idx="0">
+            <a:schemeClr val="accent1"/>
+          </a:effectRef>
+          <a:fontRef idx="minor">
+            <a:schemeClr val="lt1"/>
+          </a:fontRef>
+        </p:style>
+        <p:txBody>
+          <a:bodyPr rtlCol="0" anchor="ctr"/>
+          <a:lstStyle/>
+          <a:p>
+            <a:pPr algn="ctr"/>
+            <a:endParaRPr lang="fr-FR" sz="1013"/>
+          </a:p>
+        </p:txBody>
+      </p:sp>
+      <p:pic>
+        <p:nvPicPr>
+          <p:cNvPr id="36" name="Graphique 35" descr="Personne confuse avec un remplissage uni">
+            <a:extLst>
+              <a:ext uri="{FF2B5EF4-FFF2-40B4-BE49-F238E27FC236}">
+                <a16:creationId xmlns:a16="http://schemas.microsoft.com/office/drawing/2014/main" id="{DC6E0B32-C794-4F1E-8EB2-BC3298891EBF}"/>
+              </a:ext>
+            </a:extLst>
+          </p:cNvPr>
+          <p:cNvPicPr>
+            <a:picLocks noChangeAspect="1"/>
+          </p:cNvPicPr>
+          <p:nvPr/>
+        </p:nvPicPr>
+        <p:blipFill>
+          <a:blip r:embed="rId4">
+            <a:extLst>
+              <a:ext uri="{28A0092B-C50C-407E-A947-70E740481C1C}">
+                <a14:useLocalDpi xmlns:a14="http://schemas.microsoft.com/office/drawing/2010/main" val="0"/>
+              </a:ext>
+              <a:ext uri="{96DAC541-7B7A-43D3-8B79-37D633B846F1}">
+                <asvg:svgBlip xmlns:asvg="http://schemas.microsoft.com/office/drawing/2016/SVG/main" r:embed="rId5"/>
+              </a:ext>
+            </a:extLst>
+          </a:blip>
+          <a:stretch>
+            <a:fillRect/>
+          </a:stretch>
+        </p:blipFill>
+        <p:spPr>
+          <a:xfrm>
+            <a:off x="1474739" y="1874801"/>
+            <a:ext cx="397327" cy="397327"/>
+          </a:xfrm>
+          <a:prstGeom prst="rect">
+            <a:avLst/>
+          </a:prstGeom>
+        </p:spPr>
+      </p:pic>
+      <p:sp>
+        <p:nvSpPr>
+          <p:cNvPr id="37" name="Rectangle 36">
+            <a:extLst>
+              <a:ext uri="{FF2B5EF4-FFF2-40B4-BE49-F238E27FC236}">
+                <a16:creationId xmlns:a16="http://schemas.microsoft.com/office/drawing/2014/main" id="{FF758471-F63E-4BD9-94EE-93B1451BC76A}"/>
+              </a:ext>
+            </a:extLst>
+          </p:cNvPr>
+          <p:cNvSpPr/>
+          <p:nvPr/>
+        </p:nvSpPr>
+        <p:spPr>
+          <a:xfrm rot="2659627">
+            <a:off x="1150983" y="2198632"/>
+            <a:ext cx="405000" cy="405000"/>
+          </a:xfrm>
+          <a:prstGeom prst="rect">
+            <a:avLst/>
+          </a:prstGeom>
+          <a:solidFill>
+            <a:schemeClr val="accent2"/>
+          </a:solidFill>
+        </p:spPr>
+        <p:style>
+          <a:lnRef idx="2">
+            <a:schemeClr val="accent1">
+              <a:shade val="50000"/>
+            </a:schemeClr>
+          </a:lnRef>
+          <a:fillRef idx="1">
+            <a:schemeClr val="accent1"/>
+          </a:fillRef>
+          <a:effectRef idx="0">
+            <a:schemeClr val="accent1"/>
+          </a:effectRef>
+          <a:fontRef idx="minor">
+            <a:schemeClr val="lt1"/>
+          </a:fontRef>
+        </p:style>
+        <p:txBody>
+          <a:bodyPr rtlCol="0" anchor="ctr"/>
+          <a:lstStyle/>
+          <a:p>
+            <a:pPr algn="ctr"/>
+            <a:endParaRPr lang="fr-FR" sz="1013"/>
+          </a:p>
+        </p:txBody>
+      </p:sp>
+      <p:pic>
+        <p:nvPicPr>
+          <p:cNvPr id="38" name="Graphique 37" descr="Personne confuse avec un remplissage uni">
+            <a:extLst>
+              <a:ext uri="{FF2B5EF4-FFF2-40B4-BE49-F238E27FC236}">
+                <a16:creationId xmlns:a16="http://schemas.microsoft.com/office/drawing/2014/main" id="{32B54F7D-6A94-4FAE-8A9D-F8BD675CCE3F}"/>
+              </a:ext>
+            </a:extLst>
+          </p:cNvPr>
+          <p:cNvPicPr>
+            <a:picLocks noChangeAspect="1"/>
+          </p:cNvPicPr>
+          <p:nvPr/>
+        </p:nvPicPr>
+        <p:blipFill>
+          <a:blip r:embed="rId4">
+            <a:extLst>
+              <a:ext uri="{28A0092B-C50C-407E-A947-70E740481C1C}">
+                <a14:useLocalDpi xmlns:a14="http://schemas.microsoft.com/office/drawing/2010/main" val="0"/>
+              </a:ext>
+              <a:ext uri="{96DAC541-7B7A-43D3-8B79-37D633B846F1}">
+                <asvg:svgBlip xmlns:asvg="http://schemas.microsoft.com/office/drawing/2016/SVG/main" r:embed="rId5"/>
+              </a:ext>
+            </a:extLst>
+          </a:blip>
+          <a:stretch>
+            <a:fillRect/>
+          </a:stretch>
+        </p:blipFill>
+        <p:spPr>
+          <a:xfrm>
+            <a:off x="1154819" y="2202896"/>
+            <a:ext cx="397327" cy="397327"/>
+          </a:xfrm>
+          <a:prstGeom prst="rect">
+            <a:avLst/>
+          </a:prstGeom>
+        </p:spPr>
+      </p:pic>
+      <p:sp>
+        <p:nvSpPr>
+          <p:cNvPr id="39" name="Rectangle 38">
+            <a:extLst>
+              <a:ext uri="{FF2B5EF4-FFF2-40B4-BE49-F238E27FC236}">
+                <a16:creationId xmlns:a16="http://schemas.microsoft.com/office/drawing/2014/main" id="{24C97E63-6E2E-4EA6-AA58-7DD5D017C0B9}"/>
+              </a:ext>
+            </a:extLst>
+          </p:cNvPr>
+          <p:cNvSpPr/>
+          <p:nvPr/>
+        </p:nvSpPr>
+        <p:spPr>
+          <a:xfrm rot="2659627">
+            <a:off x="838637" y="1870536"/>
+            <a:ext cx="405000" cy="405000"/>
+          </a:xfrm>
+          <a:prstGeom prst="rect">
+            <a:avLst/>
+          </a:prstGeom>
+          <a:solidFill>
+            <a:schemeClr val="accent2"/>
+          </a:solidFill>
+        </p:spPr>
+        <p:style>
+          <a:lnRef idx="2">
+            <a:schemeClr val="accent1">
+              <a:shade val="50000"/>
+            </a:schemeClr>
+          </a:lnRef>
+          <a:fillRef idx="1">
+            <a:schemeClr val="accent1"/>
+          </a:fillRef>
+          <a:effectRef idx="0">
+            <a:schemeClr val="accent1"/>
+          </a:effectRef>
+          <a:fontRef idx="minor">
+            <a:schemeClr val="lt1"/>
+          </a:fontRef>
+        </p:style>
+        <p:txBody>
+          <a:bodyPr rtlCol="0" anchor="ctr"/>
+          <a:lstStyle/>
+          <a:p>
+            <a:pPr algn="ctr"/>
+            <a:endParaRPr lang="fr-FR" sz="1013"/>
+          </a:p>
+        </p:txBody>
+      </p:sp>
+      <p:pic>
+        <p:nvPicPr>
+          <p:cNvPr id="40" name="Graphique 39" descr="Personne confuse avec un remplissage uni">
+            <a:extLst>
+              <a:ext uri="{FF2B5EF4-FFF2-40B4-BE49-F238E27FC236}">
+                <a16:creationId xmlns:a16="http://schemas.microsoft.com/office/drawing/2014/main" id="{05D7CD8E-C131-4D83-B536-828021245FB5}"/>
+              </a:ext>
+            </a:extLst>
+          </p:cNvPr>
+          <p:cNvPicPr>
+            <a:picLocks noChangeAspect="1"/>
+          </p:cNvPicPr>
+          <p:nvPr/>
+        </p:nvPicPr>
+        <p:blipFill>
+          <a:blip r:embed="rId4">
+            <a:extLst>
+              <a:ext uri="{28A0092B-C50C-407E-A947-70E740481C1C}">
+                <a14:useLocalDpi xmlns:a14="http://schemas.microsoft.com/office/drawing/2010/main" val="0"/>
+              </a:ext>
+              <a:ext uri="{96DAC541-7B7A-43D3-8B79-37D633B846F1}">
+                <asvg:svgBlip xmlns:asvg="http://schemas.microsoft.com/office/drawing/2016/SVG/main" r:embed="rId5"/>
+              </a:ext>
+            </a:extLst>
+          </a:blip>
+          <a:stretch>
+            <a:fillRect/>
+          </a:stretch>
+        </p:blipFill>
+        <p:spPr>
+          <a:xfrm>
+            <a:off x="842473" y="1874800"/>
+            <a:ext cx="397327" cy="397327"/>
+          </a:xfrm>
+          <a:prstGeom prst="rect">
+            <a:avLst/>
+          </a:prstGeom>
+        </p:spPr>
+      </p:pic>
+      <p:sp>
+        <p:nvSpPr>
+          <p:cNvPr id="41" name="Rectangle 40">
+            <a:extLst>
+              <a:ext uri="{FF2B5EF4-FFF2-40B4-BE49-F238E27FC236}">
+                <a16:creationId xmlns:a16="http://schemas.microsoft.com/office/drawing/2014/main" id="{79B0D879-485B-4400-953B-46E92B2C2A13}"/>
+              </a:ext>
+            </a:extLst>
+          </p:cNvPr>
+          <p:cNvSpPr/>
+          <p:nvPr/>
+        </p:nvSpPr>
+        <p:spPr>
+          <a:xfrm>
+            <a:off x="3353696" y="1786223"/>
+            <a:ext cx="405000" cy="405000"/>
+          </a:xfrm>
+          <a:prstGeom prst="rect">
+            <a:avLst/>
+          </a:prstGeom>
+        </p:spPr>
+        <p:style>
+          <a:lnRef idx="2">
+            <a:schemeClr val="accent1">
+              <a:shade val="50000"/>
+            </a:schemeClr>
+          </a:lnRef>
+          <a:fillRef idx="1">
+            <a:schemeClr val="accent1"/>
+          </a:fillRef>
+          <a:effectRef idx="0">
+            <a:schemeClr val="accent1"/>
+          </a:effectRef>
+          <a:fontRef idx="minor">
+            <a:schemeClr val="lt1"/>
+          </a:fontRef>
+        </p:style>
+        <p:txBody>
+          <a:bodyPr rtlCol="0" anchor="ctr"/>
+          <a:lstStyle/>
+          <a:p>
+            <a:pPr algn="ctr"/>
+            <a:endParaRPr lang="fr-FR" sz="1013"/>
+          </a:p>
+        </p:txBody>
+      </p:sp>
+      <p:pic>
+        <p:nvPicPr>
+          <p:cNvPr id="44" name="Graphique 43" descr="Yeux avec un remplissage uni">
+            <a:extLst>
+              <a:ext uri="{FF2B5EF4-FFF2-40B4-BE49-F238E27FC236}">
+                <a16:creationId xmlns:a16="http://schemas.microsoft.com/office/drawing/2014/main" id="{FEEF19A9-6037-4193-8BB4-9839E2384434}"/>
+              </a:ext>
+            </a:extLst>
+          </p:cNvPr>
+          <p:cNvPicPr>
+            <a:picLocks noChangeAspect="1"/>
+          </p:cNvPicPr>
+          <p:nvPr/>
+        </p:nvPicPr>
+        <p:blipFill>
+          <a:blip r:embed="rId8">
+            <a:extLst>
+              <a:ext uri="{28A0092B-C50C-407E-A947-70E740481C1C}">
+                <a14:useLocalDpi xmlns:a14="http://schemas.microsoft.com/office/drawing/2010/main" val="0"/>
+              </a:ext>
+              <a:ext uri="{96DAC541-7B7A-43D3-8B79-37D633B846F1}">
+                <asvg:svgBlip xmlns:asvg="http://schemas.microsoft.com/office/drawing/2016/SVG/main" r:embed="rId9"/>
+              </a:ext>
+            </a:extLst>
+          </a:blip>
+          <a:stretch>
+            <a:fillRect/>
+          </a:stretch>
+        </p:blipFill>
+        <p:spPr>
+          <a:xfrm>
+            <a:off x="3368235" y="1786223"/>
+            <a:ext cx="383126" cy="383126"/>
+          </a:xfrm>
+          <a:prstGeom prst="rect">
+            <a:avLst/>
+          </a:prstGeom>
+        </p:spPr>
+      </p:pic>
+      <p:pic>
+        <p:nvPicPr>
+          <p:cNvPr id="46" name="Graphique 45" descr="Flèche en cercle avec un remplissage uni">
+            <a:extLst>
+              <a:ext uri="{FF2B5EF4-FFF2-40B4-BE49-F238E27FC236}">
+                <a16:creationId xmlns:a16="http://schemas.microsoft.com/office/drawing/2014/main" id="{BF354DC1-0DF2-4730-A412-2EF5888C5E56}"/>
+              </a:ext>
+            </a:extLst>
+          </p:cNvPr>
+          <p:cNvPicPr>
+            <a:picLocks noChangeAspect="1"/>
+          </p:cNvPicPr>
+          <p:nvPr/>
+        </p:nvPicPr>
+        <p:blipFill>
+          <a:blip r:embed="rId10">
+            <a:extLst>
+              <a:ext uri="{28A0092B-C50C-407E-A947-70E740481C1C}">
+                <a14:useLocalDpi xmlns:a14="http://schemas.microsoft.com/office/drawing/2010/main" val="0"/>
+              </a:ext>
+              <a:ext uri="{96DAC541-7B7A-43D3-8B79-37D633B846F1}">
+                <asvg:svgBlip xmlns:asvg="http://schemas.microsoft.com/office/drawing/2016/SVG/main" r:embed="rId11"/>
+              </a:ext>
+            </a:extLst>
+          </a:blip>
+          <a:stretch>
+            <a:fillRect/>
+          </a:stretch>
+        </p:blipFill>
+        <p:spPr>
+          <a:xfrm>
+            <a:off x="649317" y="4674642"/>
+            <a:ext cx="737455" cy="737455"/>
+          </a:xfrm>
+          <a:prstGeom prst="rect">
+            <a:avLst/>
+          </a:prstGeom>
+        </p:spPr>
+      </p:pic>
+      <p:sp>
+        <p:nvSpPr>
+          <p:cNvPr id="47" name="Rectangle 46">
+            <a:extLst>
+              <a:ext uri="{FF2B5EF4-FFF2-40B4-BE49-F238E27FC236}">
+                <a16:creationId xmlns:a16="http://schemas.microsoft.com/office/drawing/2014/main" id="{281FEC57-C333-4084-8DF4-9D8ED653D82F}"/>
+              </a:ext>
+            </a:extLst>
+          </p:cNvPr>
+          <p:cNvSpPr/>
+          <p:nvPr/>
+        </p:nvSpPr>
+        <p:spPr>
+          <a:xfrm>
+            <a:off x="3817282" y="1786223"/>
+            <a:ext cx="405000" cy="405000"/>
+          </a:xfrm>
+          <a:prstGeom prst="rect">
+            <a:avLst/>
+          </a:prstGeom>
+        </p:spPr>
+        <p:style>
+          <a:lnRef idx="2">
+            <a:schemeClr val="accent1">
+              <a:shade val="50000"/>
+            </a:schemeClr>
+          </a:lnRef>
+          <a:fillRef idx="1">
+            <a:schemeClr val="accent1"/>
+          </a:fillRef>
+          <a:effectRef idx="0">
+            <a:schemeClr val="accent1"/>
+          </a:effectRef>
+          <a:fontRef idx="minor">
+            <a:schemeClr val="lt1"/>
+          </a:fontRef>
+        </p:style>
+        <p:txBody>
+          <a:bodyPr rtlCol="0" anchor="ctr"/>
+          <a:lstStyle/>
+          <a:p>
+            <a:pPr algn="ctr"/>
+            <a:endParaRPr lang="fr-FR" sz="1013"/>
+          </a:p>
+        </p:txBody>
+      </p:sp>
+      <p:pic>
+        <p:nvPicPr>
+          <p:cNvPr id="48" name="Graphique 47" descr="Yeux avec un remplissage uni">
+            <a:extLst>
+              <a:ext uri="{FF2B5EF4-FFF2-40B4-BE49-F238E27FC236}">
+                <a16:creationId xmlns:a16="http://schemas.microsoft.com/office/drawing/2014/main" id="{A642C0C7-2443-44C2-AA02-E8AE9BEFAADD}"/>
+              </a:ext>
+            </a:extLst>
+          </p:cNvPr>
+          <p:cNvPicPr>
+            <a:picLocks noChangeAspect="1"/>
+          </p:cNvPicPr>
+          <p:nvPr/>
+        </p:nvPicPr>
+        <p:blipFill>
+          <a:blip r:embed="rId8">
+            <a:extLst>
+              <a:ext uri="{28A0092B-C50C-407E-A947-70E740481C1C}">
+                <a14:useLocalDpi xmlns:a14="http://schemas.microsoft.com/office/drawing/2010/main" val="0"/>
+              </a:ext>
+              <a:ext uri="{96DAC541-7B7A-43D3-8B79-37D633B846F1}">
+                <asvg:svgBlip xmlns:asvg="http://schemas.microsoft.com/office/drawing/2016/SVG/main" r:embed="rId9"/>
+              </a:ext>
+            </a:extLst>
+          </a:blip>
+          <a:stretch>
+            <a:fillRect/>
+          </a:stretch>
+        </p:blipFill>
+        <p:spPr>
+          <a:xfrm>
+            <a:off x="3831821" y="1786223"/>
+            <a:ext cx="383126" cy="383126"/>
+          </a:xfrm>
+          <a:prstGeom prst="rect">
+            <a:avLst/>
+          </a:prstGeom>
+        </p:spPr>
+      </p:pic>
+      <p:sp>
+        <p:nvSpPr>
+          <p:cNvPr id="49" name="Rectangle 48">
+            <a:extLst>
+              <a:ext uri="{FF2B5EF4-FFF2-40B4-BE49-F238E27FC236}">
+                <a16:creationId xmlns:a16="http://schemas.microsoft.com/office/drawing/2014/main" id="{9644363B-4CE6-46C8-B61E-A1C07D97E647}"/>
+              </a:ext>
+            </a:extLst>
+          </p:cNvPr>
+          <p:cNvSpPr/>
+          <p:nvPr/>
+        </p:nvSpPr>
+        <p:spPr>
+          <a:xfrm>
+            <a:off x="3346361" y="2265297"/>
+            <a:ext cx="405000" cy="405000"/>
+          </a:xfrm>
+          <a:prstGeom prst="rect">
+            <a:avLst/>
+          </a:prstGeom>
+        </p:spPr>
+        <p:style>
+          <a:lnRef idx="2">
+            <a:schemeClr val="accent1">
+              <a:shade val="50000"/>
+            </a:schemeClr>
+          </a:lnRef>
+          <a:fillRef idx="1">
+            <a:schemeClr val="accent1"/>
+          </a:fillRef>
+          <a:effectRef idx="0">
+            <a:schemeClr val="accent1"/>
+          </a:effectRef>
+          <a:fontRef idx="minor">
+            <a:schemeClr val="lt1"/>
+          </a:fontRef>
+        </p:style>
+        <p:txBody>
+          <a:bodyPr rtlCol="0" anchor="ctr"/>
+          <a:lstStyle/>
+          <a:p>
+            <a:pPr algn="ctr"/>
+            <a:endParaRPr lang="fr-FR" sz="1013"/>
+          </a:p>
+        </p:txBody>
+      </p:sp>
+      <p:pic>
+        <p:nvPicPr>
+          <p:cNvPr id="50" name="Graphique 49" descr="Yeux avec un remplissage uni">
+            <a:extLst>
+              <a:ext uri="{FF2B5EF4-FFF2-40B4-BE49-F238E27FC236}">
+                <a16:creationId xmlns:a16="http://schemas.microsoft.com/office/drawing/2014/main" id="{F0C14BDC-2843-4C4C-9921-9D92AF0607ED}"/>
+              </a:ext>
+            </a:extLst>
+          </p:cNvPr>
+          <p:cNvPicPr>
+            <a:picLocks noChangeAspect="1"/>
+          </p:cNvPicPr>
+          <p:nvPr/>
+        </p:nvPicPr>
+        <p:blipFill>
+          <a:blip r:embed="rId8">
+            <a:extLst>
+              <a:ext uri="{28A0092B-C50C-407E-A947-70E740481C1C}">
+                <a14:useLocalDpi xmlns:a14="http://schemas.microsoft.com/office/drawing/2010/main" val="0"/>
+              </a:ext>
+              <a:ext uri="{96DAC541-7B7A-43D3-8B79-37D633B846F1}">
+                <asvg:svgBlip xmlns:asvg="http://schemas.microsoft.com/office/drawing/2016/SVG/main" r:embed="rId9"/>
+              </a:ext>
+            </a:extLst>
+          </a:blip>
+          <a:stretch>
+            <a:fillRect/>
+          </a:stretch>
+        </p:blipFill>
+        <p:spPr>
+          <a:xfrm>
+            <a:off x="3346360" y="2265297"/>
+            <a:ext cx="383126" cy="383126"/>
+          </a:xfrm>
+          <a:prstGeom prst="rect">
+            <a:avLst/>
+          </a:prstGeom>
+        </p:spPr>
+      </p:pic>
+      <p:sp>
+        <p:nvSpPr>
+          <p:cNvPr id="51" name="Rectangle 50">
+            <a:extLst>
+              <a:ext uri="{FF2B5EF4-FFF2-40B4-BE49-F238E27FC236}">
+                <a16:creationId xmlns:a16="http://schemas.microsoft.com/office/drawing/2014/main" id="{5B0036A0-9E14-4F35-A6BB-A76B77A3D6DB}"/>
+              </a:ext>
+            </a:extLst>
+          </p:cNvPr>
+          <p:cNvSpPr/>
+          <p:nvPr/>
+        </p:nvSpPr>
+        <p:spPr>
+          <a:xfrm>
+            <a:off x="3817282" y="2265297"/>
+            <a:ext cx="405000" cy="405000"/>
+          </a:xfrm>
+          <a:prstGeom prst="rect">
+            <a:avLst/>
+          </a:prstGeom>
+        </p:spPr>
+        <p:style>
+          <a:lnRef idx="2">
+            <a:schemeClr val="accent1">
+              <a:shade val="50000"/>
+            </a:schemeClr>
+          </a:lnRef>
+          <a:fillRef idx="1">
+            <a:schemeClr val="accent1"/>
+          </a:fillRef>
+          <a:effectRef idx="0">
+            <a:schemeClr val="accent1"/>
+          </a:effectRef>
+          <a:fontRef idx="minor">
+            <a:schemeClr val="lt1"/>
+          </a:fontRef>
+        </p:style>
+        <p:txBody>
+          <a:bodyPr rtlCol="0" anchor="ctr"/>
+          <a:lstStyle/>
+          <a:p>
+            <a:pPr algn="ctr"/>
+            <a:endParaRPr lang="fr-FR" sz="1013"/>
+          </a:p>
+        </p:txBody>
+      </p:sp>
+      <p:pic>
+        <p:nvPicPr>
+          <p:cNvPr id="52" name="Graphique 51" descr="Yeux avec un remplissage uni">
+            <a:extLst>
+              <a:ext uri="{FF2B5EF4-FFF2-40B4-BE49-F238E27FC236}">
+                <a16:creationId xmlns:a16="http://schemas.microsoft.com/office/drawing/2014/main" id="{1ACB5F1E-321C-4352-A3CA-AD9270368467}"/>
+              </a:ext>
+            </a:extLst>
+          </p:cNvPr>
+          <p:cNvPicPr>
+            <a:picLocks noChangeAspect="1"/>
+          </p:cNvPicPr>
+          <p:nvPr/>
+        </p:nvPicPr>
+        <p:blipFill>
+          <a:blip r:embed="rId8">
+            <a:extLst>
+              <a:ext uri="{28A0092B-C50C-407E-A947-70E740481C1C}">
+                <a14:useLocalDpi xmlns:a14="http://schemas.microsoft.com/office/drawing/2010/main" val="0"/>
+              </a:ext>
+              <a:ext uri="{96DAC541-7B7A-43D3-8B79-37D633B846F1}">
+                <asvg:svgBlip xmlns:asvg="http://schemas.microsoft.com/office/drawing/2016/SVG/main" r:embed="rId9"/>
+              </a:ext>
+            </a:extLst>
+          </a:blip>
+          <a:stretch>
+            <a:fillRect/>
+          </a:stretch>
+        </p:blipFill>
+        <p:spPr>
+          <a:xfrm>
+            <a:off x="3831821" y="2265297"/>
+            <a:ext cx="383126" cy="383126"/>
+          </a:xfrm>
+          <a:prstGeom prst="rect">
+            <a:avLst/>
+          </a:prstGeom>
+        </p:spPr>
+      </p:pic>
+      <p:sp>
+        <p:nvSpPr>
+          <p:cNvPr id="55" name="ZoneTexte 54">
+            <a:extLst>
+              <a:ext uri="{FF2B5EF4-FFF2-40B4-BE49-F238E27FC236}">
+                <a16:creationId xmlns:a16="http://schemas.microsoft.com/office/drawing/2014/main" id="{8751AE07-97E9-4EAB-AD39-332E80FD7DE2}"/>
+              </a:ext>
+            </a:extLst>
+          </p:cNvPr>
+          <p:cNvSpPr txBox="1"/>
+          <p:nvPr/>
+        </p:nvSpPr>
+        <p:spPr>
+          <a:xfrm>
+            <a:off x="3548861" y="3353314"/>
+            <a:ext cx="960549" cy="523220"/>
+          </a:xfrm>
+          <a:prstGeom prst="rect">
+            <a:avLst/>
+          </a:prstGeom>
+          <a:noFill/>
+        </p:spPr>
+        <p:txBody>
+          <a:bodyPr wrap="square" rtlCol="0">
+            <a:spAutoFit/>
+          </a:bodyPr>
+          <a:lstStyle/>
+          <a:p>
+            <a:r>
+              <a:rPr lang="fr-FR" sz="1400" dirty="0">
+                <a:solidFill>
+                  <a:schemeClr val="bg1"/>
+                </a:solidFill>
+                <a:latin typeface="Arial Narrow" panose="020B0606020202030204" pitchFamily="34" charset="0"/>
+              </a:rPr>
+              <a:t>Plateau</a:t>
+            </a:r>
+          </a:p>
+          <a:p>
+            <a:r>
+              <a:rPr lang="fr-FR" sz="1400" dirty="0">
+                <a:solidFill>
+                  <a:schemeClr val="bg1"/>
+                </a:solidFill>
+                <a:latin typeface="Arial Narrow" panose="020B0606020202030204" pitchFamily="34" charset="0"/>
+              </a:rPr>
+              <a:t>Graphique</a:t>
+            </a:r>
+          </a:p>
+        </p:txBody>
+      </p:sp>
+      <p:sp>
+        <p:nvSpPr>
+          <p:cNvPr id="57" name="ZoneTexte 56">
+            <a:extLst>
+              <a:ext uri="{FF2B5EF4-FFF2-40B4-BE49-F238E27FC236}">
+                <a16:creationId xmlns:a16="http://schemas.microsoft.com/office/drawing/2014/main" id="{6E907373-4935-472E-8C09-143D2189FDD3}"/>
+              </a:ext>
+            </a:extLst>
+          </p:cNvPr>
+          <p:cNvSpPr txBox="1"/>
+          <p:nvPr/>
+        </p:nvSpPr>
+        <p:spPr>
+          <a:xfrm>
+            <a:off x="1183871" y="3371198"/>
+            <a:ext cx="824905" cy="523220"/>
+          </a:xfrm>
+          <a:prstGeom prst="rect">
+            <a:avLst/>
+          </a:prstGeom>
+          <a:noFill/>
+        </p:spPr>
+        <p:txBody>
+          <a:bodyPr wrap="square" rtlCol="0">
+            <a:spAutoFit/>
+          </a:bodyPr>
+          <a:lstStyle/>
+          <a:p>
+            <a:r>
+              <a:rPr lang="fr-FR" sz="1400" dirty="0">
+                <a:solidFill>
+                  <a:schemeClr val="bg1"/>
+                </a:solidFill>
+                <a:latin typeface="Arial Narrow" panose="020B0606020202030204" pitchFamily="34" charset="0"/>
+              </a:rPr>
+              <a:t>Plateau</a:t>
+            </a:r>
+          </a:p>
+          <a:p>
+            <a:r>
+              <a:rPr lang="fr-FR" sz="1400" dirty="0">
+                <a:solidFill>
+                  <a:schemeClr val="bg1"/>
+                </a:solidFill>
+                <a:latin typeface="Arial Narrow" panose="020B0606020202030204" pitchFamily="34" charset="0"/>
+              </a:rPr>
+              <a:t>Logique</a:t>
+            </a:r>
+          </a:p>
+        </p:txBody>
+      </p:sp>
+      <p:sp>
+        <p:nvSpPr>
+          <p:cNvPr id="59" name="ZoneTexte 58">
+            <a:extLst>
+              <a:ext uri="{FF2B5EF4-FFF2-40B4-BE49-F238E27FC236}">
+                <a16:creationId xmlns:a16="http://schemas.microsoft.com/office/drawing/2014/main" id="{CAB825FC-4853-4ADF-B923-E6980651B063}"/>
+              </a:ext>
+            </a:extLst>
+          </p:cNvPr>
+          <p:cNvSpPr txBox="1"/>
+          <p:nvPr/>
+        </p:nvSpPr>
+        <p:spPr>
+          <a:xfrm>
+            <a:off x="1542309" y="1426825"/>
+            <a:ext cx="1076653" cy="369332"/>
+          </a:xfrm>
+          <a:prstGeom prst="rect">
+            <a:avLst/>
+          </a:prstGeom>
+          <a:noFill/>
+        </p:spPr>
+        <p:txBody>
+          <a:bodyPr wrap="square" rtlCol="0">
+            <a:spAutoFit/>
+          </a:bodyPr>
+          <a:lstStyle/>
+          <a:p>
+            <a:r>
+              <a:rPr lang="fr-FR" dirty="0">
+                <a:solidFill>
+                  <a:schemeClr val="accent2"/>
+                </a:solidFill>
+                <a:latin typeface="Arial Narrow" panose="020B0606020202030204" pitchFamily="34" charset="0"/>
+              </a:rPr>
+              <a:t>Pieces</a:t>
+            </a:r>
+          </a:p>
+        </p:txBody>
+      </p:sp>
+      <p:sp>
+        <p:nvSpPr>
+          <p:cNvPr id="60" name="ZoneTexte 59">
+            <a:extLst>
+              <a:ext uri="{FF2B5EF4-FFF2-40B4-BE49-F238E27FC236}">
+                <a16:creationId xmlns:a16="http://schemas.microsoft.com/office/drawing/2014/main" id="{D6993DAD-6244-4651-A8E6-15B96256554D}"/>
+              </a:ext>
+            </a:extLst>
+          </p:cNvPr>
+          <p:cNvSpPr txBox="1"/>
+          <p:nvPr/>
+        </p:nvSpPr>
+        <p:spPr>
+          <a:xfrm>
+            <a:off x="3253229" y="1451806"/>
+            <a:ext cx="1076653" cy="369332"/>
+          </a:xfrm>
+          <a:prstGeom prst="rect">
+            <a:avLst/>
+          </a:prstGeom>
+          <a:noFill/>
+        </p:spPr>
+        <p:txBody>
+          <a:bodyPr wrap="square" rtlCol="0">
+            <a:spAutoFit/>
+          </a:bodyPr>
+          <a:lstStyle/>
+          <a:p>
+            <a:r>
+              <a:rPr lang="fr-FR" dirty="0">
+                <a:solidFill>
+                  <a:schemeClr val="accent1"/>
+                </a:solidFill>
+                <a:latin typeface="Arial Narrow" panose="020B0606020202030204" pitchFamily="34" charset="0"/>
+              </a:rPr>
+              <a:t>Cases</a:t>
+            </a:r>
+            <a:endParaRPr lang="fr-FR" sz="1400" dirty="0">
+              <a:solidFill>
+                <a:schemeClr val="accent1"/>
+              </a:solidFill>
+              <a:latin typeface="Arial Narrow" panose="020B0606020202030204" pitchFamily="34" charset="0"/>
+            </a:endParaRPr>
+          </a:p>
+        </p:txBody>
+      </p:sp>
+      <p:cxnSp>
+        <p:nvCxnSpPr>
+          <p:cNvPr id="61" name="Connecteur droit avec flèche 60">
+            <a:extLst>
+              <a:ext uri="{FF2B5EF4-FFF2-40B4-BE49-F238E27FC236}">
+                <a16:creationId xmlns:a16="http://schemas.microsoft.com/office/drawing/2014/main" id="{2F512D50-B9B3-4D77-A0DD-A5D71F41FF13}"/>
+              </a:ext>
+            </a:extLst>
+          </p:cNvPr>
+          <p:cNvCxnSpPr>
+            <a:cxnSpLocks/>
+            <a:stCxn id="21" idx="1"/>
+            <a:endCxn id="6" idx="3"/>
+          </p:cNvCxnSpPr>
+          <p:nvPr/>
+        </p:nvCxnSpPr>
+        <p:spPr>
+          <a:xfrm flipH="1">
+            <a:off x="1979666" y="3610490"/>
+            <a:ext cx="1106295" cy="0"/>
           </a:xfrm>
           <a:prstGeom prst="straightConnector1">
             <a:avLst/>
@@ -3011,6 +5010,202 @@
           </a:fontRef>
         </p:style>
       </p:cxnSp>
+      <p:cxnSp>
+        <p:nvCxnSpPr>
+          <p:cNvPr id="63" name="Connecteur droit avec flèche 62">
+            <a:extLst>
+              <a:ext uri="{FF2B5EF4-FFF2-40B4-BE49-F238E27FC236}">
+                <a16:creationId xmlns:a16="http://schemas.microsoft.com/office/drawing/2014/main" id="{376CF3FC-423F-459A-909E-441D6523091B}"/>
+              </a:ext>
+            </a:extLst>
+          </p:cNvPr>
+          <p:cNvCxnSpPr>
+            <a:cxnSpLocks/>
+          </p:cNvCxnSpPr>
+          <p:nvPr/>
+        </p:nvCxnSpPr>
+        <p:spPr>
+          <a:xfrm flipV="1">
+            <a:off x="3784316" y="2677891"/>
+            <a:ext cx="0" cy="658418"/>
+          </a:xfrm>
+          <a:prstGeom prst="straightConnector1">
+            <a:avLst/>
+          </a:prstGeom>
+          <a:ln w="38100">
+            <a:solidFill>
+              <a:schemeClr val="accent4"/>
+            </a:solidFill>
+            <a:headEnd type="none" w="med" len="med"/>
+            <a:tailEnd type="triangle" w="med" len="med"/>
+          </a:ln>
+        </p:spPr>
+        <p:style>
+          <a:lnRef idx="1">
+            <a:schemeClr val="accent1"/>
+          </a:lnRef>
+          <a:fillRef idx="0">
+            <a:schemeClr val="accent1"/>
+          </a:fillRef>
+          <a:effectRef idx="0">
+            <a:schemeClr val="accent1"/>
+          </a:effectRef>
+          <a:fontRef idx="minor">
+            <a:schemeClr val="tx1"/>
+          </a:fontRef>
+        </p:style>
+      </p:cxnSp>
+      <p:sp>
+        <p:nvSpPr>
+          <p:cNvPr id="64" name="ZoneTexte 63">
+            <a:extLst>
+              <a:ext uri="{FF2B5EF4-FFF2-40B4-BE49-F238E27FC236}">
+                <a16:creationId xmlns:a16="http://schemas.microsoft.com/office/drawing/2014/main" id="{451EEFC7-B7E3-4B42-B944-322F5B2977C9}"/>
+              </a:ext>
+            </a:extLst>
+          </p:cNvPr>
+          <p:cNvSpPr txBox="1"/>
+          <p:nvPr/>
+        </p:nvSpPr>
+        <p:spPr>
+          <a:xfrm>
+            <a:off x="2050327" y="3273236"/>
+            <a:ext cx="1317908" cy="338554"/>
+          </a:xfrm>
+          <a:prstGeom prst="rect">
+            <a:avLst/>
+          </a:prstGeom>
+          <a:noFill/>
+        </p:spPr>
+        <p:txBody>
+          <a:bodyPr wrap="square" rtlCol="0">
+            <a:spAutoFit/>
+          </a:bodyPr>
+          <a:lstStyle/>
+          <a:p>
+            <a:r>
+              <a:rPr lang="fr-FR" sz="1600" dirty="0">
+                <a:solidFill>
+                  <a:srgbClr val="00B050"/>
+                </a:solidFill>
+                <a:latin typeface="Arial Narrow" panose="020B0606020202030204" pitchFamily="34" charset="0"/>
+              </a:rPr>
+              <a:t>Interroge ?</a:t>
+            </a:r>
+          </a:p>
+        </p:txBody>
+      </p:sp>
+      <p:sp>
+        <p:nvSpPr>
+          <p:cNvPr id="65" name="ZoneTexte 64">
+            <a:extLst>
+              <a:ext uri="{FF2B5EF4-FFF2-40B4-BE49-F238E27FC236}">
+                <a16:creationId xmlns:a16="http://schemas.microsoft.com/office/drawing/2014/main" id="{5E564AE3-59C0-4A04-AD5E-FD7410D36903}"/>
+              </a:ext>
+            </a:extLst>
+          </p:cNvPr>
+          <p:cNvSpPr txBox="1"/>
+          <p:nvPr/>
+        </p:nvSpPr>
+        <p:spPr>
+          <a:xfrm>
+            <a:off x="3758696" y="2856825"/>
+            <a:ext cx="1867250" cy="338554"/>
+          </a:xfrm>
+          <a:prstGeom prst="rect">
+            <a:avLst/>
+          </a:prstGeom>
+          <a:noFill/>
+        </p:spPr>
+        <p:txBody>
+          <a:bodyPr wrap="square" rtlCol="0">
+            <a:spAutoFit/>
+          </a:bodyPr>
+          <a:lstStyle/>
+          <a:p>
+            <a:r>
+              <a:rPr lang="fr-FR" sz="1600" dirty="0">
+                <a:solidFill>
+                  <a:schemeClr val="accent4"/>
+                </a:solidFill>
+                <a:latin typeface="Arial Narrow" panose="020B0606020202030204" pitchFamily="34" charset="0"/>
+              </a:rPr>
+              <a:t>Met à jour</a:t>
+            </a:r>
+          </a:p>
+        </p:txBody>
+      </p:sp>
+      <p:sp>
+        <p:nvSpPr>
+          <p:cNvPr id="83" name="ZoneTexte 82">
+            <a:extLst>
+              <a:ext uri="{FF2B5EF4-FFF2-40B4-BE49-F238E27FC236}">
+                <a16:creationId xmlns:a16="http://schemas.microsoft.com/office/drawing/2014/main" id="{BC0D901C-7CD9-4FAD-A993-D0C82CEB8DCD}"/>
+              </a:ext>
+            </a:extLst>
+          </p:cNvPr>
+          <p:cNvSpPr txBox="1"/>
+          <p:nvPr/>
+        </p:nvSpPr>
+        <p:spPr>
+          <a:xfrm>
+            <a:off x="49946" y="2739376"/>
+            <a:ext cx="1754930" cy="584775"/>
+          </a:xfrm>
+          <a:prstGeom prst="rect">
+            <a:avLst/>
+          </a:prstGeom>
+          <a:noFill/>
+        </p:spPr>
+        <p:txBody>
+          <a:bodyPr wrap="square" rtlCol="0">
+            <a:spAutoFit/>
+          </a:bodyPr>
+          <a:lstStyle/>
+          <a:p>
+            <a:pPr algn="r"/>
+            <a:r>
+              <a:rPr lang="fr-FR" sz="1600" dirty="0">
+                <a:solidFill>
+                  <a:srgbClr val="FF0000"/>
+                </a:solidFill>
+                <a:latin typeface="Arial Narrow" panose="020B0606020202030204" pitchFamily="34" charset="0"/>
+              </a:rPr>
+              <a:t>Informent sur leurs positions</a:t>
+            </a:r>
+          </a:p>
+        </p:txBody>
+      </p:sp>
+    </p:spTree>
+    <p:extLst>
+      <p:ext uri="{BB962C8B-B14F-4D97-AF65-F5344CB8AC3E}">
+        <p14:creationId xmlns:p14="http://schemas.microsoft.com/office/powerpoint/2010/main" val="4179880969"/>
+      </p:ext>
+    </p:extLst>
+  </p:cSld>
+  <p:clrMapOvr>
+    <a:masterClrMapping/>
+  </p:clrMapOvr>
+</p:sld>
+</file>
+
+<file path=ppt/slides/slide3.xml><?xml version="1.0" encoding="utf-8"?>
+<p:sld xmlns:a="http://schemas.openxmlformats.org/drawingml/2006/main" xmlns:r="http://schemas.openxmlformats.org/officeDocument/2006/relationships" xmlns:p="http://schemas.openxmlformats.org/presentationml/2006/main">
+  <p:cSld>
+    <p:spTree>
+      <p:nvGrpSpPr>
+        <p:cNvPr id="1" name=""/>
+        <p:cNvGrpSpPr/>
+        <p:nvPr/>
+      </p:nvGrpSpPr>
+      <p:grpSpPr>
+        <a:xfrm>
+          <a:off x="0" y="0"/>
+          <a:ext cx="0" cy="0"/>
+          <a:chOff x="0" y="0"/>
+          <a:chExt cx="0" cy="0"/>
+        </a:xfrm>
+      </p:grpSpPr>
       <p:cxnSp>
         <p:nvCxnSpPr>
           <p:cNvPr id="152" name="Connecteur droit avec flèche 151">
@@ -3150,10 +5345,10 @@
       </p:cxnSp>
       <p:cxnSp>
         <p:nvCxnSpPr>
-          <p:cNvPr id="99" name="Connecteur droit avec flèche 98">
-            <a:extLst>
-              <a:ext uri="{FF2B5EF4-FFF2-40B4-BE49-F238E27FC236}">
-                <a16:creationId xmlns:a16="http://schemas.microsoft.com/office/drawing/2014/main" id="{20C81216-E9BF-46B1-AFFB-53A56DAA6453}"/>
+          <p:cNvPr id="85" name="Connecteur droit avec flèche 84">
+            <a:extLst>
+              <a:ext uri="{FF2B5EF4-FFF2-40B4-BE49-F238E27FC236}">
+                <a16:creationId xmlns:a16="http://schemas.microsoft.com/office/drawing/2014/main" id="{D64B2F06-B04B-4F21-8D25-3E238ADE1A89}"/>
               </a:ext>
             </a:extLst>
           </p:cNvPr>
@@ -3163,9 +5358,1862 @@
           <p:nvPr/>
         </p:nvCxnSpPr>
         <p:spPr>
+          <a:xfrm flipV="1">
+            <a:off x="778212" y="2280564"/>
+            <a:ext cx="0" cy="1068196"/>
+          </a:xfrm>
+          <a:prstGeom prst="straightConnector1">
+            <a:avLst/>
+          </a:prstGeom>
+          <a:ln w="38100">
+            <a:solidFill>
+              <a:schemeClr val="accent4"/>
+            </a:solidFill>
+            <a:headEnd type="none" w="med" len="med"/>
+            <a:tailEnd type="triangle" w="med" len="med"/>
+          </a:ln>
+        </p:spPr>
+        <p:style>
+          <a:lnRef idx="1">
+            <a:schemeClr val="accent1"/>
+          </a:lnRef>
+          <a:fillRef idx="0">
+            <a:schemeClr val="accent1"/>
+          </a:fillRef>
+          <a:effectRef idx="0">
+            <a:schemeClr val="accent1"/>
+          </a:effectRef>
+          <a:fontRef idx="minor">
+            <a:schemeClr val="tx1"/>
+          </a:fontRef>
+        </p:style>
+      </p:cxnSp>
+      <p:sp>
+        <p:nvSpPr>
+          <p:cNvPr id="53" name="Rectangle 52">
+            <a:extLst>
+              <a:ext uri="{FF2B5EF4-FFF2-40B4-BE49-F238E27FC236}">
+                <a16:creationId xmlns:a16="http://schemas.microsoft.com/office/drawing/2014/main" id="{2F884956-A22C-475E-9A6D-0B660299D708}"/>
+              </a:ext>
+            </a:extLst>
+          </p:cNvPr>
+          <p:cNvSpPr/>
+          <p:nvPr/>
+        </p:nvSpPr>
+        <p:spPr>
+          <a:xfrm>
+            <a:off x="657051" y="4722845"/>
+            <a:ext cx="5258300" cy="680858"/>
+          </a:xfrm>
+          <a:prstGeom prst="rect">
+            <a:avLst/>
+          </a:prstGeom>
+          <a:solidFill>
+            <a:schemeClr val="accent6"/>
+          </a:solidFill>
+        </p:spPr>
+        <p:style>
+          <a:lnRef idx="2">
+            <a:schemeClr val="accent1">
+              <a:shade val="50000"/>
+            </a:schemeClr>
+          </a:lnRef>
+          <a:fillRef idx="1">
+            <a:schemeClr val="accent1"/>
+          </a:fillRef>
+          <a:effectRef idx="0">
+            <a:schemeClr val="accent1"/>
+          </a:effectRef>
+          <a:fontRef idx="minor">
+            <a:schemeClr val="lt1"/>
+          </a:fontRef>
+        </p:style>
+        <p:txBody>
+          <a:bodyPr rtlCol="0" anchor="ctr"/>
+          <a:lstStyle/>
+          <a:p>
+            <a:pPr algn="ctr"/>
+            <a:endParaRPr lang="fr-FR"/>
+          </a:p>
+        </p:txBody>
+      </p:sp>
+      <p:sp>
+        <p:nvSpPr>
+          <p:cNvPr id="4" name="Ellipse 3">
+            <a:extLst>
+              <a:ext uri="{FF2B5EF4-FFF2-40B4-BE49-F238E27FC236}">
+                <a16:creationId xmlns:a16="http://schemas.microsoft.com/office/drawing/2014/main" id="{AE1E7893-AB55-4ADE-8E0A-D005FF8E985F}"/>
+              </a:ext>
+            </a:extLst>
+          </p:cNvPr>
+          <p:cNvSpPr/>
+          <p:nvPr/>
+        </p:nvSpPr>
+        <p:spPr>
+          <a:xfrm>
+            <a:off x="2204556" y="951530"/>
+            <a:ext cx="703479" cy="657723"/>
+          </a:xfrm>
+          <a:prstGeom prst="ellipse">
+            <a:avLst/>
+          </a:prstGeom>
+          <a:solidFill>
+            <a:schemeClr val="accent2"/>
+          </a:solidFill>
+        </p:spPr>
+        <p:style>
+          <a:lnRef idx="2">
+            <a:schemeClr val="accent1">
+              <a:shade val="50000"/>
+            </a:schemeClr>
+          </a:lnRef>
+          <a:fillRef idx="1">
+            <a:schemeClr val="accent1"/>
+          </a:fillRef>
+          <a:effectRef idx="0">
+            <a:schemeClr val="accent1"/>
+          </a:effectRef>
+          <a:fontRef idx="minor">
+            <a:schemeClr val="lt1"/>
+          </a:fontRef>
+        </p:style>
+        <p:txBody>
+          <a:bodyPr rtlCol="0" anchor="ctr"/>
+          <a:lstStyle/>
+          <a:p>
+            <a:pPr algn="ctr"/>
+            <a:endParaRPr lang="fr-FR" sz="2000" dirty="0"/>
+          </a:p>
+        </p:txBody>
+      </p:sp>
+      <p:sp>
+        <p:nvSpPr>
+          <p:cNvPr id="6" name="Rectangle 5">
+            <a:extLst>
+              <a:ext uri="{FF2B5EF4-FFF2-40B4-BE49-F238E27FC236}">
+                <a16:creationId xmlns:a16="http://schemas.microsoft.com/office/drawing/2014/main" id="{0436BBB8-5625-4B04-B745-D8FA22D2B4A1}"/>
+              </a:ext>
+            </a:extLst>
+          </p:cNvPr>
+          <p:cNvSpPr/>
+          <p:nvPr/>
+        </p:nvSpPr>
+        <p:spPr>
+          <a:xfrm>
+            <a:off x="649317" y="3353315"/>
+            <a:ext cx="1330349" cy="487279"/>
+          </a:xfrm>
+          <a:prstGeom prst="rect">
+            <a:avLst/>
+          </a:prstGeom>
+          <a:solidFill>
+            <a:schemeClr val="accent2"/>
+          </a:solidFill>
+        </p:spPr>
+        <p:style>
+          <a:lnRef idx="2">
+            <a:schemeClr val="accent1">
+              <a:shade val="50000"/>
+            </a:schemeClr>
+          </a:lnRef>
+          <a:fillRef idx="1">
+            <a:schemeClr val="accent1"/>
+          </a:fillRef>
+          <a:effectRef idx="0">
+            <a:schemeClr val="accent1"/>
+          </a:effectRef>
+          <a:fontRef idx="minor">
+            <a:schemeClr val="lt1"/>
+          </a:fontRef>
+        </p:style>
+        <p:txBody>
+          <a:bodyPr rtlCol="0" anchor="ctr"/>
+          <a:lstStyle/>
+          <a:p>
+            <a:pPr algn="ctr"/>
+            <a:endParaRPr lang="fr-FR" sz="1013"/>
+          </a:p>
+        </p:txBody>
+      </p:sp>
+      <p:sp>
+        <p:nvSpPr>
+          <p:cNvPr id="7" name="Rectangle 6">
+            <a:extLst>
+              <a:ext uri="{FF2B5EF4-FFF2-40B4-BE49-F238E27FC236}">
+                <a16:creationId xmlns:a16="http://schemas.microsoft.com/office/drawing/2014/main" id="{CEA547BA-880E-4CFF-8981-2FD163B8D239}"/>
+              </a:ext>
+            </a:extLst>
+          </p:cNvPr>
+          <p:cNvSpPr/>
+          <p:nvPr/>
+        </p:nvSpPr>
+        <p:spPr>
+          <a:xfrm>
+            <a:off x="4648165" y="3329843"/>
+            <a:ext cx="1330349" cy="533366"/>
+          </a:xfrm>
+          <a:prstGeom prst="rect">
+            <a:avLst/>
+          </a:prstGeom>
+        </p:spPr>
+        <p:style>
+          <a:lnRef idx="2">
+            <a:schemeClr val="accent1">
+              <a:shade val="50000"/>
+            </a:schemeClr>
+          </a:lnRef>
+          <a:fillRef idx="1">
+            <a:schemeClr val="accent1"/>
+          </a:fillRef>
+          <a:effectRef idx="0">
+            <a:schemeClr val="accent1"/>
+          </a:effectRef>
+          <a:fontRef idx="minor">
+            <a:schemeClr val="lt1"/>
+          </a:fontRef>
+        </p:style>
+        <p:txBody>
+          <a:bodyPr rtlCol="0" anchor="ctr"/>
+          <a:lstStyle/>
+          <a:p>
+            <a:pPr algn="ctr"/>
+            <a:endParaRPr lang="fr-FR" sz="1013"/>
+          </a:p>
+        </p:txBody>
+      </p:sp>
+      <p:sp>
+        <p:nvSpPr>
+          <p:cNvPr id="10" name="Rectangle : coins arrondis 9">
+            <a:extLst>
+              <a:ext uri="{FF2B5EF4-FFF2-40B4-BE49-F238E27FC236}">
+                <a16:creationId xmlns:a16="http://schemas.microsoft.com/office/drawing/2014/main" id="{EBB15A90-F119-4509-9DD1-7A961FD3FD31}"/>
+              </a:ext>
+            </a:extLst>
+          </p:cNvPr>
+          <p:cNvSpPr/>
+          <p:nvPr/>
+        </p:nvSpPr>
+        <p:spPr>
+          <a:xfrm>
+            <a:off x="3111774" y="3334298"/>
+            <a:ext cx="1332653" cy="533367"/>
+          </a:xfrm>
+          <a:prstGeom prst="roundRect">
+            <a:avLst/>
+          </a:prstGeom>
+          <a:solidFill>
+            <a:schemeClr val="accent1"/>
+          </a:solidFill>
+        </p:spPr>
+        <p:style>
+          <a:lnRef idx="2">
+            <a:schemeClr val="accent1">
+              <a:shade val="50000"/>
+            </a:schemeClr>
+          </a:lnRef>
+          <a:fillRef idx="1">
+            <a:schemeClr val="accent1"/>
+          </a:fillRef>
+          <a:effectRef idx="0">
+            <a:schemeClr val="accent1"/>
+          </a:effectRef>
+          <a:fontRef idx="minor">
+            <a:schemeClr val="lt1"/>
+          </a:fontRef>
+        </p:style>
+        <p:txBody>
+          <a:bodyPr rtlCol="0" anchor="ctr"/>
+          <a:lstStyle/>
+          <a:p>
+            <a:pPr algn="ctr"/>
+            <a:endParaRPr lang="fr-FR" sz="2000" dirty="0"/>
+          </a:p>
+        </p:txBody>
+      </p:sp>
+      <p:sp>
+        <p:nvSpPr>
+          <p:cNvPr id="17" name="Rectangle 16">
+            <a:extLst>
+              <a:ext uri="{FF2B5EF4-FFF2-40B4-BE49-F238E27FC236}">
+                <a16:creationId xmlns:a16="http://schemas.microsoft.com/office/drawing/2014/main" id="{4C4AC5BB-907A-4B92-ACE3-1BCEBC3020AB}"/>
+              </a:ext>
+            </a:extLst>
+          </p:cNvPr>
+          <p:cNvSpPr/>
+          <p:nvPr/>
+        </p:nvSpPr>
+        <p:spPr>
+          <a:xfrm rot="2659627">
+            <a:off x="1015563" y="1622371"/>
+            <a:ext cx="405000" cy="405000"/>
+          </a:xfrm>
+          <a:prstGeom prst="rect">
+            <a:avLst/>
+          </a:prstGeom>
+          <a:solidFill>
+            <a:schemeClr val="accent2"/>
+          </a:solidFill>
+        </p:spPr>
+        <p:style>
+          <a:lnRef idx="2">
+            <a:schemeClr val="accent1">
+              <a:shade val="50000"/>
+            </a:schemeClr>
+          </a:lnRef>
+          <a:fillRef idx="1">
+            <a:schemeClr val="accent1"/>
+          </a:fillRef>
+          <a:effectRef idx="0">
+            <a:schemeClr val="accent1"/>
+          </a:effectRef>
+          <a:fontRef idx="minor">
+            <a:schemeClr val="lt1"/>
+          </a:fontRef>
+        </p:style>
+        <p:txBody>
+          <a:bodyPr rtlCol="0" anchor="ctr"/>
+          <a:lstStyle/>
+          <a:p>
+            <a:pPr algn="ctr"/>
+            <a:endParaRPr lang="fr-FR" sz="1013"/>
+          </a:p>
+        </p:txBody>
+      </p:sp>
+      <p:pic>
+        <p:nvPicPr>
+          <p:cNvPr id="19" name="Graphique 18" descr="Visage au large sourire avec remplissage solide avec un remplissage uni">
+            <a:extLst>
+              <a:ext uri="{FF2B5EF4-FFF2-40B4-BE49-F238E27FC236}">
+                <a16:creationId xmlns:a16="http://schemas.microsoft.com/office/drawing/2014/main" id="{2904B3E9-0311-4216-820B-5D0957EEC9C6}"/>
+              </a:ext>
+            </a:extLst>
+          </p:cNvPr>
+          <p:cNvPicPr>
+            <a:picLocks noChangeAspect="1"/>
+          </p:cNvPicPr>
+          <p:nvPr/>
+        </p:nvPicPr>
+        <p:blipFill>
+          <a:blip r:embed="rId2">
+            <a:extLst>
+              <a:ext uri="{28A0092B-C50C-407E-A947-70E740481C1C}">
+                <a14:useLocalDpi xmlns:a14="http://schemas.microsoft.com/office/drawing/2010/main" val="0"/>
+              </a:ext>
+              <a:ext uri="{96DAC541-7B7A-43D3-8B79-37D633B846F1}">
+                <asvg:svgBlip xmlns:asvg="http://schemas.microsoft.com/office/drawing/2016/SVG/main" r:embed="rId3"/>
+              </a:ext>
+            </a:extLst>
+          </a:blip>
+          <a:stretch>
+            <a:fillRect/>
+          </a:stretch>
+        </p:blipFill>
+        <p:spPr>
+          <a:xfrm>
+            <a:off x="2235137" y="959233"/>
+            <a:ext cx="642316" cy="642316"/>
+          </a:xfrm>
+          <a:prstGeom prst="rect">
+            <a:avLst/>
+          </a:prstGeom>
+        </p:spPr>
+      </p:pic>
+      <p:pic>
+        <p:nvPicPr>
+          <p:cNvPr id="21" name="Graphique 20" descr="Écran avec un remplissage uni">
+            <a:extLst>
+              <a:ext uri="{FF2B5EF4-FFF2-40B4-BE49-F238E27FC236}">
+                <a16:creationId xmlns:a16="http://schemas.microsoft.com/office/drawing/2014/main" id="{42931361-1CE6-4E4A-916D-BB6545ABC8AE}"/>
+              </a:ext>
+            </a:extLst>
+          </p:cNvPr>
+          <p:cNvPicPr>
+            <a:picLocks noChangeAspect="1"/>
+          </p:cNvPicPr>
+          <p:nvPr/>
+        </p:nvPicPr>
+        <p:blipFill>
+          <a:blip r:embed="rId4">
+            <a:extLst>
+              <a:ext uri="{28A0092B-C50C-407E-A947-70E740481C1C}">
+                <a14:useLocalDpi xmlns:a14="http://schemas.microsoft.com/office/drawing/2010/main" val="0"/>
+              </a:ext>
+              <a:ext uri="{96DAC541-7B7A-43D3-8B79-37D633B846F1}">
+                <asvg:svgBlip xmlns:asvg="http://schemas.microsoft.com/office/drawing/2016/SVG/main" r:embed="rId5"/>
+              </a:ext>
+            </a:extLst>
+          </a:blip>
+          <a:stretch>
+            <a:fillRect/>
+          </a:stretch>
+        </p:blipFill>
+        <p:spPr>
+          <a:xfrm>
+            <a:off x="4648760" y="3319206"/>
+            <a:ext cx="514350" cy="563549"/>
+          </a:xfrm>
+          <a:prstGeom prst="rect">
+            <a:avLst/>
+          </a:prstGeom>
+        </p:spPr>
+      </p:pic>
+      <p:pic>
+        <p:nvPicPr>
+          <p:cNvPr id="23" name="Graphique 22" descr="Personne confuse avec un remplissage uni">
+            <a:extLst>
+              <a:ext uri="{FF2B5EF4-FFF2-40B4-BE49-F238E27FC236}">
+                <a16:creationId xmlns:a16="http://schemas.microsoft.com/office/drawing/2014/main" id="{B87845A2-CD3C-441F-A548-D82C533003AC}"/>
+              </a:ext>
+            </a:extLst>
+          </p:cNvPr>
+          <p:cNvPicPr>
+            <a:picLocks noChangeAspect="1"/>
+          </p:cNvPicPr>
+          <p:nvPr/>
+        </p:nvPicPr>
+        <p:blipFill>
+          <a:blip r:embed="rId6">
+            <a:extLst>
+              <a:ext uri="{28A0092B-C50C-407E-A947-70E740481C1C}">
+                <a14:useLocalDpi xmlns:a14="http://schemas.microsoft.com/office/drawing/2010/main" val="0"/>
+              </a:ext>
+              <a:ext uri="{96DAC541-7B7A-43D3-8B79-37D633B846F1}">
+                <asvg:svgBlip xmlns:asvg="http://schemas.microsoft.com/office/drawing/2016/SVG/main" r:embed="rId7"/>
+              </a:ext>
+            </a:extLst>
+          </a:blip>
+          <a:stretch>
+            <a:fillRect/>
+          </a:stretch>
+        </p:blipFill>
+        <p:spPr>
+          <a:xfrm>
+            <a:off x="1019397" y="1622475"/>
+            <a:ext cx="397327" cy="397327"/>
+          </a:xfrm>
+          <a:prstGeom prst="rect">
+            <a:avLst/>
+          </a:prstGeom>
+        </p:spPr>
+      </p:pic>
+      <p:pic>
+        <p:nvPicPr>
+          <p:cNvPr id="27" name="Graphique 26" descr="Cerveau avec un remplissage uni">
+            <a:extLst>
+              <a:ext uri="{FF2B5EF4-FFF2-40B4-BE49-F238E27FC236}">
+                <a16:creationId xmlns:a16="http://schemas.microsoft.com/office/drawing/2014/main" id="{91149C9C-7517-4674-AB57-35875C970460}"/>
+              </a:ext>
+            </a:extLst>
+          </p:cNvPr>
+          <p:cNvPicPr>
+            <a:picLocks noChangeAspect="1"/>
+          </p:cNvPicPr>
+          <p:nvPr/>
+        </p:nvPicPr>
+        <p:blipFill>
+          <a:blip r:embed="rId8">
+            <a:extLst>
+              <a:ext uri="{28A0092B-C50C-407E-A947-70E740481C1C}">
+                <a14:useLocalDpi xmlns:a14="http://schemas.microsoft.com/office/drawing/2010/main" val="0"/>
+              </a:ext>
+              <a:ext uri="{96DAC541-7B7A-43D3-8B79-37D633B846F1}">
+                <asvg:svgBlip xmlns:asvg="http://schemas.microsoft.com/office/drawing/2016/SVG/main" r:embed="rId9"/>
+              </a:ext>
+            </a:extLst>
+          </a:blip>
+          <a:stretch>
+            <a:fillRect/>
+          </a:stretch>
+        </p:blipFill>
+        <p:spPr>
+          <a:xfrm>
+            <a:off x="657051" y="3353315"/>
+            <a:ext cx="514350" cy="514350"/>
+          </a:xfrm>
+          <a:prstGeom prst="rect">
+            <a:avLst/>
+          </a:prstGeom>
+        </p:spPr>
+      </p:pic>
+      <p:pic>
+        <p:nvPicPr>
+          <p:cNvPr id="29" name="Graphique 28" descr="Liste de contrôle avec un remplissage uni">
+            <a:extLst>
+              <a:ext uri="{FF2B5EF4-FFF2-40B4-BE49-F238E27FC236}">
+                <a16:creationId xmlns:a16="http://schemas.microsoft.com/office/drawing/2014/main" id="{062CE8EF-8077-4390-AA12-BE4BC87EFE65}"/>
+              </a:ext>
+            </a:extLst>
+          </p:cNvPr>
+          <p:cNvPicPr>
+            <a:picLocks noChangeAspect="1"/>
+          </p:cNvPicPr>
+          <p:nvPr/>
+        </p:nvPicPr>
+        <p:blipFill>
+          <a:blip r:embed="rId10">
+            <a:extLst>
+              <a:ext uri="{28A0092B-C50C-407E-A947-70E740481C1C}">
+                <a14:useLocalDpi xmlns:a14="http://schemas.microsoft.com/office/drawing/2010/main" val="0"/>
+              </a:ext>
+              <a:ext uri="{96DAC541-7B7A-43D3-8B79-37D633B846F1}">
+                <asvg:svgBlip xmlns:asvg="http://schemas.microsoft.com/office/drawing/2016/SVG/main" r:embed="rId11"/>
+              </a:ext>
+            </a:extLst>
+          </a:blip>
+          <a:stretch>
+            <a:fillRect/>
+          </a:stretch>
+        </p:blipFill>
+        <p:spPr>
+          <a:xfrm>
+            <a:off x="3111774" y="3389465"/>
+            <a:ext cx="478200" cy="478200"/>
+          </a:xfrm>
+          <a:prstGeom prst="rect">
+            <a:avLst/>
+          </a:prstGeom>
+        </p:spPr>
+      </p:pic>
+      <p:sp>
+        <p:nvSpPr>
+          <p:cNvPr id="30" name="Ellipse 29">
+            <a:extLst>
+              <a:ext uri="{FF2B5EF4-FFF2-40B4-BE49-F238E27FC236}">
+                <a16:creationId xmlns:a16="http://schemas.microsoft.com/office/drawing/2014/main" id="{D5F18824-E77B-4D30-A810-E5532ACFE249}"/>
+              </a:ext>
+            </a:extLst>
+          </p:cNvPr>
+          <p:cNvSpPr/>
+          <p:nvPr/>
+        </p:nvSpPr>
+        <p:spPr>
+          <a:xfrm>
+            <a:off x="2204557" y="1700950"/>
+            <a:ext cx="703479" cy="657723"/>
+          </a:xfrm>
+          <a:prstGeom prst="ellipse">
+            <a:avLst/>
+          </a:prstGeom>
+          <a:solidFill>
+            <a:schemeClr val="accent2"/>
+          </a:solidFill>
+        </p:spPr>
+        <p:style>
+          <a:lnRef idx="2">
+            <a:schemeClr val="accent1">
+              <a:shade val="50000"/>
+            </a:schemeClr>
+          </a:lnRef>
+          <a:fillRef idx="1">
+            <a:schemeClr val="accent1"/>
+          </a:fillRef>
+          <a:effectRef idx="0">
+            <a:schemeClr val="accent1"/>
+          </a:effectRef>
+          <a:fontRef idx="minor">
+            <a:schemeClr val="lt1"/>
+          </a:fontRef>
+        </p:style>
+        <p:txBody>
+          <a:bodyPr rtlCol="0" anchor="ctr"/>
+          <a:lstStyle/>
+          <a:p>
+            <a:pPr algn="ctr"/>
+            <a:endParaRPr lang="fr-FR" sz="2000" dirty="0"/>
+          </a:p>
+        </p:txBody>
+      </p:sp>
+      <p:sp>
+        <p:nvSpPr>
+          <p:cNvPr id="31" name="Ellipse 30">
+            <a:extLst>
+              <a:ext uri="{FF2B5EF4-FFF2-40B4-BE49-F238E27FC236}">
+                <a16:creationId xmlns:a16="http://schemas.microsoft.com/office/drawing/2014/main" id="{3F17DCAE-C4BC-41B0-8BE9-06CCA0B896F7}"/>
+              </a:ext>
+            </a:extLst>
+          </p:cNvPr>
+          <p:cNvSpPr/>
+          <p:nvPr/>
+        </p:nvSpPr>
+        <p:spPr>
+          <a:xfrm>
+            <a:off x="2204557" y="2450370"/>
+            <a:ext cx="703479" cy="657723"/>
+          </a:xfrm>
+          <a:prstGeom prst="ellipse">
+            <a:avLst/>
+          </a:prstGeom>
+          <a:solidFill>
+            <a:schemeClr val="accent2"/>
+          </a:solidFill>
+        </p:spPr>
+        <p:style>
+          <a:lnRef idx="2">
+            <a:schemeClr val="accent1">
+              <a:shade val="50000"/>
+            </a:schemeClr>
+          </a:lnRef>
+          <a:fillRef idx="1">
+            <a:schemeClr val="accent1"/>
+          </a:fillRef>
+          <a:effectRef idx="0">
+            <a:schemeClr val="accent1"/>
+          </a:effectRef>
+          <a:fontRef idx="minor">
+            <a:schemeClr val="lt1"/>
+          </a:fontRef>
+        </p:style>
+        <p:txBody>
+          <a:bodyPr rtlCol="0" anchor="ctr"/>
+          <a:lstStyle/>
+          <a:p>
+            <a:pPr algn="ctr"/>
+            <a:endParaRPr lang="fr-FR" sz="900" dirty="0"/>
+          </a:p>
+        </p:txBody>
+      </p:sp>
+      <p:pic>
+        <p:nvPicPr>
+          <p:cNvPr id="33" name="Graphique 32" descr="Nuage avec un remplissage uni">
+            <a:extLst>
+              <a:ext uri="{FF2B5EF4-FFF2-40B4-BE49-F238E27FC236}">
+                <a16:creationId xmlns:a16="http://schemas.microsoft.com/office/drawing/2014/main" id="{55EC19BA-348E-43B2-BB51-6EA8968AF436}"/>
+              </a:ext>
+            </a:extLst>
+          </p:cNvPr>
+          <p:cNvPicPr>
+            <a:picLocks noChangeAspect="1"/>
+          </p:cNvPicPr>
+          <p:nvPr/>
+        </p:nvPicPr>
+        <p:blipFill>
+          <a:blip r:embed="rId12">
+            <a:extLst>
+              <a:ext uri="{28A0092B-C50C-407E-A947-70E740481C1C}">
+                <a14:useLocalDpi xmlns:a14="http://schemas.microsoft.com/office/drawing/2010/main" val="0"/>
+              </a:ext>
+              <a:ext uri="{96DAC541-7B7A-43D3-8B79-37D633B846F1}">
+                <asvg:svgBlip xmlns:asvg="http://schemas.microsoft.com/office/drawing/2016/SVG/main" r:embed="rId13"/>
+              </a:ext>
+            </a:extLst>
+          </a:blip>
+          <a:stretch>
+            <a:fillRect/>
+          </a:stretch>
+        </p:blipFill>
+        <p:spPr>
+          <a:xfrm>
+            <a:off x="2252891" y="2450620"/>
+            <a:ext cx="622305" cy="622305"/>
+          </a:xfrm>
+          <a:prstGeom prst="rect">
+            <a:avLst/>
+          </a:prstGeom>
+        </p:spPr>
+      </p:pic>
+      <p:pic>
+        <p:nvPicPr>
+          <p:cNvPr id="34" name="Graphique 33" descr="Visage au large sourire avec remplissage solide avec un remplissage uni">
+            <a:extLst>
+              <a:ext uri="{FF2B5EF4-FFF2-40B4-BE49-F238E27FC236}">
+                <a16:creationId xmlns:a16="http://schemas.microsoft.com/office/drawing/2014/main" id="{D46B5786-1B71-44DF-823A-D290C7DF3736}"/>
+              </a:ext>
+            </a:extLst>
+          </p:cNvPr>
+          <p:cNvPicPr>
+            <a:picLocks noChangeAspect="1"/>
+          </p:cNvPicPr>
+          <p:nvPr/>
+        </p:nvPicPr>
+        <p:blipFill>
+          <a:blip r:embed="rId2">
+            <a:extLst>
+              <a:ext uri="{28A0092B-C50C-407E-A947-70E740481C1C}">
+                <a14:useLocalDpi xmlns:a14="http://schemas.microsoft.com/office/drawing/2010/main" val="0"/>
+              </a:ext>
+              <a:ext uri="{96DAC541-7B7A-43D3-8B79-37D633B846F1}">
+                <asvg:svgBlip xmlns:asvg="http://schemas.microsoft.com/office/drawing/2016/SVG/main" r:embed="rId3"/>
+              </a:ext>
+            </a:extLst>
+          </a:blip>
+          <a:stretch>
+            <a:fillRect/>
+          </a:stretch>
+        </p:blipFill>
+        <p:spPr>
+          <a:xfrm>
+            <a:off x="2235137" y="1716357"/>
+            <a:ext cx="642316" cy="642316"/>
+          </a:xfrm>
+          <a:prstGeom prst="rect">
+            <a:avLst/>
+          </a:prstGeom>
+        </p:spPr>
+      </p:pic>
+      <p:sp>
+        <p:nvSpPr>
+          <p:cNvPr id="35" name="Rectangle 34">
+            <a:extLst>
+              <a:ext uri="{FF2B5EF4-FFF2-40B4-BE49-F238E27FC236}">
+                <a16:creationId xmlns:a16="http://schemas.microsoft.com/office/drawing/2014/main" id="{FF9E3023-9581-4B6D-B5D2-630C7A7A43E9}"/>
+              </a:ext>
+            </a:extLst>
+          </p:cNvPr>
+          <p:cNvSpPr/>
+          <p:nvPr/>
+        </p:nvSpPr>
+        <p:spPr>
+          <a:xfrm rot="2659627">
+            <a:off x="1335482" y="1948205"/>
+            <a:ext cx="405000" cy="405000"/>
+          </a:xfrm>
+          <a:prstGeom prst="rect">
+            <a:avLst/>
+          </a:prstGeom>
+          <a:solidFill>
+            <a:schemeClr val="accent2"/>
+          </a:solidFill>
+        </p:spPr>
+        <p:style>
+          <a:lnRef idx="2">
+            <a:schemeClr val="accent1">
+              <a:shade val="50000"/>
+            </a:schemeClr>
+          </a:lnRef>
+          <a:fillRef idx="1">
+            <a:schemeClr val="accent1"/>
+          </a:fillRef>
+          <a:effectRef idx="0">
+            <a:schemeClr val="accent1"/>
+          </a:effectRef>
+          <a:fontRef idx="minor">
+            <a:schemeClr val="lt1"/>
+          </a:fontRef>
+        </p:style>
+        <p:txBody>
+          <a:bodyPr rtlCol="0" anchor="ctr"/>
+          <a:lstStyle/>
+          <a:p>
+            <a:pPr algn="ctr"/>
+            <a:endParaRPr lang="fr-FR" sz="1013"/>
+          </a:p>
+        </p:txBody>
+      </p:sp>
+      <p:pic>
+        <p:nvPicPr>
+          <p:cNvPr id="36" name="Graphique 35" descr="Personne confuse avec un remplissage uni">
+            <a:extLst>
+              <a:ext uri="{FF2B5EF4-FFF2-40B4-BE49-F238E27FC236}">
+                <a16:creationId xmlns:a16="http://schemas.microsoft.com/office/drawing/2014/main" id="{DC6E0B32-C794-4F1E-8EB2-BC3298891EBF}"/>
+              </a:ext>
+            </a:extLst>
+          </p:cNvPr>
+          <p:cNvPicPr>
+            <a:picLocks noChangeAspect="1"/>
+          </p:cNvPicPr>
+          <p:nvPr/>
+        </p:nvPicPr>
+        <p:blipFill>
+          <a:blip r:embed="rId6">
+            <a:extLst>
+              <a:ext uri="{28A0092B-C50C-407E-A947-70E740481C1C}">
+                <a14:useLocalDpi xmlns:a14="http://schemas.microsoft.com/office/drawing/2010/main" val="0"/>
+              </a:ext>
+              <a:ext uri="{96DAC541-7B7A-43D3-8B79-37D633B846F1}">
+                <asvg:svgBlip xmlns:asvg="http://schemas.microsoft.com/office/drawing/2016/SVG/main" r:embed="rId7"/>
+              </a:ext>
+            </a:extLst>
+          </a:blip>
+          <a:stretch>
+            <a:fillRect/>
+          </a:stretch>
+        </p:blipFill>
+        <p:spPr>
+          <a:xfrm>
+            <a:off x="1339318" y="1952469"/>
+            <a:ext cx="397327" cy="397327"/>
+          </a:xfrm>
+          <a:prstGeom prst="rect">
+            <a:avLst/>
+          </a:prstGeom>
+        </p:spPr>
+      </p:pic>
+      <p:sp>
+        <p:nvSpPr>
+          <p:cNvPr id="37" name="Rectangle 36">
+            <a:extLst>
+              <a:ext uri="{FF2B5EF4-FFF2-40B4-BE49-F238E27FC236}">
+                <a16:creationId xmlns:a16="http://schemas.microsoft.com/office/drawing/2014/main" id="{FF758471-F63E-4BD9-94EE-93B1451BC76A}"/>
+              </a:ext>
+            </a:extLst>
+          </p:cNvPr>
+          <p:cNvSpPr/>
+          <p:nvPr/>
+        </p:nvSpPr>
+        <p:spPr>
+          <a:xfrm rot="2659627">
+            <a:off x="1015562" y="2276300"/>
+            <a:ext cx="405000" cy="405000"/>
+          </a:xfrm>
+          <a:prstGeom prst="rect">
+            <a:avLst/>
+          </a:prstGeom>
+          <a:solidFill>
+            <a:schemeClr val="accent2"/>
+          </a:solidFill>
+        </p:spPr>
+        <p:style>
+          <a:lnRef idx="2">
+            <a:schemeClr val="accent1">
+              <a:shade val="50000"/>
+            </a:schemeClr>
+          </a:lnRef>
+          <a:fillRef idx="1">
+            <a:schemeClr val="accent1"/>
+          </a:fillRef>
+          <a:effectRef idx="0">
+            <a:schemeClr val="accent1"/>
+          </a:effectRef>
+          <a:fontRef idx="minor">
+            <a:schemeClr val="lt1"/>
+          </a:fontRef>
+        </p:style>
+        <p:txBody>
+          <a:bodyPr rtlCol="0" anchor="ctr"/>
+          <a:lstStyle/>
+          <a:p>
+            <a:pPr algn="ctr"/>
+            <a:endParaRPr lang="fr-FR" sz="1013"/>
+          </a:p>
+        </p:txBody>
+      </p:sp>
+      <p:pic>
+        <p:nvPicPr>
+          <p:cNvPr id="38" name="Graphique 37" descr="Personne confuse avec un remplissage uni">
+            <a:extLst>
+              <a:ext uri="{FF2B5EF4-FFF2-40B4-BE49-F238E27FC236}">
+                <a16:creationId xmlns:a16="http://schemas.microsoft.com/office/drawing/2014/main" id="{32B54F7D-6A94-4FAE-8A9D-F8BD675CCE3F}"/>
+              </a:ext>
+            </a:extLst>
+          </p:cNvPr>
+          <p:cNvPicPr>
+            <a:picLocks noChangeAspect="1"/>
+          </p:cNvPicPr>
+          <p:nvPr/>
+        </p:nvPicPr>
+        <p:blipFill>
+          <a:blip r:embed="rId6">
+            <a:extLst>
+              <a:ext uri="{28A0092B-C50C-407E-A947-70E740481C1C}">
+                <a14:useLocalDpi xmlns:a14="http://schemas.microsoft.com/office/drawing/2010/main" val="0"/>
+              </a:ext>
+              <a:ext uri="{96DAC541-7B7A-43D3-8B79-37D633B846F1}">
+                <asvg:svgBlip xmlns:asvg="http://schemas.microsoft.com/office/drawing/2016/SVG/main" r:embed="rId7"/>
+              </a:ext>
+            </a:extLst>
+          </a:blip>
+          <a:stretch>
+            <a:fillRect/>
+          </a:stretch>
+        </p:blipFill>
+        <p:spPr>
+          <a:xfrm>
+            <a:off x="1019398" y="2280564"/>
+            <a:ext cx="397327" cy="397327"/>
+          </a:xfrm>
+          <a:prstGeom prst="rect">
+            <a:avLst/>
+          </a:prstGeom>
+        </p:spPr>
+      </p:pic>
+      <p:sp>
+        <p:nvSpPr>
+          <p:cNvPr id="39" name="Rectangle 38">
+            <a:extLst>
+              <a:ext uri="{FF2B5EF4-FFF2-40B4-BE49-F238E27FC236}">
+                <a16:creationId xmlns:a16="http://schemas.microsoft.com/office/drawing/2014/main" id="{24C97E63-6E2E-4EA6-AA58-7DD5D017C0B9}"/>
+              </a:ext>
+            </a:extLst>
+          </p:cNvPr>
+          <p:cNvSpPr/>
+          <p:nvPr/>
+        </p:nvSpPr>
+        <p:spPr>
+          <a:xfrm rot="2659627">
+            <a:off x="1328147" y="2606293"/>
+            <a:ext cx="405000" cy="405000"/>
+          </a:xfrm>
+          <a:prstGeom prst="rect">
+            <a:avLst/>
+          </a:prstGeom>
+          <a:solidFill>
+            <a:schemeClr val="accent2"/>
+          </a:solidFill>
+        </p:spPr>
+        <p:style>
+          <a:lnRef idx="2">
+            <a:schemeClr val="accent1">
+              <a:shade val="50000"/>
+            </a:schemeClr>
+          </a:lnRef>
+          <a:fillRef idx="1">
+            <a:schemeClr val="accent1"/>
+          </a:fillRef>
+          <a:effectRef idx="0">
+            <a:schemeClr val="accent1"/>
+          </a:effectRef>
+          <a:fontRef idx="minor">
+            <a:schemeClr val="lt1"/>
+          </a:fontRef>
+        </p:style>
+        <p:txBody>
+          <a:bodyPr rtlCol="0" anchor="ctr"/>
+          <a:lstStyle/>
+          <a:p>
+            <a:pPr algn="ctr"/>
+            <a:endParaRPr lang="fr-FR" sz="1013"/>
+          </a:p>
+        </p:txBody>
+      </p:sp>
+      <p:pic>
+        <p:nvPicPr>
+          <p:cNvPr id="40" name="Graphique 39" descr="Personne confuse avec un remplissage uni">
+            <a:extLst>
+              <a:ext uri="{FF2B5EF4-FFF2-40B4-BE49-F238E27FC236}">
+                <a16:creationId xmlns:a16="http://schemas.microsoft.com/office/drawing/2014/main" id="{05D7CD8E-C131-4D83-B536-828021245FB5}"/>
+              </a:ext>
+            </a:extLst>
+          </p:cNvPr>
+          <p:cNvPicPr>
+            <a:picLocks noChangeAspect="1"/>
+          </p:cNvPicPr>
+          <p:nvPr/>
+        </p:nvPicPr>
+        <p:blipFill>
+          <a:blip r:embed="rId6">
+            <a:extLst>
+              <a:ext uri="{28A0092B-C50C-407E-A947-70E740481C1C}">
+                <a14:useLocalDpi xmlns:a14="http://schemas.microsoft.com/office/drawing/2010/main" val="0"/>
+              </a:ext>
+              <a:ext uri="{96DAC541-7B7A-43D3-8B79-37D633B846F1}">
+                <asvg:svgBlip xmlns:asvg="http://schemas.microsoft.com/office/drawing/2016/SVG/main" r:embed="rId7"/>
+              </a:ext>
+            </a:extLst>
+          </a:blip>
+          <a:stretch>
+            <a:fillRect/>
+          </a:stretch>
+        </p:blipFill>
+        <p:spPr>
+          <a:xfrm>
+            <a:off x="1331983" y="2610557"/>
+            <a:ext cx="397327" cy="397327"/>
+          </a:xfrm>
+          <a:prstGeom prst="rect">
+            <a:avLst/>
+          </a:prstGeom>
+        </p:spPr>
+      </p:pic>
+      <p:sp>
+        <p:nvSpPr>
+          <p:cNvPr id="41" name="Rectangle 40">
+            <a:extLst>
+              <a:ext uri="{FF2B5EF4-FFF2-40B4-BE49-F238E27FC236}">
+                <a16:creationId xmlns:a16="http://schemas.microsoft.com/office/drawing/2014/main" id="{79B0D879-485B-4400-953B-46E92B2C2A13}"/>
+              </a:ext>
+            </a:extLst>
+          </p:cNvPr>
+          <p:cNvSpPr/>
+          <p:nvPr/>
+        </p:nvSpPr>
+        <p:spPr>
+          <a:xfrm>
+            <a:off x="4916495" y="1776714"/>
+            <a:ext cx="405000" cy="405000"/>
+          </a:xfrm>
+          <a:prstGeom prst="rect">
+            <a:avLst/>
+          </a:prstGeom>
+        </p:spPr>
+        <p:style>
+          <a:lnRef idx="2">
+            <a:schemeClr val="accent1">
+              <a:shade val="50000"/>
+            </a:schemeClr>
+          </a:lnRef>
+          <a:fillRef idx="1">
+            <a:schemeClr val="accent1"/>
+          </a:fillRef>
+          <a:effectRef idx="0">
+            <a:schemeClr val="accent1"/>
+          </a:effectRef>
+          <a:fontRef idx="minor">
+            <a:schemeClr val="lt1"/>
+          </a:fontRef>
+        </p:style>
+        <p:txBody>
+          <a:bodyPr rtlCol="0" anchor="ctr"/>
+          <a:lstStyle/>
+          <a:p>
+            <a:pPr algn="ctr"/>
+            <a:endParaRPr lang="fr-FR" sz="1013"/>
+          </a:p>
+        </p:txBody>
+      </p:sp>
+      <p:pic>
+        <p:nvPicPr>
+          <p:cNvPr id="44" name="Graphique 43" descr="Yeux avec un remplissage uni">
+            <a:extLst>
+              <a:ext uri="{FF2B5EF4-FFF2-40B4-BE49-F238E27FC236}">
+                <a16:creationId xmlns:a16="http://schemas.microsoft.com/office/drawing/2014/main" id="{FEEF19A9-6037-4193-8BB4-9839E2384434}"/>
+              </a:ext>
+            </a:extLst>
+          </p:cNvPr>
+          <p:cNvPicPr>
+            <a:picLocks noChangeAspect="1"/>
+          </p:cNvPicPr>
+          <p:nvPr/>
+        </p:nvPicPr>
+        <p:blipFill>
+          <a:blip r:embed="rId14">
+            <a:extLst>
+              <a:ext uri="{28A0092B-C50C-407E-A947-70E740481C1C}">
+                <a14:useLocalDpi xmlns:a14="http://schemas.microsoft.com/office/drawing/2010/main" val="0"/>
+              </a:ext>
+              <a:ext uri="{96DAC541-7B7A-43D3-8B79-37D633B846F1}">
+                <asvg:svgBlip xmlns:asvg="http://schemas.microsoft.com/office/drawing/2016/SVG/main" r:embed="rId15"/>
+              </a:ext>
+            </a:extLst>
+          </a:blip>
+          <a:stretch>
+            <a:fillRect/>
+          </a:stretch>
+        </p:blipFill>
+        <p:spPr>
+          <a:xfrm>
+            <a:off x="4931034" y="1776714"/>
+            <a:ext cx="383126" cy="383126"/>
+          </a:xfrm>
+          <a:prstGeom prst="rect">
+            <a:avLst/>
+          </a:prstGeom>
+        </p:spPr>
+      </p:pic>
+      <p:pic>
+        <p:nvPicPr>
+          <p:cNvPr id="46" name="Graphique 45" descr="Flèche en cercle avec un remplissage uni">
+            <a:extLst>
+              <a:ext uri="{FF2B5EF4-FFF2-40B4-BE49-F238E27FC236}">
+                <a16:creationId xmlns:a16="http://schemas.microsoft.com/office/drawing/2014/main" id="{BF354DC1-0DF2-4730-A412-2EF5888C5E56}"/>
+              </a:ext>
+            </a:extLst>
+          </p:cNvPr>
+          <p:cNvPicPr>
+            <a:picLocks noChangeAspect="1"/>
+          </p:cNvPicPr>
+          <p:nvPr/>
+        </p:nvPicPr>
+        <p:blipFill>
+          <a:blip r:embed="rId16">
+            <a:extLst>
+              <a:ext uri="{28A0092B-C50C-407E-A947-70E740481C1C}">
+                <a14:useLocalDpi xmlns:a14="http://schemas.microsoft.com/office/drawing/2010/main" val="0"/>
+              </a:ext>
+              <a:ext uri="{96DAC541-7B7A-43D3-8B79-37D633B846F1}">
+                <asvg:svgBlip xmlns:asvg="http://schemas.microsoft.com/office/drawing/2016/SVG/main" r:embed="rId17"/>
+              </a:ext>
+            </a:extLst>
+          </a:blip>
+          <a:stretch>
+            <a:fillRect/>
+          </a:stretch>
+        </p:blipFill>
+        <p:spPr>
+          <a:xfrm>
+            <a:off x="649317" y="4674642"/>
+            <a:ext cx="737455" cy="737455"/>
+          </a:xfrm>
+          <a:prstGeom prst="rect">
+            <a:avLst/>
+          </a:prstGeom>
+        </p:spPr>
+      </p:pic>
+      <p:sp>
+        <p:nvSpPr>
+          <p:cNvPr id="47" name="Rectangle 46">
+            <a:extLst>
+              <a:ext uri="{FF2B5EF4-FFF2-40B4-BE49-F238E27FC236}">
+                <a16:creationId xmlns:a16="http://schemas.microsoft.com/office/drawing/2014/main" id="{281FEC57-C333-4084-8DF4-9D8ED653D82F}"/>
+              </a:ext>
+            </a:extLst>
+          </p:cNvPr>
+          <p:cNvSpPr/>
+          <p:nvPr/>
+        </p:nvSpPr>
+        <p:spPr>
+          <a:xfrm>
+            <a:off x="5380081" y="1776714"/>
+            <a:ext cx="405000" cy="405000"/>
+          </a:xfrm>
+          <a:prstGeom prst="rect">
+            <a:avLst/>
+          </a:prstGeom>
+        </p:spPr>
+        <p:style>
+          <a:lnRef idx="2">
+            <a:schemeClr val="accent1">
+              <a:shade val="50000"/>
+            </a:schemeClr>
+          </a:lnRef>
+          <a:fillRef idx="1">
+            <a:schemeClr val="accent1"/>
+          </a:fillRef>
+          <a:effectRef idx="0">
+            <a:schemeClr val="accent1"/>
+          </a:effectRef>
+          <a:fontRef idx="minor">
+            <a:schemeClr val="lt1"/>
+          </a:fontRef>
+        </p:style>
+        <p:txBody>
+          <a:bodyPr rtlCol="0" anchor="ctr"/>
+          <a:lstStyle/>
+          <a:p>
+            <a:pPr algn="ctr"/>
+            <a:endParaRPr lang="fr-FR" sz="1013"/>
+          </a:p>
+        </p:txBody>
+      </p:sp>
+      <p:pic>
+        <p:nvPicPr>
+          <p:cNvPr id="48" name="Graphique 47" descr="Yeux avec un remplissage uni">
+            <a:extLst>
+              <a:ext uri="{FF2B5EF4-FFF2-40B4-BE49-F238E27FC236}">
+                <a16:creationId xmlns:a16="http://schemas.microsoft.com/office/drawing/2014/main" id="{A642C0C7-2443-44C2-AA02-E8AE9BEFAADD}"/>
+              </a:ext>
+            </a:extLst>
+          </p:cNvPr>
+          <p:cNvPicPr>
+            <a:picLocks noChangeAspect="1"/>
+          </p:cNvPicPr>
+          <p:nvPr/>
+        </p:nvPicPr>
+        <p:blipFill>
+          <a:blip r:embed="rId14">
+            <a:extLst>
+              <a:ext uri="{28A0092B-C50C-407E-A947-70E740481C1C}">
+                <a14:useLocalDpi xmlns:a14="http://schemas.microsoft.com/office/drawing/2010/main" val="0"/>
+              </a:ext>
+              <a:ext uri="{96DAC541-7B7A-43D3-8B79-37D633B846F1}">
+                <asvg:svgBlip xmlns:asvg="http://schemas.microsoft.com/office/drawing/2016/SVG/main" r:embed="rId15"/>
+              </a:ext>
+            </a:extLst>
+          </a:blip>
+          <a:stretch>
+            <a:fillRect/>
+          </a:stretch>
+        </p:blipFill>
+        <p:spPr>
+          <a:xfrm>
+            <a:off x="5394620" y="1776714"/>
+            <a:ext cx="383126" cy="383126"/>
+          </a:xfrm>
+          <a:prstGeom prst="rect">
+            <a:avLst/>
+          </a:prstGeom>
+        </p:spPr>
+      </p:pic>
+      <p:sp>
+        <p:nvSpPr>
+          <p:cNvPr id="49" name="Rectangle 48">
+            <a:extLst>
+              <a:ext uri="{FF2B5EF4-FFF2-40B4-BE49-F238E27FC236}">
+                <a16:creationId xmlns:a16="http://schemas.microsoft.com/office/drawing/2014/main" id="{9644363B-4CE6-46C8-B61E-A1C07D97E647}"/>
+              </a:ext>
+            </a:extLst>
+          </p:cNvPr>
+          <p:cNvSpPr/>
+          <p:nvPr/>
+        </p:nvSpPr>
+        <p:spPr>
+          <a:xfrm>
+            <a:off x="4909160" y="2255788"/>
+            <a:ext cx="405000" cy="405000"/>
+          </a:xfrm>
+          <a:prstGeom prst="rect">
+            <a:avLst/>
+          </a:prstGeom>
+        </p:spPr>
+        <p:style>
+          <a:lnRef idx="2">
+            <a:schemeClr val="accent1">
+              <a:shade val="50000"/>
+            </a:schemeClr>
+          </a:lnRef>
+          <a:fillRef idx="1">
+            <a:schemeClr val="accent1"/>
+          </a:fillRef>
+          <a:effectRef idx="0">
+            <a:schemeClr val="accent1"/>
+          </a:effectRef>
+          <a:fontRef idx="minor">
+            <a:schemeClr val="lt1"/>
+          </a:fontRef>
+        </p:style>
+        <p:txBody>
+          <a:bodyPr rtlCol="0" anchor="ctr"/>
+          <a:lstStyle/>
+          <a:p>
+            <a:pPr algn="ctr"/>
+            <a:endParaRPr lang="fr-FR" sz="1013"/>
+          </a:p>
+        </p:txBody>
+      </p:sp>
+      <p:pic>
+        <p:nvPicPr>
+          <p:cNvPr id="50" name="Graphique 49" descr="Yeux avec un remplissage uni">
+            <a:extLst>
+              <a:ext uri="{FF2B5EF4-FFF2-40B4-BE49-F238E27FC236}">
+                <a16:creationId xmlns:a16="http://schemas.microsoft.com/office/drawing/2014/main" id="{F0C14BDC-2843-4C4C-9921-9D92AF0607ED}"/>
+              </a:ext>
+            </a:extLst>
+          </p:cNvPr>
+          <p:cNvPicPr>
+            <a:picLocks noChangeAspect="1"/>
+          </p:cNvPicPr>
+          <p:nvPr/>
+        </p:nvPicPr>
+        <p:blipFill>
+          <a:blip r:embed="rId14">
+            <a:extLst>
+              <a:ext uri="{28A0092B-C50C-407E-A947-70E740481C1C}">
+                <a14:useLocalDpi xmlns:a14="http://schemas.microsoft.com/office/drawing/2010/main" val="0"/>
+              </a:ext>
+              <a:ext uri="{96DAC541-7B7A-43D3-8B79-37D633B846F1}">
+                <asvg:svgBlip xmlns:asvg="http://schemas.microsoft.com/office/drawing/2016/SVG/main" r:embed="rId15"/>
+              </a:ext>
+            </a:extLst>
+          </a:blip>
+          <a:stretch>
+            <a:fillRect/>
+          </a:stretch>
+        </p:blipFill>
+        <p:spPr>
+          <a:xfrm>
+            <a:off x="4909159" y="2255788"/>
+            <a:ext cx="383126" cy="383126"/>
+          </a:xfrm>
+          <a:prstGeom prst="rect">
+            <a:avLst/>
+          </a:prstGeom>
+        </p:spPr>
+      </p:pic>
+      <p:sp>
+        <p:nvSpPr>
+          <p:cNvPr id="51" name="Rectangle 50">
+            <a:extLst>
+              <a:ext uri="{FF2B5EF4-FFF2-40B4-BE49-F238E27FC236}">
+                <a16:creationId xmlns:a16="http://schemas.microsoft.com/office/drawing/2014/main" id="{5B0036A0-9E14-4F35-A6BB-A76B77A3D6DB}"/>
+              </a:ext>
+            </a:extLst>
+          </p:cNvPr>
+          <p:cNvSpPr/>
+          <p:nvPr/>
+        </p:nvSpPr>
+        <p:spPr>
+          <a:xfrm>
+            <a:off x="5380081" y="2255788"/>
+            <a:ext cx="405000" cy="405000"/>
+          </a:xfrm>
+          <a:prstGeom prst="rect">
+            <a:avLst/>
+          </a:prstGeom>
+        </p:spPr>
+        <p:style>
+          <a:lnRef idx="2">
+            <a:schemeClr val="accent1">
+              <a:shade val="50000"/>
+            </a:schemeClr>
+          </a:lnRef>
+          <a:fillRef idx="1">
+            <a:schemeClr val="accent1"/>
+          </a:fillRef>
+          <a:effectRef idx="0">
+            <a:schemeClr val="accent1"/>
+          </a:effectRef>
+          <a:fontRef idx="minor">
+            <a:schemeClr val="lt1"/>
+          </a:fontRef>
+        </p:style>
+        <p:txBody>
+          <a:bodyPr rtlCol="0" anchor="ctr"/>
+          <a:lstStyle/>
+          <a:p>
+            <a:pPr algn="ctr"/>
+            <a:endParaRPr lang="fr-FR" sz="1013"/>
+          </a:p>
+        </p:txBody>
+      </p:sp>
+      <p:pic>
+        <p:nvPicPr>
+          <p:cNvPr id="52" name="Graphique 51" descr="Yeux avec un remplissage uni">
+            <a:extLst>
+              <a:ext uri="{FF2B5EF4-FFF2-40B4-BE49-F238E27FC236}">
+                <a16:creationId xmlns:a16="http://schemas.microsoft.com/office/drawing/2014/main" id="{1ACB5F1E-321C-4352-A3CA-AD9270368467}"/>
+              </a:ext>
+            </a:extLst>
+          </p:cNvPr>
+          <p:cNvPicPr>
+            <a:picLocks noChangeAspect="1"/>
+          </p:cNvPicPr>
+          <p:nvPr/>
+        </p:nvPicPr>
+        <p:blipFill>
+          <a:blip r:embed="rId14">
+            <a:extLst>
+              <a:ext uri="{28A0092B-C50C-407E-A947-70E740481C1C}">
+                <a14:useLocalDpi xmlns:a14="http://schemas.microsoft.com/office/drawing/2010/main" val="0"/>
+              </a:ext>
+              <a:ext uri="{96DAC541-7B7A-43D3-8B79-37D633B846F1}">
+                <asvg:svgBlip xmlns:asvg="http://schemas.microsoft.com/office/drawing/2016/SVG/main" r:embed="rId15"/>
+              </a:ext>
+            </a:extLst>
+          </a:blip>
+          <a:stretch>
+            <a:fillRect/>
+          </a:stretch>
+        </p:blipFill>
+        <p:spPr>
+          <a:xfrm>
+            <a:off x="5394620" y="2255788"/>
+            <a:ext cx="383126" cy="383126"/>
+          </a:xfrm>
+          <a:prstGeom prst="rect">
+            <a:avLst/>
+          </a:prstGeom>
+        </p:spPr>
+      </p:pic>
+      <p:sp>
+        <p:nvSpPr>
+          <p:cNvPr id="54" name="ZoneTexte 53">
+            <a:extLst>
+              <a:ext uri="{FF2B5EF4-FFF2-40B4-BE49-F238E27FC236}">
+                <a16:creationId xmlns:a16="http://schemas.microsoft.com/office/drawing/2014/main" id="{EE026900-C8FC-4C0E-902E-A570D4933603}"/>
+              </a:ext>
+            </a:extLst>
+          </p:cNvPr>
+          <p:cNvSpPr txBox="1"/>
+          <p:nvPr/>
+        </p:nvSpPr>
+        <p:spPr>
+          <a:xfrm>
+            <a:off x="1400045" y="4811980"/>
+            <a:ext cx="4159259" cy="461665"/>
+          </a:xfrm>
+          <a:prstGeom prst="rect">
+            <a:avLst/>
+          </a:prstGeom>
+          <a:noFill/>
+        </p:spPr>
+        <p:txBody>
+          <a:bodyPr wrap="square" rtlCol="0">
+            <a:spAutoFit/>
+          </a:bodyPr>
+          <a:lstStyle/>
+          <a:p>
+            <a:r>
+              <a:rPr lang="fr-FR" sz="2400" dirty="0">
+                <a:solidFill>
+                  <a:schemeClr val="bg1"/>
+                </a:solidFill>
+              </a:rPr>
+              <a:t>Main / Boucle principale</a:t>
+            </a:r>
+          </a:p>
+        </p:txBody>
+      </p:sp>
+      <p:sp>
+        <p:nvSpPr>
+          <p:cNvPr id="55" name="ZoneTexte 54">
+            <a:extLst>
+              <a:ext uri="{FF2B5EF4-FFF2-40B4-BE49-F238E27FC236}">
+                <a16:creationId xmlns:a16="http://schemas.microsoft.com/office/drawing/2014/main" id="{8751AE07-97E9-4EAB-AD39-332E80FD7DE2}"/>
+              </a:ext>
+            </a:extLst>
+          </p:cNvPr>
+          <p:cNvSpPr txBox="1"/>
+          <p:nvPr/>
+        </p:nvSpPr>
+        <p:spPr>
+          <a:xfrm>
+            <a:off x="5076185" y="3335018"/>
+            <a:ext cx="1076653" cy="523220"/>
+          </a:xfrm>
+          <a:prstGeom prst="rect">
+            <a:avLst/>
+          </a:prstGeom>
+          <a:noFill/>
+        </p:spPr>
+        <p:txBody>
+          <a:bodyPr wrap="square" rtlCol="0">
+            <a:spAutoFit/>
+          </a:bodyPr>
+          <a:lstStyle/>
+          <a:p>
+            <a:r>
+              <a:rPr lang="fr-FR" sz="1400" dirty="0">
+                <a:solidFill>
+                  <a:schemeClr val="bg1"/>
+                </a:solidFill>
+              </a:rPr>
+              <a:t>Plateau</a:t>
+            </a:r>
+          </a:p>
+          <a:p>
+            <a:r>
+              <a:rPr lang="fr-FR" sz="1400" dirty="0">
+                <a:solidFill>
+                  <a:schemeClr val="bg1"/>
+                </a:solidFill>
+              </a:rPr>
+              <a:t>Graphique</a:t>
+            </a:r>
+          </a:p>
+        </p:txBody>
+      </p:sp>
+      <p:sp>
+        <p:nvSpPr>
+          <p:cNvPr id="56" name="ZoneTexte 55">
+            <a:extLst>
+              <a:ext uri="{FF2B5EF4-FFF2-40B4-BE49-F238E27FC236}">
+                <a16:creationId xmlns:a16="http://schemas.microsoft.com/office/drawing/2014/main" id="{E87A4B90-E85F-4AEE-900F-CF0427ED3523}"/>
+              </a:ext>
+            </a:extLst>
+          </p:cNvPr>
+          <p:cNvSpPr txBox="1"/>
+          <p:nvPr/>
+        </p:nvSpPr>
+        <p:spPr>
+          <a:xfrm>
+            <a:off x="3524667" y="3353300"/>
+            <a:ext cx="998107" cy="523220"/>
+          </a:xfrm>
+          <a:prstGeom prst="rect">
+            <a:avLst/>
+          </a:prstGeom>
+          <a:noFill/>
+        </p:spPr>
+        <p:txBody>
+          <a:bodyPr wrap="square" rtlCol="0">
+            <a:spAutoFit/>
+          </a:bodyPr>
+          <a:lstStyle/>
+          <a:p>
+            <a:r>
+              <a:rPr lang="fr-FR" sz="1400" dirty="0">
+                <a:solidFill>
+                  <a:schemeClr val="bg1"/>
+                </a:solidFill>
+              </a:rPr>
+              <a:t>Logs de la </a:t>
+            </a:r>
+          </a:p>
+          <a:p>
+            <a:r>
+              <a:rPr lang="fr-FR" sz="1400" dirty="0">
+                <a:solidFill>
+                  <a:schemeClr val="bg1"/>
+                </a:solidFill>
+              </a:rPr>
+              <a:t>Partie</a:t>
+            </a:r>
+          </a:p>
+        </p:txBody>
+      </p:sp>
+      <p:sp>
+        <p:nvSpPr>
+          <p:cNvPr id="57" name="ZoneTexte 56">
+            <a:extLst>
+              <a:ext uri="{FF2B5EF4-FFF2-40B4-BE49-F238E27FC236}">
+                <a16:creationId xmlns:a16="http://schemas.microsoft.com/office/drawing/2014/main" id="{6E907373-4935-472E-8C09-143D2189FDD3}"/>
+              </a:ext>
+            </a:extLst>
+          </p:cNvPr>
+          <p:cNvSpPr txBox="1"/>
+          <p:nvPr/>
+        </p:nvSpPr>
+        <p:spPr>
+          <a:xfrm>
+            <a:off x="1102320" y="3334298"/>
+            <a:ext cx="1076653" cy="523220"/>
+          </a:xfrm>
+          <a:prstGeom prst="rect">
+            <a:avLst/>
+          </a:prstGeom>
+          <a:noFill/>
+        </p:spPr>
+        <p:txBody>
+          <a:bodyPr wrap="square" rtlCol="0">
+            <a:spAutoFit/>
+          </a:bodyPr>
+          <a:lstStyle/>
+          <a:p>
+            <a:r>
+              <a:rPr lang="fr-FR" sz="1400" dirty="0">
+                <a:solidFill>
+                  <a:schemeClr val="bg1"/>
+                </a:solidFill>
+              </a:rPr>
+              <a:t>Plateau</a:t>
+            </a:r>
+          </a:p>
+          <a:p>
+            <a:r>
+              <a:rPr lang="fr-FR" sz="1400" dirty="0">
+                <a:solidFill>
+                  <a:schemeClr val="bg1"/>
+                </a:solidFill>
+              </a:rPr>
+              <a:t>Logique</a:t>
+            </a:r>
+          </a:p>
+        </p:txBody>
+      </p:sp>
+      <p:sp>
+        <p:nvSpPr>
+          <p:cNvPr id="58" name="ZoneTexte 57">
+            <a:extLst>
+              <a:ext uri="{FF2B5EF4-FFF2-40B4-BE49-F238E27FC236}">
+                <a16:creationId xmlns:a16="http://schemas.microsoft.com/office/drawing/2014/main" id="{C1B021B1-ACF0-414E-8686-936F260B6630}"/>
+              </a:ext>
+            </a:extLst>
+          </p:cNvPr>
+          <p:cNvSpPr txBox="1"/>
+          <p:nvPr/>
+        </p:nvSpPr>
+        <p:spPr>
+          <a:xfrm>
+            <a:off x="2125708" y="3020133"/>
+            <a:ext cx="1076653" cy="369332"/>
+          </a:xfrm>
+          <a:prstGeom prst="rect">
+            <a:avLst/>
+          </a:prstGeom>
+          <a:noFill/>
+        </p:spPr>
+        <p:txBody>
+          <a:bodyPr wrap="square" rtlCol="0">
+            <a:spAutoFit/>
+          </a:bodyPr>
+          <a:lstStyle/>
+          <a:p>
+            <a:r>
+              <a:rPr lang="fr-FR" dirty="0">
+                <a:solidFill>
+                  <a:schemeClr val="accent2"/>
+                </a:solidFill>
+              </a:rPr>
+              <a:t>Joueurs</a:t>
+            </a:r>
+          </a:p>
+        </p:txBody>
+      </p:sp>
+      <p:sp>
+        <p:nvSpPr>
+          <p:cNvPr id="59" name="ZoneTexte 58">
+            <a:extLst>
+              <a:ext uri="{FF2B5EF4-FFF2-40B4-BE49-F238E27FC236}">
+                <a16:creationId xmlns:a16="http://schemas.microsoft.com/office/drawing/2014/main" id="{CAB825FC-4853-4ADF-B923-E6980651B063}"/>
+              </a:ext>
+            </a:extLst>
+          </p:cNvPr>
+          <p:cNvSpPr txBox="1"/>
+          <p:nvPr/>
+        </p:nvSpPr>
+        <p:spPr>
+          <a:xfrm>
+            <a:off x="560284" y="1975184"/>
+            <a:ext cx="1076653" cy="307777"/>
+          </a:xfrm>
+          <a:prstGeom prst="rect">
+            <a:avLst/>
+          </a:prstGeom>
+          <a:noFill/>
+        </p:spPr>
+        <p:txBody>
+          <a:bodyPr wrap="square" rtlCol="0">
+            <a:spAutoFit/>
+          </a:bodyPr>
+          <a:lstStyle/>
+          <a:p>
+            <a:r>
+              <a:rPr lang="fr-FR" sz="1400" dirty="0">
+                <a:solidFill>
+                  <a:schemeClr val="accent2"/>
+                </a:solidFill>
+              </a:rPr>
+              <a:t>Pieces</a:t>
+            </a:r>
+          </a:p>
+        </p:txBody>
+      </p:sp>
+      <p:sp>
+        <p:nvSpPr>
+          <p:cNvPr id="60" name="ZoneTexte 59">
+            <a:extLst>
+              <a:ext uri="{FF2B5EF4-FFF2-40B4-BE49-F238E27FC236}">
+                <a16:creationId xmlns:a16="http://schemas.microsoft.com/office/drawing/2014/main" id="{D6993DAD-6244-4651-A8E6-15B96256554D}"/>
+              </a:ext>
+            </a:extLst>
+          </p:cNvPr>
+          <p:cNvSpPr txBox="1"/>
+          <p:nvPr/>
+        </p:nvSpPr>
+        <p:spPr>
+          <a:xfrm>
+            <a:off x="5003135" y="2624556"/>
+            <a:ext cx="1076653" cy="369332"/>
+          </a:xfrm>
+          <a:prstGeom prst="rect">
+            <a:avLst/>
+          </a:prstGeom>
+          <a:noFill/>
+        </p:spPr>
+        <p:txBody>
+          <a:bodyPr wrap="square" rtlCol="0">
+            <a:spAutoFit/>
+          </a:bodyPr>
+          <a:lstStyle/>
+          <a:p>
+            <a:r>
+              <a:rPr lang="fr-FR" dirty="0">
+                <a:solidFill>
+                  <a:schemeClr val="accent1"/>
+                </a:solidFill>
+              </a:rPr>
+              <a:t>Cases</a:t>
+            </a:r>
+            <a:endParaRPr lang="fr-FR" sz="1400" dirty="0">
+              <a:solidFill>
+                <a:schemeClr val="accent1"/>
+              </a:solidFill>
+            </a:endParaRPr>
+          </a:p>
+        </p:txBody>
+      </p:sp>
+      <p:sp>
+        <p:nvSpPr>
+          <p:cNvPr id="77" name="ZoneTexte 76">
+            <a:extLst>
+              <a:ext uri="{FF2B5EF4-FFF2-40B4-BE49-F238E27FC236}">
+                <a16:creationId xmlns:a16="http://schemas.microsoft.com/office/drawing/2014/main" id="{6E3DDCE4-01B0-4ACA-AADD-A1982510F71E}"/>
+              </a:ext>
+            </a:extLst>
+          </p:cNvPr>
+          <p:cNvSpPr txBox="1"/>
+          <p:nvPr/>
+        </p:nvSpPr>
+        <p:spPr>
+          <a:xfrm>
+            <a:off x="4052373" y="854103"/>
+            <a:ext cx="1317908" cy="338554"/>
+          </a:xfrm>
+          <a:prstGeom prst="rect">
+            <a:avLst/>
+          </a:prstGeom>
+          <a:noFill/>
+        </p:spPr>
+        <p:txBody>
+          <a:bodyPr wrap="square" rtlCol="0">
+            <a:spAutoFit/>
+          </a:bodyPr>
+          <a:lstStyle/>
+          <a:p>
+            <a:r>
+              <a:rPr lang="fr-FR" sz="1600" dirty="0">
+                <a:solidFill>
+                  <a:srgbClr val="00B050"/>
+                </a:solidFill>
+              </a:rPr>
+              <a:t>Interroge</a:t>
+            </a:r>
+          </a:p>
+        </p:txBody>
+      </p:sp>
+      <p:sp>
+        <p:nvSpPr>
+          <p:cNvPr id="80" name="ZoneTexte 79">
+            <a:extLst>
+              <a:ext uri="{FF2B5EF4-FFF2-40B4-BE49-F238E27FC236}">
+                <a16:creationId xmlns:a16="http://schemas.microsoft.com/office/drawing/2014/main" id="{1F586E6C-D011-480D-A504-3AD558E6312F}"/>
+              </a:ext>
+            </a:extLst>
+          </p:cNvPr>
+          <p:cNvSpPr txBox="1"/>
+          <p:nvPr/>
+        </p:nvSpPr>
+        <p:spPr>
+          <a:xfrm>
+            <a:off x="4052372" y="1132813"/>
+            <a:ext cx="939082" cy="338554"/>
+          </a:xfrm>
+          <a:prstGeom prst="rect">
+            <a:avLst/>
+          </a:prstGeom>
+          <a:noFill/>
+        </p:spPr>
+        <p:txBody>
+          <a:bodyPr wrap="square" rtlCol="0">
+            <a:spAutoFit/>
+          </a:bodyPr>
+          <a:lstStyle/>
+          <a:p>
+            <a:r>
+              <a:rPr lang="fr-FR" sz="1600" dirty="0">
+                <a:solidFill>
+                  <a:srgbClr val="FF0000"/>
+                </a:solidFill>
+              </a:rPr>
+              <a:t>Informe</a:t>
+            </a:r>
+          </a:p>
+        </p:txBody>
+      </p:sp>
+      <p:sp>
+        <p:nvSpPr>
+          <p:cNvPr id="81" name="ZoneTexte 80">
+            <a:extLst>
+              <a:ext uri="{FF2B5EF4-FFF2-40B4-BE49-F238E27FC236}">
+                <a16:creationId xmlns:a16="http://schemas.microsoft.com/office/drawing/2014/main" id="{6F6E345D-0C59-4FC3-A13B-33E802047781}"/>
+              </a:ext>
+            </a:extLst>
+          </p:cNvPr>
+          <p:cNvSpPr txBox="1"/>
+          <p:nvPr/>
+        </p:nvSpPr>
+        <p:spPr>
+          <a:xfrm>
+            <a:off x="4052372" y="1418204"/>
+            <a:ext cx="939082" cy="338554"/>
+          </a:xfrm>
+          <a:prstGeom prst="rect">
+            <a:avLst/>
+          </a:prstGeom>
+          <a:noFill/>
+        </p:spPr>
+        <p:txBody>
+          <a:bodyPr wrap="square" rtlCol="0">
+            <a:spAutoFit/>
+          </a:bodyPr>
+          <a:lstStyle/>
+          <a:p>
+            <a:r>
+              <a:rPr lang="fr-FR" sz="1600" dirty="0">
+                <a:solidFill>
+                  <a:schemeClr val="accent4"/>
+                </a:solidFill>
+              </a:rPr>
+              <a:t>Contient</a:t>
+            </a:r>
+          </a:p>
+        </p:txBody>
+      </p:sp>
+      <p:pic>
+        <p:nvPicPr>
+          <p:cNvPr id="143" name="Graphique 142" descr="Visage au large sourire avec remplissage solide avec un remplissage uni">
+            <a:extLst>
+              <a:ext uri="{FF2B5EF4-FFF2-40B4-BE49-F238E27FC236}">
+                <a16:creationId xmlns:a16="http://schemas.microsoft.com/office/drawing/2014/main" id="{E27C6D8D-D5FC-4B8B-8709-B75F153CB785}"/>
+              </a:ext>
+            </a:extLst>
+          </p:cNvPr>
+          <p:cNvPicPr>
+            <a:picLocks noChangeAspect="1"/>
+          </p:cNvPicPr>
+          <p:nvPr/>
+        </p:nvPicPr>
+        <p:blipFill>
+          <a:blip r:embed="rId2">
+            <a:extLst>
+              <a:ext uri="{28A0092B-C50C-407E-A947-70E740481C1C}">
+                <a14:useLocalDpi xmlns:a14="http://schemas.microsoft.com/office/drawing/2010/main" val="0"/>
+              </a:ext>
+              <a:ext uri="{96DAC541-7B7A-43D3-8B79-37D633B846F1}">
+                <asvg:svgBlip xmlns:asvg="http://schemas.microsoft.com/office/drawing/2016/SVG/main" r:embed="rId3"/>
+              </a:ext>
+            </a:extLst>
+          </a:blip>
+          <a:stretch>
+            <a:fillRect/>
+          </a:stretch>
+        </p:blipFill>
+        <p:spPr>
+          <a:xfrm>
+            <a:off x="2246916" y="959233"/>
+            <a:ext cx="642316" cy="642316"/>
+          </a:xfrm>
+          <a:prstGeom prst="rect">
+            <a:avLst/>
+          </a:prstGeom>
+        </p:spPr>
+      </p:pic>
+      <p:pic>
+        <p:nvPicPr>
+          <p:cNvPr id="145" name="Graphique 144" descr="Visage au large sourire avec remplissage solide avec un remplissage uni">
+            <a:extLst>
+              <a:ext uri="{FF2B5EF4-FFF2-40B4-BE49-F238E27FC236}">
+                <a16:creationId xmlns:a16="http://schemas.microsoft.com/office/drawing/2014/main" id="{7C01CC6B-BC24-4656-8058-A8DFAE1ED574}"/>
+              </a:ext>
+            </a:extLst>
+          </p:cNvPr>
+          <p:cNvPicPr>
+            <a:picLocks noChangeAspect="1"/>
+          </p:cNvPicPr>
+          <p:nvPr/>
+        </p:nvPicPr>
+        <p:blipFill>
+          <a:blip r:embed="rId2">
+            <a:extLst>
+              <a:ext uri="{28A0092B-C50C-407E-A947-70E740481C1C}">
+                <a14:useLocalDpi xmlns:a14="http://schemas.microsoft.com/office/drawing/2010/main" val="0"/>
+              </a:ext>
+              <a:ext uri="{96DAC541-7B7A-43D3-8B79-37D633B846F1}">
+                <asvg:svgBlip xmlns:asvg="http://schemas.microsoft.com/office/drawing/2016/SVG/main" r:embed="rId3"/>
+              </a:ext>
+            </a:extLst>
+          </a:blip>
+          <a:stretch>
+            <a:fillRect/>
+          </a:stretch>
+        </p:blipFill>
+        <p:spPr>
+          <a:xfrm>
+            <a:off x="2246916" y="1716357"/>
+            <a:ext cx="642316" cy="642316"/>
+          </a:xfrm>
+          <a:prstGeom prst="rect">
+            <a:avLst/>
+          </a:prstGeom>
+        </p:spPr>
+      </p:pic>
+      <p:cxnSp>
+        <p:nvCxnSpPr>
+          <p:cNvPr id="149" name="Connecteur droit avec flèche 148">
+            <a:extLst>
+              <a:ext uri="{FF2B5EF4-FFF2-40B4-BE49-F238E27FC236}">
+                <a16:creationId xmlns:a16="http://schemas.microsoft.com/office/drawing/2014/main" id="{E37D3E28-7871-4DB6-8C2B-BAD83FF1C83D}"/>
+              </a:ext>
+            </a:extLst>
+          </p:cNvPr>
+          <p:cNvCxnSpPr>
+            <a:cxnSpLocks/>
+          </p:cNvCxnSpPr>
+          <p:nvPr/>
+        </p:nvCxnSpPr>
+        <p:spPr>
           <a:xfrm flipH="1" flipV="1">
-            <a:off x="2002527" y="3597179"/>
-            <a:ext cx="2660765" cy="28621"/>
+            <a:off x="1012622" y="2572098"/>
+            <a:ext cx="5422" cy="762200"/>
           </a:xfrm>
           <a:prstGeom prst="straightConnector1">
             <a:avLst/>
@@ -3195,10 +7243,10 @@
       </p:cxnSp>
       <p:cxnSp>
         <p:nvCxnSpPr>
-          <p:cNvPr id="93" name="Connecteur droit avec flèche 92">
-            <a:extLst>
-              <a:ext uri="{FF2B5EF4-FFF2-40B4-BE49-F238E27FC236}">
-                <a16:creationId xmlns:a16="http://schemas.microsoft.com/office/drawing/2014/main" id="{DA805FED-6C75-430B-92DD-9950E70A2B14}"/>
+          <p:cNvPr id="61" name="Connecteur droit avec flèche 60">
+            <a:extLst>
+              <a:ext uri="{FF2B5EF4-FFF2-40B4-BE49-F238E27FC236}">
+                <a16:creationId xmlns:a16="http://schemas.microsoft.com/office/drawing/2014/main" id="{198579D5-8469-45D3-BF1B-FCE5F3658FCA}"/>
               </a:ext>
             </a:extLst>
           </p:cNvPr>
@@ -3208,1757 +7256,9 @@
           <p:nvPr/>
         </p:nvCxnSpPr>
         <p:spPr>
-          <a:xfrm flipV="1">
-            <a:off x="4185113" y="3879955"/>
-            <a:ext cx="0" cy="1244736"/>
-          </a:xfrm>
-          <a:prstGeom prst="straightConnector1">
-            <a:avLst/>
-          </a:prstGeom>
-          <a:ln w="38100">
-            <a:solidFill>
-              <a:srgbClr val="00B050"/>
-            </a:solidFill>
-            <a:headEnd type="none" w="med" len="med"/>
-            <a:tailEnd type="triangle" w="med" len="med"/>
-          </a:ln>
-        </p:spPr>
-        <p:style>
-          <a:lnRef idx="1">
-            <a:schemeClr val="accent1"/>
-          </a:lnRef>
-          <a:fillRef idx="0">
-            <a:schemeClr val="accent1"/>
-          </a:fillRef>
-          <a:effectRef idx="0">
-            <a:schemeClr val="accent1"/>
-          </a:effectRef>
-          <a:fontRef idx="minor">
-            <a:schemeClr val="tx1"/>
-          </a:fontRef>
-        </p:style>
-      </p:cxnSp>
-      <p:cxnSp>
-        <p:nvCxnSpPr>
-          <p:cNvPr id="91" name="Connecteur droit avec flèche 90">
-            <a:extLst>
-              <a:ext uri="{FF2B5EF4-FFF2-40B4-BE49-F238E27FC236}">
-                <a16:creationId xmlns:a16="http://schemas.microsoft.com/office/drawing/2014/main" id="{2BFB960A-AE88-4304-B4E1-569B8EFF7845}"/>
-              </a:ext>
-            </a:extLst>
-          </p:cNvPr>
-          <p:cNvCxnSpPr>
-            <a:cxnSpLocks/>
-          </p:cNvCxnSpPr>
-          <p:nvPr/>
-        </p:nvCxnSpPr>
-        <p:spPr>
-          <a:xfrm flipV="1">
-            <a:off x="5369556" y="2920858"/>
-            <a:ext cx="0" cy="828967"/>
-          </a:xfrm>
-          <a:prstGeom prst="straightConnector1">
-            <a:avLst/>
-          </a:prstGeom>
-          <a:ln w="38100">
-            <a:solidFill>
-              <a:schemeClr val="accent4"/>
-            </a:solidFill>
-            <a:headEnd type="none" w="med" len="med"/>
-            <a:tailEnd type="triangle" w="med" len="med"/>
-          </a:ln>
-        </p:spPr>
-        <p:style>
-          <a:lnRef idx="1">
-            <a:schemeClr val="accent1"/>
-          </a:lnRef>
-          <a:fillRef idx="0">
-            <a:schemeClr val="accent1"/>
-          </a:fillRef>
-          <a:effectRef idx="0">
-            <a:schemeClr val="accent1"/>
-          </a:effectRef>
-          <a:fontRef idx="minor">
-            <a:schemeClr val="tx1"/>
-          </a:fontRef>
-        </p:style>
-      </p:cxnSp>
-      <p:cxnSp>
-        <p:nvCxnSpPr>
-          <p:cNvPr id="85" name="Connecteur droit avec flèche 84">
-            <a:extLst>
-              <a:ext uri="{FF2B5EF4-FFF2-40B4-BE49-F238E27FC236}">
-                <a16:creationId xmlns:a16="http://schemas.microsoft.com/office/drawing/2014/main" id="{D64B2F06-B04B-4F21-8D25-3E238ADE1A89}"/>
-              </a:ext>
-            </a:extLst>
-          </p:cNvPr>
-          <p:cNvCxnSpPr>
-            <a:cxnSpLocks/>
-          </p:cNvCxnSpPr>
-          <p:nvPr/>
-        </p:nvCxnSpPr>
-        <p:spPr>
-          <a:xfrm flipV="1">
-            <a:off x="778212" y="2280564"/>
-            <a:ext cx="0" cy="1068196"/>
-          </a:xfrm>
-          <a:prstGeom prst="straightConnector1">
-            <a:avLst/>
-          </a:prstGeom>
-          <a:ln w="38100">
-            <a:solidFill>
-              <a:schemeClr val="accent4"/>
-            </a:solidFill>
-            <a:headEnd type="none" w="med" len="med"/>
-            <a:tailEnd type="triangle" w="med" len="med"/>
-          </a:ln>
-        </p:spPr>
-        <p:style>
-          <a:lnRef idx="1">
-            <a:schemeClr val="accent1"/>
-          </a:lnRef>
-          <a:fillRef idx="0">
-            <a:schemeClr val="accent1"/>
-          </a:fillRef>
-          <a:effectRef idx="0">
-            <a:schemeClr val="accent1"/>
-          </a:effectRef>
-          <a:fontRef idx="minor">
-            <a:schemeClr val="tx1"/>
-          </a:fontRef>
-        </p:style>
-      </p:cxnSp>
-      <p:sp>
-        <p:nvSpPr>
-          <p:cNvPr id="53" name="Rectangle 52">
-            <a:extLst>
-              <a:ext uri="{FF2B5EF4-FFF2-40B4-BE49-F238E27FC236}">
-                <a16:creationId xmlns:a16="http://schemas.microsoft.com/office/drawing/2014/main" id="{2F884956-A22C-475E-9A6D-0B660299D708}"/>
-              </a:ext>
-            </a:extLst>
-          </p:cNvPr>
-          <p:cNvSpPr/>
-          <p:nvPr/>
-        </p:nvSpPr>
-        <p:spPr>
-          <a:xfrm>
-            <a:off x="657051" y="4722845"/>
-            <a:ext cx="5258300" cy="680858"/>
-          </a:xfrm>
-          <a:prstGeom prst="rect">
-            <a:avLst/>
-          </a:prstGeom>
-          <a:solidFill>
-            <a:schemeClr val="accent6"/>
-          </a:solidFill>
-        </p:spPr>
-        <p:style>
-          <a:lnRef idx="2">
-            <a:schemeClr val="accent1">
-              <a:shade val="50000"/>
-            </a:schemeClr>
-          </a:lnRef>
-          <a:fillRef idx="1">
-            <a:schemeClr val="accent1"/>
-          </a:fillRef>
-          <a:effectRef idx="0">
-            <a:schemeClr val="accent1"/>
-          </a:effectRef>
-          <a:fontRef idx="minor">
-            <a:schemeClr val="lt1"/>
-          </a:fontRef>
-        </p:style>
-        <p:txBody>
-          <a:bodyPr rtlCol="0" anchor="ctr"/>
-          <a:lstStyle/>
-          <a:p>
-            <a:pPr algn="ctr"/>
-            <a:endParaRPr lang="fr-FR"/>
-          </a:p>
-        </p:txBody>
-      </p:sp>
-      <p:sp>
-        <p:nvSpPr>
-          <p:cNvPr id="4" name="Ellipse 3">
-            <a:extLst>
-              <a:ext uri="{FF2B5EF4-FFF2-40B4-BE49-F238E27FC236}">
-                <a16:creationId xmlns:a16="http://schemas.microsoft.com/office/drawing/2014/main" id="{AE1E7893-AB55-4ADE-8E0A-D005FF8E985F}"/>
-              </a:ext>
-            </a:extLst>
-          </p:cNvPr>
-          <p:cNvSpPr/>
-          <p:nvPr/>
-        </p:nvSpPr>
-        <p:spPr>
-          <a:xfrm>
-            <a:off x="2204556" y="951530"/>
-            <a:ext cx="703479" cy="657723"/>
-          </a:xfrm>
-          <a:prstGeom prst="ellipse">
-            <a:avLst/>
-          </a:prstGeom>
-          <a:solidFill>
-            <a:schemeClr val="accent2"/>
-          </a:solidFill>
-        </p:spPr>
-        <p:style>
-          <a:lnRef idx="2">
-            <a:schemeClr val="accent1">
-              <a:shade val="50000"/>
-            </a:schemeClr>
-          </a:lnRef>
-          <a:fillRef idx="1">
-            <a:schemeClr val="accent1"/>
-          </a:fillRef>
-          <a:effectRef idx="0">
-            <a:schemeClr val="accent1"/>
-          </a:effectRef>
-          <a:fontRef idx="minor">
-            <a:schemeClr val="lt1"/>
-          </a:fontRef>
-        </p:style>
-        <p:txBody>
-          <a:bodyPr rtlCol="0" anchor="ctr"/>
-          <a:lstStyle/>
-          <a:p>
-            <a:pPr algn="ctr"/>
-            <a:endParaRPr lang="fr-FR" sz="2000" dirty="0"/>
-          </a:p>
-        </p:txBody>
-      </p:sp>
-      <p:sp>
-        <p:nvSpPr>
-          <p:cNvPr id="6" name="Rectangle 5">
-            <a:extLst>
-              <a:ext uri="{FF2B5EF4-FFF2-40B4-BE49-F238E27FC236}">
-                <a16:creationId xmlns:a16="http://schemas.microsoft.com/office/drawing/2014/main" id="{0436BBB8-5625-4B04-B745-D8FA22D2B4A1}"/>
-              </a:ext>
-            </a:extLst>
-          </p:cNvPr>
-          <p:cNvSpPr/>
-          <p:nvPr/>
-        </p:nvSpPr>
-        <p:spPr>
-          <a:xfrm>
-            <a:off x="649317" y="3353315"/>
-            <a:ext cx="1330349" cy="487279"/>
-          </a:xfrm>
-          <a:prstGeom prst="rect">
-            <a:avLst/>
-          </a:prstGeom>
-          <a:solidFill>
-            <a:schemeClr val="accent2"/>
-          </a:solidFill>
-        </p:spPr>
-        <p:style>
-          <a:lnRef idx="2">
-            <a:schemeClr val="accent1">
-              <a:shade val="50000"/>
-            </a:schemeClr>
-          </a:lnRef>
-          <a:fillRef idx="1">
-            <a:schemeClr val="accent1"/>
-          </a:fillRef>
-          <a:effectRef idx="0">
-            <a:schemeClr val="accent1"/>
-          </a:effectRef>
-          <a:fontRef idx="minor">
-            <a:schemeClr val="lt1"/>
-          </a:fontRef>
-        </p:style>
-        <p:txBody>
-          <a:bodyPr rtlCol="0" anchor="ctr"/>
-          <a:lstStyle/>
-          <a:p>
-            <a:pPr algn="ctr"/>
-            <a:endParaRPr lang="fr-FR" sz="1013"/>
-          </a:p>
-        </p:txBody>
-      </p:sp>
-      <p:sp>
-        <p:nvSpPr>
-          <p:cNvPr id="7" name="Rectangle 6">
-            <a:extLst>
-              <a:ext uri="{FF2B5EF4-FFF2-40B4-BE49-F238E27FC236}">
-                <a16:creationId xmlns:a16="http://schemas.microsoft.com/office/drawing/2014/main" id="{CEA547BA-880E-4CFF-8981-2FD163B8D239}"/>
-              </a:ext>
-            </a:extLst>
-          </p:cNvPr>
-          <p:cNvSpPr/>
-          <p:nvPr/>
-        </p:nvSpPr>
-        <p:spPr>
-          <a:xfrm>
-            <a:off x="4648165" y="3329843"/>
-            <a:ext cx="1330349" cy="533366"/>
-          </a:xfrm>
-          <a:prstGeom prst="rect">
-            <a:avLst/>
-          </a:prstGeom>
-        </p:spPr>
-        <p:style>
-          <a:lnRef idx="2">
-            <a:schemeClr val="accent1">
-              <a:shade val="50000"/>
-            </a:schemeClr>
-          </a:lnRef>
-          <a:fillRef idx="1">
-            <a:schemeClr val="accent1"/>
-          </a:fillRef>
-          <a:effectRef idx="0">
-            <a:schemeClr val="accent1"/>
-          </a:effectRef>
-          <a:fontRef idx="minor">
-            <a:schemeClr val="lt1"/>
-          </a:fontRef>
-        </p:style>
-        <p:txBody>
-          <a:bodyPr rtlCol="0" anchor="ctr"/>
-          <a:lstStyle/>
-          <a:p>
-            <a:pPr algn="ctr"/>
-            <a:endParaRPr lang="fr-FR" sz="1013"/>
-          </a:p>
-        </p:txBody>
-      </p:sp>
-      <p:sp>
-        <p:nvSpPr>
-          <p:cNvPr id="10" name="Rectangle : coins arrondis 9">
-            <a:extLst>
-              <a:ext uri="{FF2B5EF4-FFF2-40B4-BE49-F238E27FC236}">
-                <a16:creationId xmlns:a16="http://schemas.microsoft.com/office/drawing/2014/main" id="{EBB15A90-F119-4509-9DD1-7A961FD3FD31}"/>
-              </a:ext>
-            </a:extLst>
-          </p:cNvPr>
-          <p:cNvSpPr/>
-          <p:nvPr/>
-        </p:nvSpPr>
-        <p:spPr>
-          <a:xfrm>
-            <a:off x="3111774" y="3334298"/>
-            <a:ext cx="1332653" cy="533367"/>
-          </a:xfrm>
-          <a:prstGeom prst="roundRect">
-            <a:avLst/>
-          </a:prstGeom>
-          <a:solidFill>
-            <a:schemeClr val="accent1"/>
-          </a:solidFill>
-        </p:spPr>
-        <p:style>
-          <a:lnRef idx="2">
-            <a:schemeClr val="accent1">
-              <a:shade val="50000"/>
-            </a:schemeClr>
-          </a:lnRef>
-          <a:fillRef idx="1">
-            <a:schemeClr val="accent1"/>
-          </a:fillRef>
-          <a:effectRef idx="0">
-            <a:schemeClr val="accent1"/>
-          </a:effectRef>
-          <a:fontRef idx="minor">
-            <a:schemeClr val="lt1"/>
-          </a:fontRef>
-        </p:style>
-        <p:txBody>
-          <a:bodyPr rtlCol="0" anchor="ctr"/>
-          <a:lstStyle/>
-          <a:p>
-            <a:pPr algn="ctr"/>
-            <a:endParaRPr lang="fr-FR" sz="2000" dirty="0"/>
-          </a:p>
-        </p:txBody>
-      </p:sp>
-      <p:sp>
-        <p:nvSpPr>
-          <p:cNvPr id="17" name="Rectangle 16">
-            <a:extLst>
-              <a:ext uri="{FF2B5EF4-FFF2-40B4-BE49-F238E27FC236}">
-                <a16:creationId xmlns:a16="http://schemas.microsoft.com/office/drawing/2014/main" id="{4C4AC5BB-907A-4B92-ACE3-1BCEBC3020AB}"/>
-              </a:ext>
-            </a:extLst>
-          </p:cNvPr>
-          <p:cNvSpPr/>
-          <p:nvPr/>
-        </p:nvSpPr>
-        <p:spPr>
-          <a:xfrm rot="2659627">
-            <a:off x="1015563" y="1622371"/>
-            <a:ext cx="405000" cy="405000"/>
-          </a:xfrm>
-          <a:prstGeom prst="rect">
-            <a:avLst/>
-          </a:prstGeom>
-          <a:solidFill>
-            <a:schemeClr val="accent2"/>
-          </a:solidFill>
-        </p:spPr>
-        <p:style>
-          <a:lnRef idx="2">
-            <a:schemeClr val="accent1">
-              <a:shade val="50000"/>
-            </a:schemeClr>
-          </a:lnRef>
-          <a:fillRef idx="1">
-            <a:schemeClr val="accent1"/>
-          </a:fillRef>
-          <a:effectRef idx="0">
-            <a:schemeClr val="accent1"/>
-          </a:effectRef>
-          <a:fontRef idx="minor">
-            <a:schemeClr val="lt1"/>
-          </a:fontRef>
-        </p:style>
-        <p:txBody>
-          <a:bodyPr rtlCol="0" anchor="ctr"/>
-          <a:lstStyle/>
-          <a:p>
-            <a:pPr algn="ctr"/>
-            <a:endParaRPr lang="fr-FR" sz="1013"/>
-          </a:p>
-        </p:txBody>
-      </p:sp>
-      <p:pic>
-        <p:nvPicPr>
-          <p:cNvPr id="19" name="Graphique 18" descr="Visage au large sourire avec remplissage solide avec un remplissage uni">
-            <a:extLst>
-              <a:ext uri="{FF2B5EF4-FFF2-40B4-BE49-F238E27FC236}">
-                <a16:creationId xmlns:a16="http://schemas.microsoft.com/office/drawing/2014/main" id="{2904B3E9-0311-4216-820B-5D0957EEC9C6}"/>
-              </a:ext>
-            </a:extLst>
-          </p:cNvPr>
-          <p:cNvPicPr>
-            <a:picLocks noChangeAspect="1"/>
-          </p:cNvPicPr>
-          <p:nvPr/>
-        </p:nvPicPr>
-        <p:blipFill>
-          <a:blip r:embed="rId2">
-            <a:extLst>
-              <a:ext uri="{28A0092B-C50C-407E-A947-70E740481C1C}">
-                <a14:useLocalDpi xmlns:a14="http://schemas.microsoft.com/office/drawing/2010/main" val="0"/>
-              </a:ext>
-              <a:ext uri="{96DAC541-7B7A-43D3-8B79-37D633B846F1}">
-                <asvg:svgBlip xmlns:asvg="http://schemas.microsoft.com/office/drawing/2016/SVG/main" r:embed="rId3"/>
-              </a:ext>
-            </a:extLst>
-          </a:blip>
-          <a:stretch>
-            <a:fillRect/>
-          </a:stretch>
-        </p:blipFill>
-        <p:spPr>
-          <a:xfrm>
-            <a:off x="2235137" y="959233"/>
-            <a:ext cx="642316" cy="642316"/>
-          </a:xfrm>
-          <a:prstGeom prst="rect">
-            <a:avLst/>
-          </a:prstGeom>
-        </p:spPr>
-      </p:pic>
-      <p:pic>
-        <p:nvPicPr>
-          <p:cNvPr id="21" name="Graphique 20" descr="Écran avec un remplissage uni">
-            <a:extLst>
-              <a:ext uri="{FF2B5EF4-FFF2-40B4-BE49-F238E27FC236}">
-                <a16:creationId xmlns:a16="http://schemas.microsoft.com/office/drawing/2014/main" id="{42931361-1CE6-4E4A-916D-BB6545ABC8AE}"/>
-              </a:ext>
-            </a:extLst>
-          </p:cNvPr>
-          <p:cNvPicPr>
-            <a:picLocks noChangeAspect="1"/>
-          </p:cNvPicPr>
-          <p:nvPr/>
-        </p:nvPicPr>
-        <p:blipFill>
-          <a:blip r:embed="rId4">
-            <a:extLst>
-              <a:ext uri="{28A0092B-C50C-407E-A947-70E740481C1C}">
-                <a14:useLocalDpi xmlns:a14="http://schemas.microsoft.com/office/drawing/2010/main" val="0"/>
-              </a:ext>
-              <a:ext uri="{96DAC541-7B7A-43D3-8B79-37D633B846F1}">
-                <asvg:svgBlip xmlns:asvg="http://schemas.microsoft.com/office/drawing/2016/SVG/main" r:embed="rId5"/>
-              </a:ext>
-            </a:extLst>
-          </a:blip>
-          <a:stretch>
-            <a:fillRect/>
-          </a:stretch>
-        </p:blipFill>
-        <p:spPr>
-          <a:xfrm>
-            <a:off x="4648760" y="3319206"/>
-            <a:ext cx="514350" cy="563549"/>
-          </a:xfrm>
-          <a:prstGeom prst="rect">
-            <a:avLst/>
-          </a:prstGeom>
-        </p:spPr>
-      </p:pic>
-      <p:pic>
-        <p:nvPicPr>
-          <p:cNvPr id="23" name="Graphique 22" descr="Personne confuse avec un remplissage uni">
-            <a:extLst>
-              <a:ext uri="{FF2B5EF4-FFF2-40B4-BE49-F238E27FC236}">
-                <a16:creationId xmlns:a16="http://schemas.microsoft.com/office/drawing/2014/main" id="{B87845A2-CD3C-441F-A548-D82C533003AC}"/>
-              </a:ext>
-            </a:extLst>
-          </p:cNvPr>
-          <p:cNvPicPr>
-            <a:picLocks noChangeAspect="1"/>
-          </p:cNvPicPr>
-          <p:nvPr/>
-        </p:nvPicPr>
-        <p:blipFill>
-          <a:blip r:embed="rId6">
-            <a:extLst>
-              <a:ext uri="{28A0092B-C50C-407E-A947-70E740481C1C}">
-                <a14:useLocalDpi xmlns:a14="http://schemas.microsoft.com/office/drawing/2010/main" val="0"/>
-              </a:ext>
-              <a:ext uri="{96DAC541-7B7A-43D3-8B79-37D633B846F1}">
-                <asvg:svgBlip xmlns:asvg="http://schemas.microsoft.com/office/drawing/2016/SVG/main" r:embed="rId7"/>
-              </a:ext>
-            </a:extLst>
-          </a:blip>
-          <a:stretch>
-            <a:fillRect/>
-          </a:stretch>
-        </p:blipFill>
-        <p:spPr>
-          <a:xfrm>
-            <a:off x="1019397" y="1622475"/>
-            <a:ext cx="397327" cy="397327"/>
-          </a:xfrm>
-          <a:prstGeom prst="rect">
-            <a:avLst/>
-          </a:prstGeom>
-        </p:spPr>
-      </p:pic>
-      <p:pic>
-        <p:nvPicPr>
-          <p:cNvPr id="27" name="Graphique 26" descr="Cerveau avec un remplissage uni">
-            <a:extLst>
-              <a:ext uri="{FF2B5EF4-FFF2-40B4-BE49-F238E27FC236}">
-                <a16:creationId xmlns:a16="http://schemas.microsoft.com/office/drawing/2014/main" id="{91149C9C-7517-4674-AB57-35875C970460}"/>
-              </a:ext>
-            </a:extLst>
-          </p:cNvPr>
-          <p:cNvPicPr>
-            <a:picLocks noChangeAspect="1"/>
-          </p:cNvPicPr>
-          <p:nvPr/>
-        </p:nvPicPr>
-        <p:blipFill>
-          <a:blip r:embed="rId8">
-            <a:extLst>
-              <a:ext uri="{28A0092B-C50C-407E-A947-70E740481C1C}">
-                <a14:useLocalDpi xmlns:a14="http://schemas.microsoft.com/office/drawing/2010/main" val="0"/>
-              </a:ext>
-              <a:ext uri="{96DAC541-7B7A-43D3-8B79-37D633B846F1}">
-                <asvg:svgBlip xmlns:asvg="http://schemas.microsoft.com/office/drawing/2016/SVG/main" r:embed="rId9"/>
-              </a:ext>
-            </a:extLst>
-          </a:blip>
-          <a:stretch>
-            <a:fillRect/>
-          </a:stretch>
-        </p:blipFill>
-        <p:spPr>
-          <a:xfrm>
-            <a:off x="657051" y="3353315"/>
-            <a:ext cx="514350" cy="514350"/>
-          </a:xfrm>
-          <a:prstGeom prst="rect">
-            <a:avLst/>
-          </a:prstGeom>
-        </p:spPr>
-      </p:pic>
-      <p:pic>
-        <p:nvPicPr>
-          <p:cNvPr id="29" name="Graphique 28" descr="Liste de contrôle avec un remplissage uni">
-            <a:extLst>
-              <a:ext uri="{FF2B5EF4-FFF2-40B4-BE49-F238E27FC236}">
-                <a16:creationId xmlns:a16="http://schemas.microsoft.com/office/drawing/2014/main" id="{062CE8EF-8077-4390-AA12-BE4BC87EFE65}"/>
-              </a:ext>
-            </a:extLst>
-          </p:cNvPr>
-          <p:cNvPicPr>
-            <a:picLocks noChangeAspect="1"/>
-          </p:cNvPicPr>
-          <p:nvPr/>
-        </p:nvPicPr>
-        <p:blipFill>
-          <a:blip r:embed="rId10">
-            <a:extLst>
-              <a:ext uri="{28A0092B-C50C-407E-A947-70E740481C1C}">
-                <a14:useLocalDpi xmlns:a14="http://schemas.microsoft.com/office/drawing/2010/main" val="0"/>
-              </a:ext>
-              <a:ext uri="{96DAC541-7B7A-43D3-8B79-37D633B846F1}">
-                <asvg:svgBlip xmlns:asvg="http://schemas.microsoft.com/office/drawing/2016/SVG/main" r:embed="rId11"/>
-              </a:ext>
-            </a:extLst>
-          </a:blip>
-          <a:stretch>
-            <a:fillRect/>
-          </a:stretch>
-        </p:blipFill>
-        <p:spPr>
-          <a:xfrm>
-            <a:off x="3111774" y="3389465"/>
-            <a:ext cx="478200" cy="478200"/>
-          </a:xfrm>
-          <a:prstGeom prst="rect">
-            <a:avLst/>
-          </a:prstGeom>
-        </p:spPr>
-      </p:pic>
-      <p:sp>
-        <p:nvSpPr>
-          <p:cNvPr id="30" name="Ellipse 29">
-            <a:extLst>
-              <a:ext uri="{FF2B5EF4-FFF2-40B4-BE49-F238E27FC236}">
-                <a16:creationId xmlns:a16="http://schemas.microsoft.com/office/drawing/2014/main" id="{D5F18824-E77B-4D30-A810-E5532ACFE249}"/>
-              </a:ext>
-            </a:extLst>
-          </p:cNvPr>
-          <p:cNvSpPr/>
-          <p:nvPr/>
-        </p:nvSpPr>
-        <p:spPr>
-          <a:xfrm>
-            <a:off x="2204557" y="1700950"/>
-            <a:ext cx="703479" cy="657723"/>
-          </a:xfrm>
-          <a:prstGeom prst="ellipse">
-            <a:avLst/>
-          </a:prstGeom>
-          <a:solidFill>
-            <a:schemeClr val="accent2"/>
-          </a:solidFill>
-        </p:spPr>
-        <p:style>
-          <a:lnRef idx="2">
-            <a:schemeClr val="accent1">
-              <a:shade val="50000"/>
-            </a:schemeClr>
-          </a:lnRef>
-          <a:fillRef idx="1">
-            <a:schemeClr val="accent1"/>
-          </a:fillRef>
-          <a:effectRef idx="0">
-            <a:schemeClr val="accent1"/>
-          </a:effectRef>
-          <a:fontRef idx="minor">
-            <a:schemeClr val="lt1"/>
-          </a:fontRef>
-        </p:style>
-        <p:txBody>
-          <a:bodyPr rtlCol="0" anchor="ctr"/>
-          <a:lstStyle/>
-          <a:p>
-            <a:pPr algn="ctr"/>
-            <a:endParaRPr lang="fr-FR" sz="2000" dirty="0"/>
-          </a:p>
-        </p:txBody>
-      </p:sp>
-      <p:sp>
-        <p:nvSpPr>
-          <p:cNvPr id="31" name="Ellipse 30">
-            <a:extLst>
-              <a:ext uri="{FF2B5EF4-FFF2-40B4-BE49-F238E27FC236}">
-                <a16:creationId xmlns:a16="http://schemas.microsoft.com/office/drawing/2014/main" id="{3F17DCAE-C4BC-41B0-8BE9-06CCA0B896F7}"/>
-              </a:ext>
-            </a:extLst>
-          </p:cNvPr>
-          <p:cNvSpPr/>
-          <p:nvPr/>
-        </p:nvSpPr>
-        <p:spPr>
-          <a:xfrm>
-            <a:off x="2204557" y="2450370"/>
-            <a:ext cx="703479" cy="657723"/>
-          </a:xfrm>
-          <a:prstGeom prst="ellipse">
-            <a:avLst/>
-          </a:prstGeom>
-          <a:solidFill>
-            <a:schemeClr val="accent2"/>
-          </a:solidFill>
-        </p:spPr>
-        <p:style>
-          <a:lnRef idx="2">
-            <a:schemeClr val="accent1">
-              <a:shade val="50000"/>
-            </a:schemeClr>
-          </a:lnRef>
-          <a:fillRef idx="1">
-            <a:schemeClr val="accent1"/>
-          </a:fillRef>
-          <a:effectRef idx="0">
-            <a:schemeClr val="accent1"/>
-          </a:effectRef>
-          <a:fontRef idx="minor">
-            <a:schemeClr val="lt1"/>
-          </a:fontRef>
-        </p:style>
-        <p:txBody>
-          <a:bodyPr rtlCol="0" anchor="ctr"/>
-          <a:lstStyle/>
-          <a:p>
-            <a:pPr algn="ctr"/>
-            <a:endParaRPr lang="fr-FR" sz="900" dirty="0"/>
-          </a:p>
-        </p:txBody>
-      </p:sp>
-      <p:pic>
-        <p:nvPicPr>
-          <p:cNvPr id="33" name="Graphique 32" descr="Nuage avec un remplissage uni">
-            <a:extLst>
-              <a:ext uri="{FF2B5EF4-FFF2-40B4-BE49-F238E27FC236}">
-                <a16:creationId xmlns:a16="http://schemas.microsoft.com/office/drawing/2014/main" id="{55EC19BA-348E-43B2-BB51-6EA8968AF436}"/>
-              </a:ext>
-            </a:extLst>
-          </p:cNvPr>
-          <p:cNvPicPr>
-            <a:picLocks noChangeAspect="1"/>
-          </p:cNvPicPr>
-          <p:nvPr/>
-        </p:nvPicPr>
-        <p:blipFill>
-          <a:blip r:embed="rId12">
-            <a:extLst>
-              <a:ext uri="{28A0092B-C50C-407E-A947-70E740481C1C}">
-                <a14:useLocalDpi xmlns:a14="http://schemas.microsoft.com/office/drawing/2010/main" val="0"/>
-              </a:ext>
-              <a:ext uri="{96DAC541-7B7A-43D3-8B79-37D633B846F1}">
-                <asvg:svgBlip xmlns:asvg="http://schemas.microsoft.com/office/drawing/2016/SVG/main" r:embed="rId13"/>
-              </a:ext>
-            </a:extLst>
-          </a:blip>
-          <a:stretch>
-            <a:fillRect/>
-          </a:stretch>
-        </p:blipFill>
-        <p:spPr>
-          <a:xfrm>
-            <a:off x="2252891" y="2450620"/>
-            <a:ext cx="622305" cy="622305"/>
-          </a:xfrm>
-          <a:prstGeom prst="rect">
-            <a:avLst/>
-          </a:prstGeom>
-        </p:spPr>
-      </p:pic>
-      <p:pic>
-        <p:nvPicPr>
-          <p:cNvPr id="34" name="Graphique 33" descr="Visage au large sourire avec remplissage solide avec un remplissage uni">
-            <a:extLst>
-              <a:ext uri="{FF2B5EF4-FFF2-40B4-BE49-F238E27FC236}">
-                <a16:creationId xmlns:a16="http://schemas.microsoft.com/office/drawing/2014/main" id="{D46B5786-1B71-44DF-823A-D290C7DF3736}"/>
-              </a:ext>
-            </a:extLst>
-          </p:cNvPr>
-          <p:cNvPicPr>
-            <a:picLocks noChangeAspect="1"/>
-          </p:cNvPicPr>
-          <p:nvPr/>
-        </p:nvPicPr>
-        <p:blipFill>
-          <a:blip r:embed="rId2">
-            <a:extLst>
-              <a:ext uri="{28A0092B-C50C-407E-A947-70E740481C1C}">
-                <a14:useLocalDpi xmlns:a14="http://schemas.microsoft.com/office/drawing/2010/main" val="0"/>
-              </a:ext>
-              <a:ext uri="{96DAC541-7B7A-43D3-8B79-37D633B846F1}">
-                <asvg:svgBlip xmlns:asvg="http://schemas.microsoft.com/office/drawing/2016/SVG/main" r:embed="rId3"/>
-              </a:ext>
-            </a:extLst>
-          </a:blip>
-          <a:stretch>
-            <a:fillRect/>
-          </a:stretch>
-        </p:blipFill>
-        <p:spPr>
-          <a:xfrm>
-            <a:off x="2235137" y="1716357"/>
-            <a:ext cx="642316" cy="642316"/>
-          </a:xfrm>
-          <a:prstGeom prst="rect">
-            <a:avLst/>
-          </a:prstGeom>
-        </p:spPr>
-      </p:pic>
-      <p:sp>
-        <p:nvSpPr>
-          <p:cNvPr id="35" name="Rectangle 34">
-            <a:extLst>
-              <a:ext uri="{FF2B5EF4-FFF2-40B4-BE49-F238E27FC236}">
-                <a16:creationId xmlns:a16="http://schemas.microsoft.com/office/drawing/2014/main" id="{FF9E3023-9581-4B6D-B5D2-630C7A7A43E9}"/>
-              </a:ext>
-            </a:extLst>
-          </p:cNvPr>
-          <p:cNvSpPr/>
-          <p:nvPr/>
-        </p:nvSpPr>
-        <p:spPr>
-          <a:xfrm rot="2659627">
-            <a:off x="1335482" y="1948205"/>
-            <a:ext cx="405000" cy="405000"/>
-          </a:xfrm>
-          <a:prstGeom prst="rect">
-            <a:avLst/>
-          </a:prstGeom>
-          <a:solidFill>
-            <a:schemeClr val="accent2"/>
-          </a:solidFill>
-        </p:spPr>
-        <p:style>
-          <a:lnRef idx="2">
-            <a:schemeClr val="accent1">
-              <a:shade val="50000"/>
-            </a:schemeClr>
-          </a:lnRef>
-          <a:fillRef idx="1">
-            <a:schemeClr val="accent1"/>
-          </a:fillRef>
-          <a:effectRef idx="0">
-            <a:schemeClr val="accent1"/>
-          </a:effectRef>
-          <a:fontRef idx="minor">
-            <a:schemeClr val="lt1"/>
-          </a:fontRef>
-        </p:style>
-        <p:txBody>
-          <a:bodyPr rtlCol="0" anchor="ctr"/>
-          <a:lstStyle/>
-          <a:p>
-            <a:pPr algn="ctr"/>
-            <a:endParaRPr lang="fr-FR" sz="1013"/>
-          </a:p>
-        </p:txBody>
-      </p:sp>
-      <p:pic>
-        <p:nvPicPr>
-          <p:cNvPr id="36" name="Graphique 35" descr="Personne confuse avec un remplissage uni">
-            <a:extLst>
-              <a:ext uri="{FF2B5EF4-FFF2-40B4-BE49-F238E27FC236}">
-                <a16:creationId xmlns:a16="http://schemas.microsoft.com/office/drawing/2014/main" id="{DC6E0B32-C794-4F1E-8EB2-BC3298891EBF}"/>
-              </a:ext>
-            </a:extLst>
-          </p:cNvPr>
-          <p:cNvPicPr>
-            <a:picLocks noChangeAspect="1"/>
-          </p:cNvPicPr>
-          <p:nvPr/>
-        </p:nvPicPr>
-        <p:blipFill>
-          <a:blip r:embed="rId6">
-            <a:extLst>
-              <a:ext uri="{28A0092B-C50C-407E-A947-70E740481C1C}">
-                <a14:useLocalDpi xmlns:a14="http://schemas.microsoft.com/office/drawing/2010/main" val="0"/>
-              </a:ext>
-              <a:ext uri="{96DAC541-7B7A-43D3-8B79-37D633B846F1}">
-                <asvg:svgBlip xmlns:asvg="http://schemas.microsoft.com/office/drawing/2016/SVG/main" r:embed="rId7"/>
-              </a:ext>
-            </a:extLst>
-          </a:blip>
-          <a:stretch>
-            <a:fillRect/>
-          </a:stretch>
-        </p:blipFill>
-        <p:spPr>
-          <a:xfrm>
-            <a:off x="1339318" y="1952469"/>
-            <a:ext cx="397327" cy="397327"/>
-          </a:xfrm>
-          <a:prstGeom prst="rect">
-            <a:avLst/>
-          </a:prstGeom>
-        </p:spPr>
-      </p:pic>
-      <p:sp>
-        <p:nvSpPr>
-          <p:cNvPr id="37" name="Rectangle 36">
-            <a:extLst>
-              <a:ext uri="{FF2B5EF4-FFF2-40B4-BE49-F238E27FC236}">
-                <a16:creationId xmlns:a16="http://schemas.microsoft.com/office/drawing/2014/main" id="{FF758471-F63E-4BD9-94EE-93B1451BC76A}"/>
-              </a:ext>
-            </a:extLst>
-          </p:cNvPr>
-          <p:cNvSpPr/>
-          <p:nvPr/>
-        </p:nvSpPr>
-        <p:spPr>
-          <a:xfrm rot="2659627">
-            <a:off x="1015562" y="2276300"/>
-            <a:ext cx="405000" cy="405000"/>
-          </a:xfrm>
-          <a:prstGeom prst="rect">
-            <a:avLst/>
-          </a:prstGeom>
-          <a:solidFill>
-            <a:schemeClr val="accent2"/>
-          </a:solidFill>
-        </p:spPr>
-        <p:style>
-          <a:lnRef idx="2">
-            <a:schemeClr val="accent1">
-              <a:shade val="50000"/>
-            </a:schemeClr>
-          </a:lnRef>
-          <a:fillRef idx="1">
-            <a:schemeClr val="accent1"/>
-          </a:fillRef>
-          <a:effectRef idx="0">
-            <a:schemeClr val="accent1"/>
-          </a:effectRef>
-          <a:fontRef idx="minor">
-            <a:schemeClr val="lt1"/>
-          </a:fontRef>
-        </p:style>
-        <p:txBody>
-          <a:bodyPr rtlCol="0" anchor="ctr"/>
-          <a:lstStyle/>
-          <a:p>
-            <a:pPr algn="ctr"/>
-            <a:endParaRPr lang="fr-FR" sz="1013"/>
-          </a:p>
-        </p:txBody>
-      </p:sp>
-      <p:pic>
-        <p:nvPicPr>
-          <p:cNvPr id="38" name="Graphique 37" descr="Personne confuse avec un remplissage uni">
-            <a:extLst>
-              <a:ext uri="{FF2B5EF4-FFF2-40B4-BE49-F238E27FC236}">
-                <a16:creationId xmlns:a16="http://schemas.microsoft.com/office/drawing/2014/main" id="{32B54F7D-6A94-4FAE-8A9D-F8BD675CCE3F}"/>
-              </a:ext>
-            </a:extLst>
-          </p:cNvPr>
-          <p:cNvPicPr>
-            <a:picLocks noChangeAspect="1"/>
-          </p:cNvPicPr>
-          <p:nvPr/>
-        </p:nvPicPr>
-        <p:blipFill>
-          <a:blip r:embed="rId6">
-            <a:extLst>
-              <a:ext uri="{28A0092B-C50C-407E-A947-70E740481C1C}">
-                <a14:useLocalDpi xmlns:a14="http://schemas.microsoft.com/office/drawing/2010/main" val="0"/>
-              </a:ext>
-              <a:ext uri="{96DAC541-7B7A-43D3-8B79-37D633B846F1}">
-                <asvg:svgBlip xmlns:asvg="http://schemas.microsoft.com/office/drawing/2016/SVG/main" r:embed="rId7"/>
-              </a:ext>
-            </a:extLst>
-          </a:blip>
-          <a:stretch>
-            <a:fillRect/>
-          </a:stretch>
-        </p:blipFill>
-        <p:spPr>
-          <a:xfrm>
-            <a:off x="1019398" y="2280564"/>
-            <a:ext cx="397327" cy="397327"/>
-          </a:xfrm>
-          <a:prstGeom prst="rect">
-            <a:avLst/>
-          </a:prstGeom>
-        </p:spPr>
-      </p:pic>
-      <p:sp>
-        <p:nvSpPr>
-          <p:cNvPr id="39" name="Rectangle 38">
-            <a:extLst>
-              <a:ext uri="{FF2B5EF4-FFF2-40B4-BE49-F238E27FC236}">
-                <a16:creationId xmlns:a16="http://schemas.microsoft.com/office/drawing/2014/main" id="{24C97E63-6E2E-4EA6-AA58-7DD5D017C0B9}"/>
-              </a:ext>
-            </a:extLst>
-          </p:cNvPr>
-          <p:cNvSpPr/>
-          <p:nvPr/>
-        </p:nvSpPr>
-        <p:spPr>
-          <a:xfrm rot="2659627">
-            <a:off x="1328147" y="2606293"/>
-            <a:ext cx="405000" cy="405000"/>
-          </a:xfrm>
-          <a:prstGeom prst="rect">
-            <a:avLst/>
-          </a:prstGeom>
-          <a:solidFill>
-            <a:schemeClr val="accent2"/>
-          </a:solidFill>
-        </p:spPr>
-        <p:style>
-          <a:lnRef idx="2">
-            <a:schemeClr val="accent1">
-              <a:shade val="50000"/>
-            </a:schemeClr>
-          </a:lnRef>
-          <a:fillRef idx="1">
-            <a:schemeClr val="accent1"/>
-          </a:fillRef>
-          <a:effectRef idx="0">
-            <a:schemeClr val="accent1"/>
-          </a:effectRef>
-          <a:fontRef idx="minor">
-            <a:schemeClr val="lt1"/>
-          </a:fontRef>
-        </p:style>
-        <p:txBody>
-          <a:bodyPr rtlCol="0" anchor="ctr"/>
-          <a:lstStyle/>
-          <a:p>
-            <a:pPr algn="ctr"/>
-            <a:endParaRPr lang="fr-FR" sz="1013"/>
-          </a:p>
-        </p:txBody>
-      </p:sp>
-      <p:pic>
-        <p:nvPicPr>
-          <p:cNvPr id="40" name="Graphique 39" descr="Personne confuse avec un remplissage uni">
-            <a:extLst>
-              <a:ext uri="{FF2B5EF4-FFF2-40B4-BE49-F238E27FC236}">
-                <a16:creationId xmlns:a16="http://schemas.microsoft.com/office/drawing/2014/main" id="{05D7CD8E-C131-4D83-B536-828021245FB5}"/>
-              </a:ext>
-            </a:extLst>
-          </p:cNvPr>
-          <p:cNvPicPr>
-            <a:picLocks noChangeAspect="1"/>
-          </p:cNvPicPr>
-          <p:nvPr/>
-        </p:nvPicPr>
-        <p:blipFill>
-          <a:blip r:embed="rId6">
-            <a:extLst>
-              <a:ext uri="{28A0092B-C50C-407E-A947-70E740481C1C}">
-                <a14:useLocalDpi xmlns:a14="http://schemas.microsoft.com/office/drawing/2010/main" val="0"/>
-              </a:ext>
-              <a:ext uri="{96DAC541-7B7A-43D3-8B79-37D633B846F1}">
-                <asvg:svgBlip xmlns:asvg="http://schemas.microsoft.com/office/drawing/2016/SVG/main" r:embed="rId7"/>
-              </a:ext>
-            </a:extLst>
-          </a:blip>
-          <a:stretch>
-            <a:fillRect/>
-          </a:stretch>
-        </p:blipFill>
-        <p:spPr>
-          <a:xfrm>
-            <a:off x="1331983" y="2610557"/>
-            <a:ext cx="397327" cy="397327"/>
-          </a:xfrm>
-          <a:prstGeom prst="rect">
-            <a:avLst/>
-          </a:prstGeom>
-        </p:spPr>
-      </p:pic>
-      <p:sp>
-        <p:nvSpPr>
-          <p:cNvPr id="41" name="Rectangle 40">
-            <a:extLst>
-              <a:ext uri="{FF2B5EF4-FFF2-40B4-BE49-F238E27FC236}">
-                <a16:creationId xmlns:a16="http://schemas.microsoft.com/office/drawing/2014/main" id="{79B0D879-485B-4400-953B-46E92B2C2A13}"/>
-              </a:ext>
-            </a:extLst>
-          </p:cNvPr>
-          <p:cNvSpPr/>
-          <p:nvPr/>
-        </p:nvSpPr>
-        <p:spPr>
-          <a:xfrm>
-            <a:off x="4916495" y="1776714"/>
-            <a:ext cx="405000" cy="405000"/>
-          </a:xfrm>
-          <a:prstGeom prst="rect">
-            <a:avLst/>
-          </a:prstGeom>
-        </p:spPr>
-        <p:style>
-          <a:lnRef idx="2">
-            <a:schemeClr val="accent1">
-              <a:shade val="50000"/>
-            </a:schemeClr>
-          </a:lnRef>
-          <a:fillRef idx="1">
-            <a:schemeClr val="accent1"/>
-          </a:fillRef>
-          <a:effectRef idx="0">
-            <a:schemeClr val="accent1"/>
-          </a:effectRef>
-          <a:fontRef idx="minor">
-            <a:schemeClr val="lt1"/>
-          </a:fontRef>
-        </p:style>
-        <p:txBody>
-          <a:bodyPr rtlCol="0" anchor="ctr"/>
-          <a:lstStyle/>
-          <a:p>
-            <a:pPr algn="ctr"/>
-            <a:endParaRPr lang="fr-FR" sz="1013"/>
-          </a:p>
-        </p:txBody>
-      </p:sp>
-      <p:pic>
-        <p:nvPicPr>
-          <p:cNvPr id="44" name="Graphique 43" descr="Yeux avec un remplissage uni">
-            <a:extLst>
-              <a:ext uri="{FF2B5EF4-FFF2-40B4-BE49-F238E27FC236}">
-                <a16:creationId xmlns:a16="http://schemas.microsoft.com/office/drawing/2014/main" id="{FEEF19A9-6037-4193-8BB4-9839E2384434}"/>
-              </a:ext>
-            </a:extLst>
-          </p:cNvPr>
-          <p:cNvPicPr>
-            <a:picLocks noChangeAspect="1"/>
-          </p:cNvPicPr>
-          <p:nvPr/>
-        </p:nvPicPr>
-        <p:blipFill>
-          <a:blip r:embed="rId14">
-            <a:extLst>
-              <a:ext uri="{28A0092B-C50C-407E-A947-70E740481C1C}">
-                <a14:useLocalDpi xmlns:a14="http://schemas.microsoft.com/office/drawing/2010/main" val="0"/>
-              </a:ext>
-              <a:ext uri="{96DAC541-7B7A-43D3-8B79-37D633B846F1}">
-                <asvg:svgBlip xmlns:asvg="http://schemas.microsoft.com/office/drawing/2016/SVG/main" r:embed="rId15"/>
-              </a:ext>
-            </a:extLst>
-          </a:blip>
-          <a:stretch>
-            <a:fillRect/>
-          </a:stretch>
-        </p:blipFill>
-        <p:spPr>
-          <a:xfrm>
-            <a:off x="4931034" y="1776714"/>
-            <a:ext cx="383126" cy="383126"/>
-          </a:xfrm>
-          <a:prstGeom prst="rect">
-            <a:avLst/>
-          </a:prstGeom>
-        </p:spPr>
-      </p:pic>
-      <p:pic>
-        <p:nvPicPr>
-          <p:cNvPr id="46" name="Graphique 45" descr="Flèche en cercle avec un remplissage uni">
-            <a:extLst>
-              <a:ext uri="{FF2B5EF4-FFF2-40B4-BE49-F238E27FC236}">
-                <a16:creationId xmlns:a16="http://schemas.microsoft.com/office/drawing/2014/main" id="{BF354DC1-0DF2-4730-A412-2EF5888C5E56}"/>
-              </a:ext>
-            </a:extLst>
-          </p:cNvPr>
-          <p:cNvPicPr>
-            <a:picLocks noChangeAspect="1"/>
-          </p:cNvPicPr>
-          <p:nvPr/>
-        </p:nvPicPr>
-        <p:blipFill>
-          <a:blip r:embed="rId16">
-            <a:extLst>
-              <a:ext uri="{28A0092B-C50C-407E-A947-70E740481C1C}">
-                <a14:useLocalDpi xmlns:a14="http://schemas.microsoft.com/office/drawing/2010/main" val="0"/>
-              </a:ext>
-              <a:ext uri="{96DAC541-7B7A-43D3-8B79-37D633B846F1}">
-                <asvg:svgBlip xmlns:asvg="http://schemas.microsoft.com/office/drawing/2016/SVG/main" r:embed="rId17"/>
-              </a:ext>
-            </a:extLst>
-          </a:blip>
-          <a:stretch>
-            <a:fillRect/>
-          </a:stretch>
-        </p:blipFill>
-        <p:spPr>
-          <a:xfrm>
-            <a:off x="649317" y="4674642"/>
-            <a:ext cx="737455" cy="737455"/>
-          </a:xfrm>
-          <a:prstGeom prst="rect">
-            <a:avLst/>
-          </a:prstGeom>
-        </p:spPr>
-      </p:pic>
-      <p:sp>
-        <p:nvSpPr>
-          <p:cNvPr id="47" name="Rectangle 46">
-            <a:extLst>
-              <a:ext uri="{FF2B5EF4-FFF2-40B4-BE49-F238E27FC236}">
-                <a16:creationId xmlns:a16="http://schemas.microsoft.com/office/drawing/2014/main" id="{281FEC57-C333-4084-8DF4-9D8ED653D82F}"/>
-              </a:ext>
-            </a:extLst>
-          </p:cNvPr>
-          <p:cNvSpPr/>
-          <p:nvPr/>
-        </p:nvSpPr>
-        <p:spPr>
-          <a:xfrm>
-            <a:off x="5380081" y="1776714"/>
-            <a:ext cx="405000" cy="405000"/>
-          </a:xfrm>
-          <a:prstGeom prst="rect">
-            <a:avLst/>
-          </a:prstGeom>
-        </p:spPr>
-        <p:style>
-          <a:lnRef idx="2">
-            <a:schemeClr val="accent1">
-              <a:shade val="50000"/>
-            </a:schemeClr>
-          </a:lnRef>
-          <a:fillRef idx="1">
-            <a:schemeClr val="accent1"/>
-          </a:fillRef>
-          <a:effectRef idx="0">
-            <a:schemeClr val="accent1"/>
-          </a:effectRef>
-          <a:fontRef idx="minor">
-            <a:schemeClr val="lt1"/>
-          </a:fontRef>
-        </p:style>
-        <p:txBody>
-          <a:bodyPr rtlCol="0" anchor="ctr"/>
-          <a:lstStyle/>
-          <a:p>
-            <a:pPr algn="ctr"/>
-            <a:endParaRPr lang="fr-FR" sz="1013"/>
-          </a:p>
-        </p:txBody>
-      </p:sp>
-      <p:pic>
-        <p:nvPicPr>
-          <p:cNvPr id="48" name="Graphique 47" descr="Yeux avec un remplissage uni">
-            <a:extLst>
-              <a:ext uri="{FF2B5EF4-FFF2-40B4-BE49-F238E27FC236}">
-                <a16:creationId xmlns:a16="http://schemas.microsoft.com/office/drawing/2014/main" id="{A642C0C7-2443-44C2-AA02-E8AE9BEFAADD}"/>
-              </a:ext>
-            </a:extLst>
-          </p:cNvPr>
-          <p:cNvPicPr>
-            <a:picLocks noChangeAspect="1"/>
-          </p:cNvPicPr>
-          <p:nvPr/>
-        </p:nvPicPr>
-        <p:blipFill>
-          <a:blip r:embed="rId14">
-            <a:extLst>
-              <a:ext uri="{28A0092B-C50C-407E-A947-70E740481C1C}">
-                <a14:useLocalDpi xmlns:a14="http://schemas.microsoft.com/office/drawing/2010/main" val="0"/>
-              </a:ext>
-              <a:ext uri="{96DAC541-7B7A-43D3-8B79-37D633B846F1}">
-                <asvg:svgBlip xmlns:asvg="http://schemas.microsoft.com/office/drawing/2016/SVG/main" r:embed="rId15"/>
-              </a:ext>
-            </a:extLst>
-          </a:blip>
-          <a:stretch>
-            <a:fillRect/>
-          </a:stretch>
-        </p:blipFill>
-        <p:spPr>
-          <a:xfrm>
-            <a:off x="5394620" y="1776714"/>
-            <a:ext cx="383126" cy="383126"/>
-          </a:xfrm>
-          <a:prstGeom prst="rect">
-            <a:avLst/>
-          </a:prstGeom>
-        </p:spPr>
-      </p:pic>
-      <p:sp>
-        <p:nvSpPr>
-          <p:cNvPr id="49" name="Rectangle 48">
-            <a:extLst>
-              <a:ext uri="{FF2B5EF4-FFF2-40B4-BE49-F238E27FC236}">
-                <a16:creationId xmlns:a16="http://schemas.microsoft.com/office/drawing/2014/main" id="{9644363B-4CE6-46C8-B61E-A1C07D97E647}"/>
-              </a:ext>
-            </a:extLst>
-          </p:cNvPr>
-          <p:cNvSpPr/>
-          <p:nvPr/>
-        </p:nvSpPr>
-        <p:spPr>
-          <a:xfrm>
-            <a:off x="4909160" y="2255788"/>
-            <a:ext cx="405000" cy="405000"/>
-          </a:xfrm>
-          <a:prstGeom prst="rect">
-            <a:avLst/>
-          </a:prstGeom>
-        </p:spPr>
-        <p:style>
-          <a:lnRef idx="2">
-            <a:schemeClr val="accent1">
-              <a:shade val="50000"/>
-            </a:schemeClr>
-          </a:lnRef>
-          <a:fillRef idx="1">
-            <a:schemeClr val="accent1"/>
-          </a:fillRef>
-          <a:effectRef idx="0">
-            <a:schemeClr val="accent1"/>
-          </a:effectRef>
-          <a:fontRef idx="minor">
-            <a:schemeClr val="lt1"/>
-          </a:fontRef>
-        </p:style>
-        <p:txBody>
-          <a:bodyPr rtlCol="0" anchor="ctr"/>
-          <a:lstStyle/>
-          <a:p>
-            <a:pPr algn="ctr"/>
-            <a:endParaRPr lang="fr-FR" sz="1013"/>
-          </a:p>
-        </p:txBody>
-      </p:sp>
-      <p:pic>
-        <p:nvPicPr>
-          <p:cNvPr id="50" name="Graphique 49" descr="Yeux avec un remplissage uni">
-            <a:extLst>
-              <a:ext uri="{FF2B5EF4-FFF2-40B4-BE49-F238E27FC236}">
-                <a16:creationId xmlns:a16="http://schemas.microsoft.com/office/drawing/2014/main" id="{F0C14BDC-2843-4C4C-9921-9D92AF0607ED}"/>
-              </a:ext>
-            </a:extLst>
-          </p:cNvPr>
-          <p:cNvPicPr>
-            <a:picLocks noChangeAspect="1"/>
-          </p:cNvPicPr>
-          <p:nvPr/>
-        </p:nvPicPr>
-        <p:blipFill>
-          <a:blip r:embed="rId14">
-            <a:extLst>
-              <a:ext uri="{28A0092B-C50C-407E-A947-70E740481C1C}">
-                <a14:useLocalDpi xmlns:a14="http://schemas.microsoft.com/office/drawing/2010/main" val="0"/>
-              </a:ext>
-              <a:ext uri="{96DAC541-7B7A-43D3-8B79-37D633B846F1}">
-                <asvg:svgBlip xmlns:asvg="http://schemas.microsoft.com/office/drawing/2016/SVG/main" r:embed="rId15"/>
-              </a:ext>
-            </a:extLst>
-          </a:blip>
-          <a:stretch>
-            <a:fillRect/>
-          </a:stretch>
-        </p:blipFill>
-        <p:spPr>
-          <a:xfrm>
-            <a:off x="4909159" y="2255788"/>
-            <a:ext cx="383126" cy="383126"/>
-          </a:xfrm>
-          <a:prstGeom prst="rect">
-            <a:avLst/>
-          </a:prstGeom>
-        </p:spPr>
-      </p:pic>
-      <p:sp>
-        <p:nvSpPr>
-          <p:cNvPr id="51" name="Rectangle 50">
-            <a:extLst>
-              <a:ext uri="{FF2B5EF4-FFF2-40B4-BE49-F238E27FC236}">
-                <a16:creationId xmlns:a16="http://schemas.microsoft.com/office/drawing/2014/main" id="{5B0036A0-9E14-4F35-A6BB-A76B77A3D6DB}"/>
-              </a:ext>
-            </a:extLst>
-          </p:cNvPr>
-          <p:cNvSpPr/>
-          <p:nvPr/>
-        </p:nvSpPr>
-        <p:spPr>
-          <a:xfrm>
-            <a:off x="5380081" y="2255788"/>
-            <a:ext cx="405000" cy="405000"/>
-          </a:xfrm>
-          <a:prstGeom prst="rect">
-            <a:avLst/>
-          </a:prstGeom>
-        </p:spPr>
-        <p:style>
-          <a:lnRef idx="2">
-            <a:schemeClr val="accent1">
-              <a:shade val="50000"/>
-            </a:schemeClr>
-          </a:lnRef>
-          <a:fillRef idx="1">
-            <a:schemeClr val="accent1"/>
-          </a:fillRef>
-          <a:effectRef idx="0">
-            <a:schemeClr val="accent1"/>
-          </a:effectRef>
-          <a:fontRef idx="minor">
-            <a:schemeClr val="lt1"/>
-          </a:fontRef>
-        </p:style>
-        <p:txBody>
-          <a:bodyPr rtlCol="0" anchor="ctr"/>
-          <a:lstStyle/>
-          <a:p>
-            <a:pPr algn="ctr"/>
-            <a:endParaRPr lang="fr-FR" sz="1013"/>
-          </a:p>
-        </p:txBody>
-      </p:sp>
-      <p:pic>
-        <p:nvPicPr>
-          <p:cNvPr id="52" name="Graphique 51" descr="Yeux avec un remplissage uni">
-            <a:extLst>
-              <a:ext uri="{FF2B5EF4-FFF2-40B4-BE49-F238E27FC236}">
-                <a16:creationId xmlns:a16="http://schemas.microsoft.com/office/drawing/2014/main" id="{1ACB5F1E-321C-4352-A3CA-AD9270368467}"/>
-              </a:ext>
-            </a:extLst>
-          </p:cNvPr>
-          <p:cNvPicPr>
-            <a:picLocks noChangeAspect="1"/>
-          </p:cNvPicPr>
-          <p:nvPr/>
-        </p:nvPicPr>
-        <p:blipFill>
-          <a:blip r:embed="rId14">
-            <a:extLst>
-              <a:ext uri="{28A0092B-C50C-407E-A947-70E740481C1C}">
-                <a14:useLocalDpi xmlns:a14="http://schemas.microsoft.com/office/drawing/2010/main" val="0"/>
-              </a:ext>
-              <a:ext uri="{96DAC541-7B7A-43D3-8B79-37D633B846F1}">
-                <asvg:svgBlip xmlns:asvg="http://schemas.microsoft.com/office/drawing/2016/SVG/main" r:embed="rId15"/>
-              </a:ext>
-            </a:extLst>
-          </a:blip>
-          <a:stretch>
-            <a:fillRect/>
-          </a:stretch>
-        </p:blipFill>
-        <p:spPr>
-          <a:xfrm>
-            <a:off x="5394620" y="2255788"/>
-            <a:ext cx="383126" cy="383126"/>
-          </a:xfrm>
-          <a:prstGeom prst="rect">
-            <a:avLst/>
-          </a:prstGeom>
-        </p:spPr>
-      </p:pic>
-      <p:sp>
-        <p:nvSpPr>
-          <p:cNvPr id="54" name="ZoneTexte 53">
-            <a:extLst>
-              <a:ext uri="{FF2B5EF4-FFF2-40B4-BE49-F238E27FC236}">
-                <a16:creationId xmlns:a16="http://schemas.microsoft.com/office/drawing/2014/main" id="{EE026900-C8FC-4C0E-902E-A570D4933603}"/>
-              </a:ext>
-            </a:extLst>
-          </p:cNvPr>
-          <p:cNvSpPr txBox="1"/>
-          <p:nvPr/>
-        </p:nvSpPr>
-        <p:spPr>
-          <a:xfrm>
-            <a:off x="1400045" y="4811980"/>
-            <a:ext cx="4159259" cy="461665"/>
-          </a:xfrm>
-          <a:prstGeom prst="rect">
-            <a:avLst/>
-          </a:prstGeom>
-          <a:noFill/>
-        </p:spPr>
-        <p:txBody>
-          <a:bodyPr wrap="square" rtlCol="0">
-            <a:spAutoFit/>
-          </a:bodyPr>
-          <a:lstStyle/>
-          <a:p>
-            <a:r>
-              <a:rPr lang="fr-FR" sz="2400" dirty="0">
-                <a:solidFill>
-                  <a:schemeClr val="bg1"/>
-                </a:solidFill>
-              </a:rPr>
-              <a:t>Main / Boucle principale</a:t>
-            </a:r>
-          </a:p>
-        </p:txBody>
-      </p:sp>
-      <p:sp>
-        <p:nvSpPr>
-          <p:cNvPr id="55" name="ZoneTexte 54">
-            <a:extLst>
-              <a:ext uri="{FF2B5EF4-FFF2-40B4-BE49-F238E27FC236}">
-                <a16:creationId xmlns:a16="http://schemas.microsoft.com/office/drawing/2014/main" id="{8751AE07-97E9-4EAB-AD39-332E80FD7DE2}"/>
-              </a:ext>
-            </a:extLst>
-          </p:cNvPr>
-          <p:cNvSpPr txBox="1"/>
-          <p:nvPr/>
-        </p:nvSpPr>
-        <p:spPr>
-          <a:xfrm>
-            <a:off x="5076185" y="3335018"/>
-            <a:ext cx="1076653" cy="523220"/>
-          </a:xfrm>
-          <a:prstGeom prst="rect">
-            <a:avLst/>
-          </a:prstGeom>
-          <a:noFill/>
-        </p:spPr>
-        <p:txBody>
-          <a:bodyPr wrap="square" rtlCol="0">
-            <a:spAutoFit/>
-          </a:bodyPr>
-          <a:lstStyle/>
-          <a:p>
-            <a:r>
-              <a:rPr lang="fr-FR" sz="1400" dirty="0">
-                <a:solidFill>
-                  <a:schemeClr val="bg1"/>
-                </a:solidFill>
-              </a:rPr>
-              <a:t>Plateau</a:t>
-            </a:r>
-          </a:p>
-          <a:p>
-            <a:r>
-              <a:rPr lang="fr-FR" sz="1400" dirty="0">
-                <a:solidFill>
-                  <a:schemeClr val="bg1"/>
-                </a:solidFill>
-              </a:rPr>
-              <a:t>Graphique</a:t>
-            </a:r>
-          </a:p>
-        </p:txBody>
-      </p:sp>
-      <p:sp>
-        <p:nvSpPr>
-          <p:cNvPr id="56" name="ZoneTexte 55">
-            <a:extLst>
-              <a:ext uri="{FF2B5EF4-FFF2-40B4-BE49-F238E27FC236}">
-                <a16:creationId xmlns:a16="http://schemas.microsoft.com/office/drawing/2014/main" id="{E87A4B90-E85F-4AEE-900F-CF0427ED3523}"/>
-              </a:ext>
-            </a:extLst>
-          </p:cNvPr>
-          <p:cNvSpPr txBox="1"/>
-          <p:nvPr/>
-        </p:nvSpPr>
-        <p:spPr>
-          <a:xfrm>
-            <a:off x="3524667" y="3353300"/>
-            <a:ext cx="998107" cy="523220"/>
-          </a:xfrm>
-          <a:prstGeom prst="rect">
-            <a:avLst/>
-          </a:prstGeom>
-          <a:noFill/>
-        </p:spPr>
-        <p:txBody>
-          <a:bodyPr wrap="square" rtlCol="0">
-            <a:spAutoFit/>
-          </a:bodyPr>
-          <a:lstStyle/>
-          <a:p>
-            <a:r>
-              <a:rPr lang="fr-FR" sz="1400" dirty="0">
-                <a:solidFill>
-                  <a:schemeClr val="bg1"/>
-                </a:solidFill>
-              </a:rPr>
-              <a:t>Logs de la </a:t>
-            </a:r>
-          </a:p>
-          <a:p>
-            <a:r>
-              <a:rPr lang="fr-FR" sz="1400" dirty="0">
-                <a:solidFill>
-                  <a:schemeClr val="bg1"/>
-                </a:solidFill>
-              </a:rPr>
-              <a:t>Partie</a:t>
-            </a:r>
-          </a:p>
-        </p:txBody>
-      </p:sp>
-      <p:sp>
-        <p:nvSpPr>
-          <p:cNvPr id="57" name="ZoneTexte 56">
-            <a:extLst>
-              <a:ext uri="{FF2B5EF4-FFF2-40B4-BE49-F238E27FC236}">
-                <a16:creationId xmlns:a16="http://schemas.microsoft.com/office/drawing/2014/main" id="{6E907373-4935-472E-8C09-143D2189FDD3}"/>
-              </a:ext>
-            </a:extLst>
-          </p:cNvPr>
-          <p:cNvSpPr txBox="1"/>
-          <p:nvPr/>
-        </p:nvSpPr>
-        <p:spPr>
-          <a:xfrm>
-            <a:off x="1102320" y="3334298"/>
-            <a:ext cx="1076653" cy="523220"/>
-          </a:xfrm>
-          <a:prstGeom prst="rect">
-            <a:avLst/>
-          </a:prstGeom>
-          <a:noFill/>
-        </p:spPr>
-        <p:txBody>
-          <a:bodyPr wrap="square" rtlCol="0">
-            <a:spAutoFit/>
-          </a:bodyPr>
-          <a:lstStyle/>
-          <a:p>
-            <a:r>
-              <a:rPr lang="fr-FR" sz="1400" dirty="0">
-                <a:solidFill>
-                  <a:schemeClr val="bg1"/>
-                </a:solidFill>
-              </a:rPr>
-              <a:t>Plateau</a:t>
-            </a:r>
-          </a:p>
-          <a:p>
-            <a:r>
-              <a:rPr lang="fr-FR" sz="1400" dirty="0">
-                <a:solidFill>
-                  <a:schemeClr val="bg1"/>
-                </a:solidFill>
-              </a:rPr>
-              <a:t>Logique</a:t>
-            </a:r>
-          </a:p>
-        </p:txBody>
-      </p:sp>
-      <p:sp>
-        <p:nvSpPr>
-          <p:cNvPr id="58" name="ZoneTexte 57">
-            <a:extLst>
-              <a:ext uri="{FF2B5EF4-FFF2-40B4-BE49-F238E27FC236}">
-                <a16:creationId xmlns:a16="http://schemas.microsoft.com/office/drawing/2014/main" id="{C1B021B1-ACF0-414E-8686-936F260B6630}"/>
-              </a:ext>
-            </a:extLst>
-          </p:cNvPr>
-          <p:cNvSpPr txBox="1"/>
-          <p:nvPr/>
-        </p:nvSpPr>
-        <p:spPr>
-          <a:xfrm>
-            <a:off x="2118687" y="3049395"/>
-            <a:ext cx="1076653" cy="369332"/>
-          </a:xfrm>
-          <a:prstGeom prst="rect">
-            <a:avLst/>
-          </a:prstGeom>
-          <a:noFill/>
-        </p:spPr>
-        <p:txBody>
-          <a:bodyPr wrap="square" rtlCol="0">
-            <a:spAutoFit/>
-          </a:bodyPr>
-          <a:lstStyle/>
-          <a:p>
-            <a:r>
-              <a:rPr lang="fr-FR" dirty="0">
-                <a:solidFill>
-                  <a:schemeClr val="accent2"/>
-                </a:solidFill>
-              </a:rPr>
-              <a:t>Joueurs</a:t>
-            </a:r>
-          </a:p>
-        </p:txBody>
-      </p:sp>
-      <p:sp>
-        <p:nvSpPr>
-          <p:cNvPr id="59" name="ZoneTexte 58">
-            <a:extLst>
-              <a:ext uri="{FF2B5EF4-FFF2-40B4-BE49-F238E27FC236}">
-                <a16:creationId xmlns:a16="http://schemas.microsoft.com/office/drawing/2014/main" id="{CAB825FC-4853-4ADF-B923-E6980651B063}"/>
-              </a:ext>
-            </a:extLst>
-          </p:cNvPr>
-          <p:cNvSpPr txBox="1"/>
-          <p:nvPr/>
-        </p:nvSpPr>
-        <p:spPr>
-          <a:xfrm>
-            <a:off x="560284" y="1975184"/>
-            <a:ext cx="1076653" cy="307777"/>
-          </a:xfrm>
-          <a:prstGeom prst="rect">
-            <a:avLst/>
-          </a:prstGeom>
-          <a:noFill/>
-        </p:spPr>
-        <p:txBody>
-          <a:bodyPr wrap="square" rtlCol="0">
-            <a:spAutoFit/>
-          </a:bodyPr>
-          <a:lstStyle/>
-          <a:p>
-            <a:r>
-              <a:rPr lang="fr-FR" sz="1400" dirty="0">
-                <a:solidFill>
-                  <a:schemeClr val="accent2"/>
-                </a:solidFill>
-              </a:rPr>
-              <a:t>Pieces</a:t>
-            </a:r>
-          </a:p>
-        </p:txBody>
-      </p:sp>
-      <p:sp>
-        <p:nvSpPr>
-          <p:cNvPr id="60" name="ZoneTexte 59">
-            <a:extLst>
-              <a:ext uri="{FF2B5EF4-FFF2-40B4-BE49-F238E27FC236}">
-                <a16:creationId xmlns:a16="http://schemas.microsoft.com/office/drawing/2014/main" id="{D6993DAD-6244-4651-A8E6-15B96256554D}"/>
-              </a:ext>
-            </a:extLst>
-          </p:cNvPr>
-          <p:cNvSpPr txBox="1"/>
-          <p:nvPr/>
-        </p:nvSpPr>
-        <p:spPr>
-          <a:xfrm>
-            <a:off x="5003135" y="2624556"/>
-            <a:ext cx="1076653" cy="369332"/>
-          </a:xfrm>
-          <a:prstGeom prst="rect">
-            <a:avLst/>
-          </a:prstGeom>
-          <a:noFill/>
-        </p:spPr>
-        <p:txBody>
-          <a:bodyPr wrap="square" rtlCol="0">
-            <a:spAutoFit/>
-          </a:bodyPr>
-          <a:lstStyle/>
-          <a:p>
-            <a:r>
-              <a:rPr lang="fr-FR" dirty="0">
-                <a:solidFill>
-                  <a:schemeClr val="accent1"/>
-                </a:solidFill>
-              </a:rPr>
-              <a:t>Cases</a:t>
-            </a:r>
-            <a:endParaRPr lang="fr-FR" sz="1400" dirty="0">
-              <a:solidFill>
-                <a:schemeClr val="accent1"/>
-              </a:solidFill>
-            </a:endParaRPr>
-          </a:p>
-        </p:txBody>
-      </p:sp>
-      <p:cxnSp>
-        <p:nvCxnSpPr>
-          <p:cNvPr id="62" name="Connecteur droit avec flèche 61">
-            <a:extLst>
-              <a:ext uri="{FF2B5EF4-FFF2-40B4-BE49-F238E27FC236}">
-                <a16:creationId xmlns:a16="http://schemas.microsoft.com/office/drawing/2014/main" id="{6472077A-F285-438C-9B05-BE5A3F6A06F2}"/>
-              </a:ext>
-            </a:extLst>
-          </p:cNvPr>
-          <p:cNvCxnSpPr>
-            <a:cxnSpLocks/>
-          </p:cNvCxnSpPr>
-          <p:nvPr/>
-        </p:nvCxnSpPr>
-        <p:spPr>
-          <a:xfrm>
-            <a:off x="3180273" y="1312438"/>
-            <a:ext cx="902681" cy="0"/>
+          <a:xfrm>
+            <a:off x="2865002" y="2741475"/>
+            <a:ext cx="329431" cy="580798"/>
           </a:xfrm>
           <a:prstGeom prst="straightConnector1">
             <a:avLst/>
@@ -4986,237 +7286,12 @@
           </a:fontRef>
         </p:style>
       </p:cxnSp>
-      <p:cxnSp>
-        <p:nvCxnSpPr>
-          <p:cNvPr id="66" name="Connecteur droit avec flèche 65">
-            <a:extLst>
-              <a:ext uri="{FF2B5EF4-FFF2-40B4-BE49-F238E27FC236}">
-                <a16:creationId xmlns:a16="http://schemas.microsoft.com/office/drawing/2014/main" id="{C9F13DE4-7184-4AC3-8082-791366234F59}"/>
-              </a:ext>
-            </a:extLst>
-          </p:cNvPr>
-          <p:cNvCxnSpPr>
-            <a:cxnSpLocks/>
-          </p:cNvCxnSpPr>
-          <p:nvPr/>
-        </p:nvCxnSpPr>
-        <p:spPr>
-          <a:xfrm>
-            <a:off x="3180273" y="1023380"/>
-            <a:ext cx="913394" cy="0"/>
-          </a:xfrm>
-          <a:prstGeom prst="straightConnector1">
-            <a:avLst/>
-          </a:prstGeom>
-          <a:ln w="38100">
-            <a:solidFill>
-              <a:srgbClr val="00B050"/>
-            </a:solidFill>
-            <a:headEnd type="none" w="med" len="med"/>
-            <a:tailEnd type="triangle" w="med" len="med"/>
-          </a:ln>
-        </p:spPr>
-        <p:style>
-          <a:lnRef idx="1">
-            <a:schemeClr val="accent1"/>
-          </a:lnRef>
-          <a:fillRef idx="0">
-            <a:schemeClr val="accent1"/>
-          </a:fillRef>
-          <a:effectRef idx="0">
-            <a:schemeClr val="accent1"/>
-          </a:effectRef>
-          <a:fontRef idx="minor">
-            <a:schemeClr val="tx1"/>
-          </a:fontRef>
-        </p:style>
-      </p:cxnSp>
-      <p:cxnSp>
-        <p:nvCxnSpPr>
-          <p:cNvPr id="67" name="Connecteur droit avec flèche 66">
-            <a:extLst>
-              <a:ext uri="{FF2B5EF4-FFF2-40B4-BE49-F238E27FC236}">
-                <a16:creationId xmlns:a16="http://schemas.microsoft.com/office/drawing/2014/main" id="{277B7178-E8CD-4B66-A72F-4989B68F9C0A}"/>
-              </a:ext>
-            </a:extLst>
-          </p:cNvPr>
-          <p:cNvCxnSpPr>
-            <a:cxnSpLocks/>
-          </p:cNvCxnSpPr>
-          <p:nvPr/>
-        </p:nvCxnSpPr>
-        <p:spPr>
-          <a:xfrm flipV="1">
-            <a:off x="1323379" y="3887023"/>
-            <a:ext cx="0" cy="828969"/>
-          </a:xfrm>
-          <a:prstGeom prst="straightConnector1">
-            <a:avLst/>
-          </a:prstGeom>
-          <a:ln w="38100">
-            <a:solidFill>
-              <a:schemeClr val="accent4"/>
-            </a:solidFill>
-            <a:headEnd type="none" w="med" len="med"/>
-            <a:tailEnd type="triangle" w="med" len="med"/>
-          </a:ln>
-        </p:spPr>
-        <p:style>
-          <a:lnRef idx="1">
-            <a:schemeClr val="accent1"/>
-          </a:lnRef>
-          <a:fillRef idx="0">
-            <a:schemeClr val="accent1"/>
-          </a:fillRef>
-          <a:effectRef idx="0">
-            <a:schemeClr val="accent1"/>
-          </a:effectRef>
-          <a:fontRef idx="minor">
-            <a:schemeClr val="tx1"/>
-          </a:fontRef>
-        </p:style>
-      </p:cxnSp>
-      <p:cxnSp>
-        <p:nvCxnSpPr>
-          <p:cNvPr id="70" name="Connecteur droit avec flèche 69">
-            <a:extLst>
-              <a:ext uri="{FF2B5EF4-FFF2-40B4-BE49-F238E27FC236}">
-                <a16:creationId xmlns:a16="http://schemas.microsoft.com/office/drawing/2014/main" id="{F7F0D95D-2BB4-4080-9B71-873CF858B364}"/>
-              </a:ext>
-            </a:extLst>
-          </p:cNvPr>
-          <p:cNvCxnSpPr>
-            <a:cxnSpLocks/>
-          </p:cNvCxnSpPr>
-          <p:nvPr/>
-        </p:nvCxnSpPr>
-        <p:spPr>
-          <a:xfrm flipV="1">
-            <a:off x="2556295" y="3375745"/>
-            <a:ext cx="0" cy="1340248"/>
-          </a:xfrm>
-          <a:prstGeom prst="straightConnector1">
-            <a:avLst/>
-          </a:prstGeom>
-          <a:ln w="38100">
-            <a:solidFill>
-              <a:schemeClr val="accent4"/>
-            </a:solidFill>
-            <a:headEnd type="none" w="med" len="med"/>
-            <a:tailEnd type="triangle" w="med" len="med"/>
-          </a:ln>
-        </p:spPr>
-        <p:style>
-          <a:lnRef idx="1">
-            <a:schemeClr val="accent1"/>
-          </a:lnRef>
-          <a:fillRef idx="0">
-            <a:schemeClr val="accent1"/>
-          </a:fillRef>
-          <a:effectRef idx="0">
-            <a:schemeClr val="accent1"/>
-          </a:effectRef>
-          <a:fontRef idx="minor">
-            <a:schemeClr val="tx1"/>
-          </a:fontRef>
-        </p:style>
-      </p:cxnSp>
-      <p:cxnSp>
-        <p:nvCxnSpPr>
-          <p:cNvPr id="73" name="Connecteur droit avec flèche 72">
-            <a:extLst>
-              <a:ext uri="{FF2B5EF4-FFF2-40B4-BE49-F238E27FC236}">
-                <a16:creationId xmlns:a16="http://schemas.microsoft.com/office/drawing/2014/main" id="{E3B31182-706E-4B14-B338-FCE4915AF350}"/>
-              </a:ext>
-            </a:extLst>
-          </p:cNvPr>
-          <p:cNvCxnSpPr>
-            <a:cxnSpLocks/>
-          </p:cNvCxnSpPr>
-          <p:nvPr/>
-        </p:nvCxnSpPr>
-        <p:spPr>
-          <a:xfrm flipV="1">
-            <a:off x="3784235" y="3879955"/>
-            <a:ext cx="0" cy="828967"/>
-          </a:xfrm>
-          <a:prstGeom prst="straightConnector1">
-            <a:avLst/>
-          </a:prstGeom>
-          <a:ln w="38100">
-            <a:solidFill>
-              <a:schemeClr val="accent4"/>
-            </a:solidFill>
-            <a:headEnd type="none" w="med" len="med"/>
-            <a:tailEnd type="triangle" w="med" len="med"/>
-          </a:ln>
-        </p:spPr>
-        <p:style>
-          <a:lnRef idx="1">
-            <a:schemeClr val="accent1"/>
-          </a:lnRef>
-          <a:fillRef idx="0">
-            <a:schemeClr val="accent1"/>
-          </a:fillRef>
-          <a:effectRef idx="0">
-            <a:schemeClr val="accent1"/>
-          </a:effectRef>
-          <a:fontRef idx="minor">
-            <a:schemeClr val="tx1"/>
-          </a:fontRef>
-        </p:style>
-      </p:cxnSp>
-      <p:cxnSp>
-        <p:nvCxnSpPr>
-          <p:cNvPr id="74" name="Connecteur droit avec flèche 73">
-            <a:extLst>
-              <a:ext uri="{FF2B5EF4-FFF2-40B4-BE49-F238E27FC236}">
-                <a16:creationId xmlns:a16="http://schemas.microsoft.com/office/drawing/2014/main" id="{404EFBC0-3029-4EC9-A8A9-8E05CE6372FA}"/>
-              </a:ext>
-            </a:extLst>
-          </p:cNvPr>
-          <p:cNvCxnSpPr>
-            <a:cxnSpLocks/>
-          </p:cNvCxnSpPr>
-          <p:nvPr/>
-        </p:nvCxnSpPr>
-        <p:spPr>
-          <a:xfrm flipV="1">
-            <a:off x="5369556" y="3887024"/>
-            <a:ext cx="0" cy="828967"/>
-          </a:xfrm>
-          <a:prstGeom prst="straightConnector1">
-            <a:avLst/>
-          </a:prstGeom>
-          <a:ln w="38100">
-            <a:solidFill>
-              <a:schemeClr val="accent4"/>
-            </a:solidFill>
-            <a:headEnd type="none" w="med" len="med"/>
-            <a:tailEnd type="triangle" w="med" len="med"/>
-          </a:ln>
-        </p:spPr>
-        <p:style>
-          <a:lnRef idx="1">
-            <a:schemeClr val="accent1"/>
-          </a:lnRef>
-          <a:fillRef idx="0">
-            <a:schemeClr val="accent1"/>
-          </a:fillRef>
-          <a:effectRef idx="0">
-            <a:schemeClr val="accent1"/>
-          </a:effectRef>
-          <a:fontRef idx="minor">
-            <a:schemeClr val="tx1"/>
-          </a:fontRef>
-        </p:style>
-      </p:cxnSp>
-      <p:sp>
-        <p:nvSpPr>
-          <p:cNvPr id="77" name="ZoneTexte 76">
-            <a:extLst>
-              <a:ext uri="{FF2B5EF4-FFF2-40B4-BE49-F238E27FC236}">
-                <a16:creationId xmlns:a16="http://schemas.microsoft.com/office/drawing/2014/main" id="{6E3DDCE4-01B0-4ACA-AADD-A1982510F71E}"/>
+      <p:sp>
+        <p:nvSpPr>
+          <p:cNvPr id="62" name="ZoneTexte 61">
+            <a:extLst>
+              <a:ext uri="{FF2B5EF4-FFF2-40B4-BE49-F238E27FC236}">
+                <a16:creationId xmlns:a16="http://schemas.microsoft.com/office/drawing/2014/main" id="{99233176-C42A-4DB0-890D-AE491C186343}"/>
               </a:ext>
             </a:extLst>
           </p:cNvPr>
@@ -5225,46 +7300,7 @@
         </p:nvSpPr>
         <p:spPr>
           <a:xfrm>
-            <a:off x="4052373" y="854103"/>
-            <a:ext cx="1317908" cy="338554"/>
-          </a:xfrm>
-          <a:prstGeom prst="rect">
-            <a:avLst/>
-          </a:prstGeom>
-          <a:noFill/>
-        </p:spPr>
-        <p:txBody>
-          <a:bodyPr wrap="square" rtlCol="0">
-            <a:spAutoFit/>
-          </a:bodyPr>
-          <a:lstStyle/>
-          <a:p>
-            <a:r>
-              <a:rPr lang="fr-FR" sz="1600" dirty="0">
-                <a:solidFill>
-                  <a:srgbClr val="00B050"/>
-                </a:solidFill>
-              </a:rPr>
-              <a:t>Interroge</a:t>
-            </a:r>
-          </a:p>
-        </p:txBody>
-      </p:sp>
-      <p:sp>
-        <p:nvSpPr>
-          <p:cNvPr id="80" name="ZoneTexte 79">
-            <a:extLst>
-              <a:ext uri="{FF2B5EF4-FFF2-40B4-BE49-F238E27FC236}">
-                <a16:creationId xmlns:a16="http://schemas.microsoft.com/office/drawing/2014/main" id="{1F586E6C-D011-480D-A504-3AD558E6312F}"/>
-              </a:ext>
-            </a:extLst>
-          </p:cNvPr>
-          <p:cNvSpPr txBox="1"/>
-          <p:nvPr/>
-        </p:nvSpPr>
-        <p:spPr>
-          <a:xfrm>
-            <a:off x="4052372" y="1132813"/>
+            <a:off x="4042178" y="1112515"/>
             <a:ext cx="939082" cy="338554"/>
           </a:xfrm>
           <a:prstGeom prst="rect">
@@ -5289,256 +7325,10 @@
           </a:p>
         </p:txBody>
       </p:sp>
-      <p:sp>
-        <p:nvSpPr>
-          <p:cNvPr id="81" name="ZoneTexte 80">
-            <a:extLst>
-              <a:ext uri="{FF2B5EF4-FFF2-40B4-BE49-F238E27FC236}">
-                <a16:creationId xmlns:a16="http://schemas.microsoft.com/office/drawing/2014/main" id="{6F6E345D-0C59-4FC3-A13B-33E802047781}"/>
-              </a:ext>
-            </a:extLst>
-          </p:cNvPr>
-          <p:cNvSpPr txBox="1"/>
-          <p:nvPr/>
-        </p:nvSpPr>
-        <p:spPr>
-          <a:xfrm>
-            <a:off x="4052372" y="1418204"/>
-            <a:ext cx="939082" cy="338554"/>
-          </a:xfrm>
-          <a:prstGeom prst="rect">
-            <a:avLst/>
-          </a:prstGeom>
-          <a:noFill/>
-        </p:spPr>
-        <p:txBody>
-          <a:bodyPr wrap="square" rtlCol="0">
-            <a:spAutoFit/>
-          </a:bodyPr>
-          <a:lstStyle/>
-          <a:p>
-            <a:r>
-              <a:rPr lang="fr-FR" sz="1600" dirty="0">
-                <a:solidFill>
-                  <a:schemeClr val="accent4"/>
-                </a:solidFill>
-              </a:rPr>
-              <a:t>Contient</a:t>
-            </a:r>
-          </a:p>
-        </p:txBody>
-      </p:sp>
-      <p:cxnSp>
-        <p:nvCxnSpPr>
-          <p:cNvPr id="82" name="Connecteur droit avec flèche 81">
-            <a:extLst>
-              <a:ext uri="{FF2B5EF4-FFF2-40B4-BE49-F238E27FC236}">
-                <a16:creationId xmlns:a16="http://schemas.microsoft.com/office/drawing/2014/main" id="{010D68AA-C7A2-4DDE-BAEC-B9184A102092}"/>
-              </a:ext>
-            </a:extLst>
-          </p:cNvPr>
-          <p:cNvCxnSpPr>
-            <a:cxnSpLocks/>
-          </p:cNvCxnSpPr>
-          <p:nvPr/>
-        </p:nvCxnSpPr>
-        <p:spPr>
-          <a:xfrm>
-            <a:off x="3180273" y="1603606"/>
-            <a:ext cx="917941" cy="0"/>
-          </a:xfrm>
-          <a:prstGeom prst="straightConnector1">
-            <a:avLst/>
-          </a:prstGeom>
-          <a:ln w="38100">
-            <a:solidFill>
-              <a:schemeClr val="accent4"/>
-            </a:solidFill>
-            <a:headEnd type="none" w="med" len="med"/>
-            <a:tailEnd type="triangle" w="med" len="med"/>
-          </a:ln>
-        </p:spPr>
-        <p:style>
-          <a:lnRef idx="1">
-            <a:schemeClr val="accent1"/>
-          </a:lnRef>
-          <a:fillRef idx="0">
-            <a:schemeClr val="accent1"/>
-          </a:fillRef>
-          <a:effectRef idx="0">
-            <a:schemeClr val="accent1"/>
-          </a:effectRef>
-          <a:fontRef idx="minor">
-            <a:schemeClr val="tx1"/>
-          </a:fontRef>
-        </p:style>
-      </p:cxnSp>
-      <p:pic>
-        <p:nvPicPr>
-          <p:cNvPr id="143" name="Graphique 142" descr="Visage au large sourire avec remplissage solide avec un remplissage uni">
-            <a:extLst>
-              <a:ext uri="{FF2B5EF4-FFF2-40B4-BE49-F238E27FC236}">
-                <a16:creationId xmlns:a16="http://schemas.microsoft.com/office/drawing/2014/main" id="{E27C6D8D-D5FC-4B8B-8709-B75F153CB785}"/>
-              </a:ext>
-            </a:extLst>
-          </p:cNvPr>
-          <p:cNvPicPr>
-            <a:picLocks noChangeAspect="1"/>
-          </p:cNvPicPr>
-          <p:nvPr/>
-        </p:nvPicPr>
-        <p:blipFill>
-          <a:blip r:embed="rId2">
-            <a:extLst>
-              <a:ext uri="{28A0092B-C50C-407E-A947-70E740481C1C}">
-                <a14:useLocalDpi xmlns:a14="http://schemas.microsoft.com/office/drawing/2010/main" val="0"/>
-              </a:ext>
-              <a:ext uri="{96DAC541-7B7A-43D3-8B79-37D633B846F1}">
-                <asvg:svgBlip xmlns:asvg="http://schemas.microsoft.com/office/drawing/2016/SVG/main" r:embed="rId3"/>
-              </a:ext>
-            </a:extLst>
-          </a:blip>
-          <a:stretch>
-            <a:fillRect/>
-          </a:stretch>
-        </p:blipFill>
-        <p:spPr>
-          <a:xfrm>
-            <a:off x="2246916" y="959233"/>
-            <a:ext cx="642316" cy="642316"/>
-          </a:xfrm>
-          <a:prstGeom prst="rect">
-            <a:avLst/>
-          </a:prstGeom>
-        </p:spPr>
-      </p:pic>
-      <p:pic>
-        <p:nvPicPr>
-          <p:cNvPr id="144" name="Graphique 143" descr="Nuage avec un remplissage uni">
-            <a:extLst>
-              <a:ext uri="{FF2B5EF4-FFF2-40B4-BE49-F238E27FC236}">
-                <a16:creationId xmlns:a16="http://schemas.microsoft.com/office/drawing/2014/main" id="{441558B5-2162-443E-8046-6D4E988BE768}"/>
-              </a:ext>
-            </a:extLst>
-          </p:cNvPr>
-          <p:cNvPicPr>
-            <a:picLocks noChangeAspect="1"/>
-          </p:cNvPicPr>
-          <p:nvPr/>
-        </p:nvPicPr>
-        <p:blipFill>
-          <a:blip r:embed="rId12">
-            <a:extLst>
-              <a:ext uri="{28A0092B-C50C-407E-A947-70E740481C1C}">
-                <a14:useLocalDpi xmlns:a14="http://schemas.microsoft.com/office/drawing/2010/main" val="0"/>
-              </a:ext>
-              <a:ext uri="{96DAC541-7B7A-43D3-8B79-37D633B846F1}">
-                <asvg:svgBlip xmlns:asvg="http://schemas.microsoft.com/office/drawing/2016/SVG/main" r:embed="rId13"/>
-              </a:ext>
-            </a:extLst>
-          </a:blip>
-          <a:stretch>
-            <a:fillRect/>
-          </a:stretch>
-        </p:blipFill>
-        <p:spPr>
-          <a:xfrm>
-            <a:off x="2264670" y="2450620"/>
-            <a:ext cx="622305" cy="622305"/>
-          </a:xfrm>
-          <a:prstGeom prst="rect">
-            <a:avLst/>
-          </a:prstGeom>
-        </p:spPr>
-      </p:pic>
-      <p:pic>
-        <p:nvPicPr>
-          <p:cNvPr id="145" name="Graphique 144" descr="Visage au large sourire avec remplissage solide avec un remplissage uni">
-            <a:extLst>
-              <a:ext uri="{FF2B5EF4-FFF2-40B4-BE49-F238E27FC236}">
-                <a16:creationId xmlns:a16="http://schemas.microsoft.com/office/drawing/2014/main" id="{7C01CC6B-BC24-4656-8058-A8DFAE1ED574}"/>
-              </a:ext>
-            </a:extLst>
-          </p:cNvPr>
-          <p:cNvPicPr>
-            <a:picLocks noChangeAspect="1"/>
-          </p:cNvPicPr>
-          <p:nvPr/>
-        </p:nvPicPr>
-        <p:blipFill>
-          <a:blip r:embed="rId2">
-            <a:extLst>
-              <a:ext uri="{28A0092B-C50C-407E-A947-70E740481C1C}">
-                <a14:useLocalDpi xmlns:a14="http://schemas.microsoft.com/office/drawing/2010/main" val="0"/>
-              </a:ext>
-              <a:ext uri="{96DAC541-7B7A-43D3-8B79-37D633B846F1}">
-                <asvg:svgBlip xmlns:asvg="http://schemas.microsoft.com/office/drawing/2016/SVG/main" r:embed="rId3"/>
-              </a:ext>
-            </a:extLst>
-          </a:blip>
-          <a:stretch>
-            <a:fillRect/>
-          </a:stretch>
-        </p:blipFill>
-        <p:spPr>
-          <a:xfrm>
-            <a:off x="2246916" y="1716357"/>
-            <a:ext cx="642316" cy="642316"/>
-          </a:xfrm>
-          <a:prstGeom prst="rect">
-            <a:avLst/>
-          </a:prstGeom>
-        </p:spPr>
-      </p:pic>
-      <p:cxnSp>
-        <p:nvCxnSpPr>
-          <p:cNvPr id="149" name="Connecteur droit avec flèche 148">
-            <a:extLst>
-              <a:ext uri="{FF2B5EF4-FFF2-40B4-BE49-F238E27FC236}">
-                <a16:creationId xmlns:a16="http://schemas.microsoft.com/office/drawing/2014/main" id="{E37D3E28-7871-4DB6-8C2B-BAD83FF1C83D}"/>
-              </a:ext>
-            </a:extLst>
-          </p:cNvPr>
-          <p:cNvCxnSpPr>
-            <a:cxnSpLocks/>
-          </p:cNvCxnSpPr>
-          <p:nvPr/>
-        </p:nvCxnSpPr>
-        <p:spPr>
-          <a:xfrm flipH="1" flipV="1">
-            <a:off x="1012622" y="2572098"/>
-            <a:ext cx="5422" cy="762200"/>
-          </a:xfrm>
-          <a:prstGeom prst="straightConnector1">
-            <a:avLst/>
-          </a:prstGeom>
-          <a:ln w="38100">
-            <a:solidFill>
-              <a:srgbClr val="00B050"/>
-            </a:solidFill>
-            <a:headEnd type="none" w="med" len="med"/>
-            <a:tailEnd type="triangle" w="med" len="med"/>
-          </a:ln>
-        </p:spPr>
-        <p:style>
-          <a:lnRef idx="1">
-            <a:schemeClr val="accent1"/>
-          </a:lnRef>
-          <a:fillRef idx="0">
-            <a:schemeClr val="accent1"/>
-          </a:fillRef>
-          <a:effectRef idx="0">
-            <a:schemeClr val="accent1"/>
-          </a:effectRef>
-          <a:fontRef idx="minor">
-            <a:schemeClr val="tx1"/>
-          </a:fontRef>
-        </p:style>
-      </p:cxnSp>
     </p:spTree>
     <p:extLst>
       <p:ext uri="{BB962C8B-B14F-4D97-AF65-F5344CB8AC3E}">
-        <p14:creationId xmlns:p14="http://schemas.microsoft.com/office/powerpoint/2010/main" val="4179880969"/>
+        <p14:creationId xmlns:p14="http://schemas.microsoft.com/office/powerpoint/2010/main" val="2897991046"/>
       </p:ext>
     </p:extLst>
   </p:cSld>

--- a/Word report/MoonQuest_figures.pptx
+++ b/Word report/MoonQuest_figures.pptx
@@ -245,7 +245,7 @@
           <a:p>
             <a:fld id="{4F5E2CE0-E47B-4D3A-AEFF-32FB4EEFB863}" type="datetimeFigureOut">
               <a:rPr lang="fr-FR" smtClean="0"/>
-              <a:t>12/04/2024</a:t>
+              <a:t>14/04/2024</a:t>
             </a:fld>
             <a:endParaRPr lang="fr-FR"/>
           </a:p>
@@ -415,7 +415,7 @@
           <a:p>
             <a:fld id="{4F5E2CE0-E47B-4D3A-AEFF-32FB4EEFB863}" type="datetimeFigureOut">
               <a:rPr lang="fr-FR" smtClean="0"/>
-              <a:t>12/04/2024</a:t>
+              <a:t>14/04/2024</a:t>
             </a:fld>
             <a:endParaRPr lang="fr-FR"/>
           </a:p>
@@ -595,7 +595,7 @@
           <a:p>
             <a:fld id="{4F5E2CE0-E47B-4D3A-AEFF-32FB4EEFB863}" type="datetimeFigureOut">
               <a:rPr lang="fr-FR" smtClean="0"/>
-              <a:t>12/04/2024</a:t>
+              <a:t>14/04/2024</a:t>
             </a:fld>
             <a:endParaRPr lang="fr-FR"/>
           </a:p>
@@ -765,7 +765,7 @@
           <a:p>
             <a:fld id="{4F5E2CE0-E47B-4D3A-AEFF-32FB4EEFB863}" type="datetimeFigureOut">
               <a:rPr lang="fr-FR" smtClean="0"/>
-              <a:t>12/04/2024</a:t>
+              <a:t>14/04/2024</a:t>
             </a:fld>
             <a:endParaRPr lang="fr-FR"/>
           </a:p>
@@ -1009,7 +1009,7 @@
           <a:p>
             <a:fld id="{4F5E2CE0-E47B-4D3A-AEFF-32FB4EEFB863}" type="datetimeFigureOut">
               <a:rPr lang="fr-FR" smtClean="0"/>
-              <a:t>12/04/2024</a:t>
+              <a:t>14/04/2024</a:t>
             </a:fld>
             <a:endParaRPr lang="fr-FR"/>
           </a:p>
@@ -1241,7 +1241,7 @@
           <a:p>
             <a:fld id="{4F5E2CE0-E47B-4D3A-AEFF-32FB4EEFB863}" type="datetimeFigureOut">
               <a:rPr lang="fr-FR" smtClean="0"/>
-              <a:t>12/04/2024</a:t>
+              <a:t>14/04/2024</a:t>
             </a:fld>
             <a:endParaRPr lang="fr-FR"/>
           </a:p>
@@ -1608,7 +1608,7 @@
           <a:p>
             <a:fld id="{4F5E2CE0-E47B-4D3A-AEFF-32FB4EEFB863}" type="datetimeFigureOut">
               <a:rPr lang="fr-FR" smtClean="0"/>
-              <a:t>12/04/2024</a:t>
+              <a:t>14/04/2024</a:t>
             </a:fld>
             <a:endParaRPr lang="fr-FR"/>
           </a:p>
@@ -1726,7 +1726,7 @@
           <a:p>
             <a:fld id="{4F5E2CE0-E47B-4D3A-AEFF-32FB4EEFB863}" type="datetimeFigureOut">
               <a:rPr lang="fr-FR" smtClean="0"/>
-              <a:t>12/04/2024</a:t>
+              <a:t>14/04/2024</a:t>
             </a:fld>
             <a:endParaRPr lang="fr-FR"/>
           </a:p>
@@ -1821,7 +1821,7 @@
           <a:p>
             <a:fld id="{4F5E2CE0-E47B-4D3A-AEFF-32FB4EEFB863}" type="datetimeFigureOut">
               <a:rPr lang="fr-FR" smtClean="0"/>
-              <a:t>12/04/2024</a:t>
+              <a:t>14/04/2024</a:t>
             </a:fld>
             <a:endParaRPr lang="fr-FR"/>
           </a:p>
@@ -2098,7 +2098,7 @@
           <a:p>
             <a:fld id="{4F5E2CE0-E47B-4D3A-AEFF-32FB4EEFB863}" type="datetimeFigureOut">
               <a:rPr lang="fr-FR" smtClean="0"/>
-              <a:t>12/04/2024</a:t>
+              <a:t>14/04/2024</a:t>
             </a:fld>
             <a:endParaRPr lang="fr-FR"/>
           </a:p>
@@ -2355,7 +2355,7 @@
           <a:p>
             <a:fld id="{4F5E2CE0-E47B-4D3A-AEFF-32FB4EEFB863}" type="datetimeFigureOut">
               <a:rPr lang="fr-FR" smtClean="0"/>
-              <a:t>12/04/2024</a:t>
+              <a:t>14/04/2024</a:t>
             </a:fld>
             <a:endParaRPr lang="fr-FR"/>
           </a:p>
@@ -2568,7 +2568,7 @@
           <a:p>
             <a:fld id="{4F5E2CE0-E47B-4D3A-AEFF-32FB4EEFB863}" type="datetimeFigureOut">
               <a:rPr lang="fr-FR" smtClean="0"/>
-              <a:t>12/04/2024</a:t>
+              <a:t>14/04/2024</a:t>
             </a:fld>
             <a:endParaRPr lang="fr-FR"/>
           </a:p>
@@ -5206,34 +5206,664 @@
           <a:chExt cx="0" cy="0"/>
         </a:xfrm>
       </p:grpSpPr>
+      <p:pic>
+        <p:nvPicPr>
+          <p:cNvPr id="84" name="Graphique 83" descr="Utilisateur avec un remplissage uni">
+            <a:extLst>
+              <a:ext uri="{FF2B5EF4-FFF2-40B4-BE49-F238E27FC236}">
+                <a16:creationId xmlns:a16="http://schemas.microsoft.com/office/drawing/2014/main" id="{EA383A97-8335-48D3-A3F3-0A1C2213E963}"/>
+              </a:ext>
+            </a:extLst>
+          </p:cNvPr>
+          <p:cNvPicPr>
+            <a:picLocks noChangeAspect="1"/>
+          </p:cNvPicPr>
+          <p:nvPr/>
+        </p:nvPicPr>
+        <p:blipFill>
+          <a:blip r:embed="rId2">
+            <a:extLst>
+              <a:ext uri="{28A0092B-C50C-407E-A947-70E740481C1C}">
+                <a14:useLocalDpi xmlns:a14="http://schemas.microsoft.com/office/drawing/2010/main" val="0"/>
+              </a:ext>
+              <a:ext uri="{96DAC541-7B7A-43D3-8B79-37D633B846F1}">
+                <asvg:svgBlip xmlns:asvg="http://schemas.microsoft.com/office/drawing/2016/SVG/main" r:embed="rId3"/>
+              </a:ext>
+            </a:extLst>
+          </a:blip>
+          <a:stretch>
+            <a:fillRect/>
+          </a:stretch>
+        </p:blipFill>
+        <p:spPr>
+          <a:xfrm>
+            <a:off x="776638" y="2525484"/>
+            <a:ext cx="914400" cy="914400"/>
+          </a:xfrm>
+          <a:prstGeom prst="rect">
+            <a:avLst/>
+          </a:prstGeom>
+        </p:spPr>
+      </p:pic>
+      <p:pic>
+        <p:nvPicPr>
+          <p:cNvPr id="86" name="Graphique 85" descr="Flocon de neige avec un remplissage uni">
+            <a:extLst>
+              <a:ext uri="{FF2B5EF4-FFF2-40B4-BE49-F238E27FC236}">
+                <a16:creationId xmlns:a16="http://schemas.microsoft.com/office/drawing/2014/main" id="{ED639F46-7B55-4D4E-AAD1-326C39FE1EBB}"/>
+              </a:ext>
+            </a:extLst>
+          </p:cNvPr>
+          <p:cNvPicPr>
+            <a:picLocks noChangeAspect="1"/>
+          </p:cNvPicPr>
+          <p:nvPr/>
+        </p:nvPicPr>
+        <p:blipFill>
+          <a:blip r:embed="rId4">
+            <a:extLst>
+              <a:ext uri="{28A0092B-C50C-407E-A947-70E740481C1C}">
+                <a14:useLocalDpi xmlns:a14="http://schemas.microsoft.com/office/drawing/2010/main" val="0"/>
+              </a:ext>
+              <a:ext uri="{96DAC541-7B7A-43D3-8B79-37D633B846F1}">
+                <asvg:svgBlip xmlns:asvg="http://schemas.microsoft.com/office/drawing/2016/SVG/main" r:embed="rId5"/>
+              </a:ext>
+            </a:extLst>
+          </a:blip>
+          <a:stretch>
+            <a:fillRect/>
+          </a:stretch>
+        </p:blipFill>
+        <p:spPr>
+          <a:xfrm>
+            <a:off x="2643612" y="2542463"/>
+            <a:ext cx="914400" cy="914400"/>
+          </a:xfrm>
+          <a:prstGeom prst="rect">
+            <a:avLst/>
+          </a:prstGeom>
+        </p:spPr>
+      </p:pic>
+      <p:pic>
+        <p:nvPicPr>
+          <p:cNvPr id="87" name="Graphique 86" descr="Nuage avec un remplissage uni">
+            <a:extLst>
+              <a:ext uri="{FF2B5EF4-FFF2-40B4-BE49-F238E27FC236}">
+                <a16:creationId xmlns:a16="http://schemas.microsoft.com/office/drawing/2014/main" id="{0E594FC1-F2C7-4BEE-BA89-D3925CCC6FBA}"/>
+              </a:ext>
+            </a:extLst>
+          </p:cNvPr>
+          <p:cNvPicPr>
+            <a:picLocks noChangeAspect="1"/>
+          </p:cNvPicPr>
+          <p:nvPr/>
+        </p:nvPicPr>
+        <p:blipFill>
+          <a:blip r:embed="rId6">
+            <a:extLst>
+              <a:ext uri="{28A0092B-C50C-407E-A947-70E740481C1C}">
+                <a14:useLocalDpi xmlns:a14="http://schemas.microsoft.com/office/drawing/2010/main" val="0"/>
+              </a:ext>
+              <a:ext uri="{96DAC541-7B7A-43D3-8B79-37D633B846F1}">
+                <asvg:svgBlip xmlns:asvg="http://schemas.microsoft.com/office/drawing/2016/SVG/main" r:embed="rId7"/>
+              </a:ext>
+            </a:extLst>
+          </a:blip>
+          <a:stretch>
+            <a:fillRect/>
+          </a:stretch>
+        </p:blipFill>
+        <p:spPr>
+          <a:xfrm>
+            <a:off x="2653868" y="3497096"/>
+            <a:ext cx="914400" cy="914400"/>
+          </a:xfrm>
+          <a:prstGeom prst="rect">
+            <a:avLst/>
+          </a:prstGeom>
+        </p:spPr>
+      </p:pic>
+      <p:pic>
+        <p:nvPicPr>
+          <p:cNvPr id="88" name="Graphique 87" descr="Voiture avec un remplissage uni">
+            <a:extLst>
+              <a:ext uri="{FF2B5EF4-FFF2-40B4-BE49-F238E27FC236}">
+                <a16:creationId xmlns:a16="http://schemas.microsoft.com/office/drawing/2014/main" id="{892C0178-8AA2-4C2B-ADEB-D019B1DF9599}"/>
+              </a:ext>
+            </a:extLst>
+          </p:cNvPr>
+          <p:cNvPicPr>
+            <a:picLocks noChangeAspect="1"/>
+          </p:cNvPicPr>
+          <p:nvPr/>
+        </p:nvPicPr>
+        <p:blipFill>
+          <a:blip r:embed="rId8">
+            <a:extLst>
+              <a:ext uri="{28A0092B-C50C-407E-A947-70E740481C1C}">
+                <a14:useLocalDpi xmlns:a14="http://schemas.microsoft.com/office/drawing/2010/main" val="0"/>
+              </a:ext>
+              <a:ext uri="{96DAC541-7B7A-43D3-8B79-37D633B846F1}">
+                <asvg:svgBlip xmlns:asvg="http://schemas.microsoft.com/office/drawing/2016/SVG/main" r:embed="rId9"/>
+              </a:ext>
+            </a:extLst>
+          </a:blip>
+          <a:stretch>
+            <a:fillRect/>
+          </a:stretch>
+        </p:blipFill>
+        <p:spPr>
+          <a:xfrm>
+            <a:off x="2674778" y="1563459"/>
+            <a:ext cx="914400" cy="914400"/>
+          </a:xfrm>
+          <a:prstGeom prst="rect">
+            <a:avLst/>
+          </a:prstGeom>
+        </p:spPr>
+      </p:pic>
+      <p:sp>
+        <p:nvSpPr>
+          <p:cNvPr id="89" name="ZoneTexte 88">
+            <a:extLst>
+              <a:ext uri="{FF2B5EF4-FFF2-40B4-BE49-F238E27FC236}">
+                <a16:creationId xmlns:a16="http://schemas.microsoft.com/office/drawing/2014/main" id="{AE8BB1C5-1244-4FAA-B651-83708710D137}"/>
+              </a:ext>
+            </a:extLst>
+          </p:cNvPr>
+          <p:cNvSpPr txBox="1"/>
+          <p:nvPr/>
+        </p:nvSpPr>
+        <p:spPr>
+          <a:xfrm>
+            <a:off x="974658" y="3285995"/>
+            <a:ext cx="1593724" cy="307777"/>
+          </a:xfrm>
+          <a:prstGeom prst="rect">
+            <a:avLst/>
+          </a:prstGeom>
+          <a:noFill/>
+        </p:spPr>
+        <p:txBody>
+          <a:bodyPr wrap="square" rtlCol="0">
+            <a:spAutoFit/>
+          </a:bodyPr>
+          <a:lstStyle/>
+          <a:p>
+            <a:r>
+              <a:rPr lang="fr-FR" sz="1400" dirty="0">
+                <a:solidFill>
+                  <a:schemeClr val="accent2"/>
+                </a:solidFill>
+                <a:latin typeface="Arial Narrow" panose="020B0606020202030204" pitchFamily="34" charset="0"/>
+              </a:rPr>
+              <a:t>Piece</a:t>
+            </a:r>
+          </a:p>
+        </p:txBody>
+      </p:sp>
+      <p:pic>
+        <p:nvPicPr>
+          <p:cNvPr id="90" name="Graphique 89" descr="Nuage avec un remplissage uni">
+            <a:extLst>
+              <a:ext uri="{FF2B5EF4-FFF2-40B4-BE49-F238E27FC236}">
+                <a16:creationId xmlns:a16="http://schemas.microsoft.com/office/drawing/2014/main" id="{3CDBFFC1-1B4B-4785-8BBD-65F11A3CE251}"/>
+              </a:ext>
+            </a:extLst>
+          </p:cNvPr>
+          <p:cNvPicPr>
+            <a:picLocks noChangeAspect="1"/>
+          </p:cNvPicPr>
+          <p:nvPr/>
+        </p:nvPicPr>
+        <p:blipFill>
+          <a:blip r:embed="rId6">
+            <a:extLst>
+              <a:ext uri="{28A0092B-C50C-407E-A947-70E740481C1C}">
+                <a14:useLocalDpi xmlns:a14="http://schemas.microsoft.com/office/drawing/2010/main" val="0"/>
+              </a:ext>
+              <a:ext uri="{96DAC541-7B7A-43D3-8B79-37D633B846F1}">
+                <asvg:svgBlip xmlns:asvg="http://schemas.microsoft.com/office/drawing/2016/SVG/main" r:embed="rId7"/>
+              </a:ext>
+            </a:extLst>
+          </a:blip>
+          <a:stretch>
+            <a:fillRect/>
+          </a:stretch>
+        </p:blipFill>
+        <p:spPr>
+          <a:xfrm>
+            <a:off x="4530022" y="3241218"/>
+            <a:ext cx="720000" cy="720000"/>
+          </a:xfrm>
+          <a:prstGeom prst="rect">
+            <a:avLst/>
+          </a:prstGeom>
+        </p:spPr>
+      </p:pic>
+      <p:pic>
+        <p:nvPicPr>
+          <p:cNvPr id="92" name="Graphique 91" descr="Voiture avec un remplissage uni">
+            <a:extLst>
+              <a:ext uri="{FF2B5EF4-FFF2-40B4-BE49-F238E27FC236}">
+                <a16:creationId xmlns:a16="http://schemas.microsoft.com/office/drawing/2014/main" id="{747A60B4-745D-48E7-BB2F-0EC391DC774A}"/>
+              </a:ext>
+            </a:extLst>
+          </p:cNvPr>
+          <p:cNvPicPr>
+            <a:picLocks noChangeAspect="1"/>
+          </p:cNvPicPr>
+          <p:nvPr/>
+        </p:nvPicPr>
+        <p:blipFill>
+          <a:blip r:embed="rId8">
+            <a:extLst>
+              <a:ext uri="{28A0092B-C50C-407E-A947-70E740481C1C}">
+                <a14:useLocalDpi xmlns:a14="http://schemas.microsoft.com/office/drawing/2010/main" val="0"/>
+              </a:ext>
+              <a:ext uri="{96DAC541-7B7A-43D3-8B79-37D633B846F1}">
+                <asvg:svgBlip xmlns:asvg="http://schemas.microsoft.com/office/drawing/2016/SVG/main" r:embed="rId9"/>
+              </a:ext>
+            </a:extLst>
+          </a:blip>
+          <a:stretch>
+            <a:fillRect/>
+          </a:stretch>
+        </p:blipFill>
+        <p:spPr>
+          <a:xfrm>
+            <a:off x="4530022" y="1395818"/>
+            <a:ext cx="720000" cy="720000"/>
+          </a:xfrm>
+          <a:prstGeom prst="rect">
+            <a:avLst/>
+          </a:prstGeom>
+        </p:spPr>
+      </p:pic>
+      <p:pic>
+        <p:nvPicPr>
+          <p:cNvPr id="93" name="Graphique 92" descr="Nuage avec un remplissage uni">
+            <a:extLst>
+              <a:ext uri="{FF2B5EF4-FFF2-40B4-BE49-F238E27FC236}">
+                <a16:creationId xmlns:a16="http://schemas.microsoft.com/office/drawing/2014/main" id="{9F7C5AB9-BDD6-4C52-B5D2-70820036E250}"/>
+              </a:ext>
+            </a:extLst>
+          </p:cNvPr>
+          <p:cNvPicPr>
+            <a:picLocks noChangeAspect="1"/>
+          </p:cNvPicPr>
+          <p:nvPr/>
+        </p:nvPicPr>
+        <p:blipFill>
+          <a:blip r:embed="rId6">
+            <a:extLst>
+              <a:ext uri="{28A0092B-C50C-407E-A947-70E740481C1C}">
+                <a14:useLocalDpi xmlns:a14="http://schemas.microsoft.com/office/drawing/2010/main" val="0"/>
+              </a:ext>
+              <a:ext uri="{96DAC541-7B7A-43D3-8B79-37D633B846F1}">
+                <asvg:svgBlip xmlns:asvg="http://schemas.microsoft.com/office/drawing/2016/SVG/main" r:embed="rId7"/>
+              </a:ext>
+            </a:extLst>
+          </a:blip>
+          <a:stretch>
+            <a:fillRect/>
+          </a:stretch>
+        </p:blipFill>
+        <p:spPr>
+          <a:xfrm>
+            <a:off x="4530022" y="3866059"/>
+            <a:ext cx="720000" cy="720000"/>
+          </a:xfrm>
+          <a:prstGeom prst="rect">
+            <a:avLst/>
+          </a:prstGeom>
+        </p:spPr>
+      </p:pic>
+      <p:pic>
+        <p:nvPicPr>
+          <p:cNvPr id="94" name="Graphique 93" descr="Voiture avec un remplissage uni">
+            <a:extLst>
+              <a:ext uri="{FF2B5EF4-FFF2-40B4-BE49-F238E27FC236}">
+                <a16:creationId xmlns:a16="http://schemas.microsoft.com/office/drawing/2014/main" id="{F032963F-A053-4374-902B-8693AFD50B84}"/>
+              </a:ext>
+            </a:extLst>
+          </p:cNvPr>
+          <p:cNvPicPr>
+            <a:picLocks noChangeAspect="1"/>
+          </p:cNvPicPr>
+          <p:nvPr/>
+        </p:nvPicPr>
+        <p:blipFill>
+          <a:blip r:embed="rId8">
+            <a:extLst>
+              <a:ext uri="{28A0092B-C50C-407E-A947-70E740481C1C}">
+                <a14:useLocalDpi xmlns:a14="http://schemas.microsoft.com/office/drawing/2010/main" val="0"/>
+              </a:ext>
+              <a:ext uri="{96DAC541-7B7A-43D3-8B79-37D633B846F1}">
+                <asvg:svgBlip xmlns:asvg="http://schemas.microsoft.com/office/drawing/2016/SVG/main" r:embed="rId9"/>
+              </a:ext>
+            </a:extLst>
+          </a:blip>
+          <a:stretch>
+            <a:fillRect/>
+          </a:stretch>
+        </p:blipFill>
+        <p:spPr>
+          <a:xfrm>
+            <a:off x="4530022" y="2020659"/>
+            <a:ext cx="720000" cy="720000"/>
+          </a:xfrm>
+          <a:prstGeom prst="rect">
+            <a:avLst/>
+          </a:prstGeom>
+        </p:spPr>
+      </p:pic>
+      <p:sp>
+        <p:nvSpPr>
+          <p:cNvPr id="95" name="ZoneTexte 94">
+            <a:extLst>
+              <a:ext uri="{FF2B5EF4-FFF2-40B4-BE49-F238E27FC236}">
+                <a16:creationId xmlns:a16="http://schemas.microsoft.com/office/drawing/2014/main" id="{515BB727-B347-4016-A6F1-54C5FC634863}"/>
+              </a:ext>
+            </a:extLst>
+          </p:cNvPr>
+          <p:cNvSpPr txBox="1"/>
+          <p:nvPr/>
+        </p:nvSpPr>
+        <p:spPr>
+          <a:xfrm>
+            <a:off x="2749420" y="2242789"/>
+            <a:ext cx="1593724" cy="307777"/>
+          </a:xfrm>
+          <a:prstGeom prst="rect">
+            <a:avLst/>
+          </a:prstGeom>
+          <a:noFill/>
+        </p:spPr>
+        <p:txBody>
+          <a:bodyPr wrap="square" rtlCol="0">
+            <a:spAutoFit/>
+          </a:bodyPr>
+          <a:lstStyle/>
+          <a:p>
+            <a:r>
+              <a:rPr lang="fr-FR" sz="1400" dirty="0">
+                <a:solidFill>
+                  <a:schemeClr val="accent2"/>
+                </a:solidFill>
+                <a:latin typeface="Arial Narrow" panose="020B0606020202030204" pitchFamily="34" charset="0"/>
+              </a:rPr>
+              <a:t>Véhicule</a:t>
+            </a:r>
+          </a:p>
+        </p:txBody>
+      </p:sp>
+      <p:sp>
+        <p:nvSpPr>
+          <p:cNvPr id="96" name="ZoneTexte 95">
+            <a:extLst>
+              <a:ext uri="{FF2B5EF4-FFF2-40B4-BE49-F238E27FC236}">
+                <a16:creationId xmlns:a16="http://schemas.microsoft.com/office/drawing/2014/main" id="{B27A1370-046F-479C-BE6C-580675B94D8D}"/>
+              </a:ext>
+            </a:extLst>
+          </p:cNvPr>
+          <p:cNvSpPr txBox="1"/>
+          <p:nvPr/>
+        </p:nvSpPr>
+        <p:spPr>
+          <a:xfrm>
+            <a:off x="2779211" y="4151869"/>
+            <a:ext cx="1593724" cy="307777"/>
+          </a:xfrm>
+          <a:prstGeom prst="rect">
+            <a:avLst/>
+          </a:prstGeom>
+          <a:noFill/>
+        </p:spPr>
+        <p:txBody>
+          <a:bodyPr wrap="square" rtlCol="0">
+            <a:spAutoFit/>
+          </a:bodyPr>
+          <a:lstStyle/>
+          <a:p>
+            <a:r>
+              <a:rPr lang="fr-FR" sz="1400" dirty="0">
+                <a:solidFill>
+                  <a:schemeClr val="accent2"/>
+                </a:solidFill>
+                <a:latin typeface="Arial Narrow" panose="020B0606020202030204" pitchFamily="34" charset="0"/>
+              </a:rPr>
+              <a:t>Nuage</a:t>
+            </a:r>
+          </a:p>
+        </p:txBody>
+      </p:sp>
+      <p:sp>
+        <p:nvSpPr>
+          <p:cNvPr id="97" name="ZoneTexte 96">
+            <a:extLst>
+              <a:ext uri="{FF2B5EF4-FFF2-40B4-BE49-F238E27FC236}">
+                <a16:creationId xmlns:a16="http://schemas.microsoft.com/office/drawing/2014/main" id="{C70EBCDF-93F2-489F-AC3B-78440BAC7043}"/>
+              </a:ext>
+            </a:extLst>
+          </p:cNvPr>
+          <p:cNvSpPr txBox="1"/>
+          <p:nvPr/>
+        </p:nvSpPr>
+        <p:spPr>
+          <a:xfrm>
+            <a:off x="5250022" y="1601929"/>
+            <a:ext cx="1593724" cy="307777"/>
+          </a:xfrm>
+          <a:prstGeom prst="rect">
+            <a:avLst/>
+          </a:prstGeom>
+          <a:noFill/>
+        </p:spPr>
+        <p:txBody>
+          <a:bodyPr wrap="square" rtlCol="0">
+            <a:spAutoFit/>
+          </a:bodyPr>
+          <a:lstStyle/>
+          <a:p>
+            <a:r>
+              <a:rPr lang="fr-FR" sz="1400" dirty="0">
+                <a:solidFill>
+                  <a:schemeClr val="accent2"/>
+                </a:solidFill>
+                <a:latin typeface="Arial Narrow" panose="020B0606020202030204" pitchFamily="34" charset="0"/>
+              </a:rPr>
+              <a:t>Véhicule Eau</a:t>
+            </a:r>
+          </a:p>
+        </p:txBody>
+      </p:sp>
+      <p:sp>
+        <p:nvSpPr>
+          <p:cNvPr id="98" name="ZoneTexte 97">
+            <a:extLst>
+              <a:ext uri="{FF2B5EF4-FFF2-40B4-BE49-F238E27FC236}">
+                <a16:creationId xmlns:a16="http://schemas.microsoft.com/office/drawing/2014/main" id="{939799CD-7B19-45E0-8267-7A4B51AB782C}"/>
+              </a:ext>
+            </a:extLst>
+          </p:cNvPr>
+          <p:cNvSpPr txBox="1"/>
+          <p:nvPr/>
+        </p:nvSpPr>
+        <p:spPr>
+          <a:xfrm>
+            <a:off x="5222204" y="3470145"/>
+            <a:ext cx="1593724" cy="307777"/>
+          </a:xfrm>
+          <a:prstGeom prst="rect">
+            <a:avLst/>
+          </a:prstGeom>
+          <a:noFill/>
+        </p:spPr>
+        <p:txBody>
+          <a:bodyPr wrap="square" rtlCol="0">
+            <a:spAutoFit/>
+          </a:bodyPr>
+          <a:lstStyle/>
+          <a:p>
+            <a:r>
+              <a:rPr lang="fr-FR" sz="1400" dirty="0">
+                <a:solidFill>
+                  <a:schemeClr val="accent2"/>
+                </a:solidFill>
+                <a:latin typeface="Arial Narrow" panose="020B0606020202030204" pitchFamily="34" charset="0"/>
+              </a:rPr>
+              <a:t>Nuage Eau</a:t>
+            </a:r>
+          </a:p>
+        </p:txBody>
+      </p:sp>
+      <p:sp>
+        <p:nvSpPr>
+          <p:cNvPr id="99" name="ZoneTexte 98">
+            <a:extLst>
+              <a:ext uri="{FF2B5EF4-FFF2-40B4-BE49-F238E27FC236}">
+                <a16:creationId xmlns:a16="http://schemas.microsoft.com/office/drawing/2014/main" id="{EE2A7597-1D35-40A1-8FB3-BDA7BD042EB4}"/>
+              </a:ext>
+            </a:extLst>
+          </p:cNvPr>
+          <p:cNvSpPr txBox="1"/>
+          <p:nvPr/>
+        </p:nvSpPr>
+        <p:spPr>
+          <a:xfrm>
+            <a:off x="5222204" y="2223617"/>
+            <a:ext cx="1593724" cy="307777"/>
+          </a:xfrm>
+          <a:prstGeom prst="rect">
+            <a:avLst/>
+          </a:prstGeom>
+          <a:noFill/>
+        </p:spPr>
+        <p:txBody>
+          <a:bodyPr wrap="square" rtlCol="0">
+            <a:spAutoFit/>
+          </a:bodyPr>
+          <a:lstStyle/>
+          <a:p>
+            <a:r>
+              <a:rPr lang="fr-FR" sz="1400" dirty="0">
+                <a:solidFill>
+                  <a:schemeClr val="accent2"/>
+                </a:solidFill>
+                <a:latin typeface="Arial Narrow" panose="020B0606020202030204" pitchFamily="34" charset="0"/>
+              </a:rPr>
+              <a:t>Véhicule Méthane</a:t>
+            </a:r>
+          </a:p>
+        </p:txBody>
+      </p:sp>
+      <p:sp>
+        <p:nvSpPr>
+          <p:cNvPr id="100" name="ZoneTexte 99">
+            <a:extLst>
+              <a:ext uri="{FF2B5EF4-FFF2-40B4-BE49-F238E27FC236}">
+                <a16:creationId xmlns:a16="http://schemas.microsoft.com/office/drawing/2014/main" id="{BECE9BEC-ABFF-4E37-AEE6-43CB2353C121}"/>
+              </a:ext>
+            </a:extLst>
+          </p:cNvPr>
+          <p:cNvSpPr txBox="1"/>
+          <p:nvPr/>
+        </p:nvSpPr>
+        <p:spPr>
+          <a:xfrm>
+            <a:off x="2836380" y="3293068"/>
+            <a:ext cx="1593724" cy="307777"/>
+          </a:xfrm>
+          <a:prstGeom prst="rect">
+            <a:avLst/>
+          </a:prstGeom>
+          <a:noFill/>
+        </p:spPr>
+        <p:txBody>
+          <a:bodyPr wrap="square" rtlCol="0">
+            <a:spAutoFit/>
+          </a:bodyPr>
+          <a:lstStyle/>
+          <a:p>
+            <a:r>
+              <a:rPr lang="fr-FR" sz="1400" dirty="0">
+                <a:solidFill>
+                  <a:schemeClr val="accent2"/>
+                </a:solidFill>
+                <a:latin typeface="Arial Narrow" panose="020B0606020202030204" pitchFamily="34" charset="0"/>
+              </a:rPr>
+              <a:t>Glace</a:t>
+            </a:r>
+          </a:p>
+        </p:txBody>
+      </p:sp>
+      <p:sp>
+        <p:nvSpPr>
+          <p:cNvPr id="101" name="ZoneTexte 100">
+            <a:extLst>
+              <a:ext uri="{FF2B5EF4-FFF2-40B4-BE49-F238E27FC236}">
+                <a16:creationId xmlns:a16="http://schemas.microsoft.com/office/drawing/2014/main" id="{8793CE83-9BA5-42CD-8ADD-6241306E4BA6}"/>
+              </a:ext>
+            </a:extLst>
+          </p:cNvPr>
+          <p:cNvSpPr txBox="1"/>
+          <p:nvPr/>
+        </p:nvSpPr>
+        <p:spPr>
+          <a:xfrm>
+            <a:off x="5223812" y="4094132"/>
+            <a:ext cx="1593724" cy="307777"/>
+          </a:xfrm>
+          <a:prstGeom prst="rect">
+            <a:avLst/>
+          </a:prstGeom>
+          <a:noFill/>
+        </p:spPr>
+        <p:txBody>
+          <a:bodyPr wrap="square" rtlCol="0">
+            <a:spAutoFit/>
+          </a:bodyPr>
+          <a:lstStyle/>
+          <a:p>
+            <a:r>
+              <a:rPr lang="fr-FR" sz="1400" dirty="0">
+                <a:solidFill>
+                  <a:schemeClr val="accent2"/>
+                </a:solidFill>
+                <a:latin typeface="Arial Narrow" panose="020B0606020202030204" pitchFamily="34" charset="0"/>
+              </a:rPr>
+              <a:t>Nuage Méthane</a:t>
+            </a:r>
+          </a:p>
+        </p:txBody>
+      </p:sp>
       <p:cxnSp>
         <p:nvCxnSpPr>
-          <p:cNvPr id="152" name="Connecteur droit avec flèche 151">
-            <a:extLst>
-              <a:ext uri="{FF2B5EF4-FFF2-40B4-BE49-F238E27FC236}">
-                <a16:creationId xmlns:a16="http://schemas.microsoft.com/office/drawing/2014/main" id="{99C41377-F648-4202-AC8D-E12AD4D028DF}"/>
+          <p:cNvPr id="103" name="Connecteur droit avec flèche 102">
+            <a:extLst>
+              <a:ext uri="{FF2B5EF4-FFF2-40B4-BE49-F238E27FC236}">
+                <a16:creationId xmlns:a16="http://schemas.microsoft.com/office/drawing/2014/main" id="{433DCD14-9DF3-4B08-90EC-FD4939FF700F}"/>
               </a:ext>
             </a:extLst>
           </p:cNvPr>
           <p:cNvCxnSpPr>
             <a:cxnSpLocks/>
+            <a:stCxn id="84" idx="3"/>
+            <a:endCxn id="88" idx="1"/>
           </p:cNvCxnSpPr>
           <p:nvPr/>
         </p:nvCxnSpPr>
         <p:spPr>
-          <a:xfrm>
-            <a:off x="1120002" y="2597970"/>
-            <a:ext cx="9653" cy="755330"/>
+          <a:xfrm flipV="1">
+            <a:off x="1691038" y="2020659"/>
+            <a:ext cx="983740" cy="962025"/>
           </a:xfrm>
           <a:prstGeom prst="straightConnector1">
             <a:avLst/>
           </a:prstGeom>
-          <a:ln w="38100">
-            <a:solidFill>
-              <a:srgbClr val="00B050"/>
-            </a:solidFill>
-            <a:headEnd type="none" w="med" len="med"/>
-            <a:tailEnd type="triangle" w="med" len="med"/>
+          <a:ln w="57150">
+            <a:tailEnd type="triangle"/>
           </a:ln>
         </p:spPr>
         <p:style>
@@ -5253,33 +5883,30 @@
       </p:cxnSp>
       <p:cxnSp>
         <p:nvCxnSpPr>
-          <p:cNvPr id="118" name="Connecteur droit avec flèche 117">
-            <a:extLst>
-              <a:ext uri="{FF2B5EF4-FFF2-40B4-BE49-F238E27FC236}">
-                <a16:creationId xmlns:a16="http://schemas.microsoft.com/office/drawing/2014/main" id="{C00AEBC3-75E0-462B-AFEE-660CB6A4EECF}"/>
+          <p:cNvPr id="104" name="Connecteur droit avec flèche 103">
+            <a:extLst>
+              <a:ext uri="{FF2B5EF4-FFF2-40B4-BE49-F238E27FC236}">
+                <a16:creationId xmlns:a16="http://schemas.microsoft.com/office/drawing/2014/main" id="{70BD7AD9-5BD0-4B5B-9371-A348ACAAD42F}"/>
               </a:ext>
             </a:extLst>
           </p:cNvPr>
           <p:cNvCxnSpPr>
             <a:cxnSpLocks/>
-            <a:stCxn id="33" idx="1"/>
+            <a:stCxn id="84" idx="3"/>
+            <a:endCxn id="86" idx="1"/>
           </p:cNvCxnSpPr>
           <p:nvPr/>
         </p:nvCxnSpPr>
         <p:spPr>
-          <a:xfrm flipH="1">
-            <a:off x="1928617" y="2761773"/>
-            <a:ext cx="324274" cy="597998"/>
+          <a:xfrm>
+            <a:off x="1691038" y="2982684"/>
+            <a:ext cx="952574" cy="16979"/>
           </a:xfrm>
           <a:prstGeom prst="straightConnector1">
             <a:avLst/>
           </a:prstGeom>
-          <a:ln w="38100">
-            <a:solidFill>
-              <a:srgbClr val="00B050"/>
-            </a:solidFill>
-            <a:headEnd type="none" w="med" len="med"/>
-            <a:tailEnd type="triangle" w="med" len="med"/>
+          <a:ln w="57150">
+            <a:tailEnd type="triangle"/>
           </a:ln>
         </p:spPr>
         <p:style>
@@ -5299,33 +5926,30 @@
       </p:cxnSp>
       <p:cxnSp>
         <p:nvCxnSpPr>
-          <p:cNvPr id="102" name="Connecteur droit avec flèche 101">
-            <a:extLst>
-              <a:ext uri="{FF2B5EF4-FFF2-40B4-BE49-F238E27FC236}">
-                <a16:creationId xmlns:a16="http://schemas.microsoft.com/office/drawing/2014/main" id="{9ABA8264-14DE-4069-89CC-4134F2C7C563}"/>
+          <p:cNvPr id="105" name="Connecteur droit avec flèche 104">
+            <a:extLst>
+              <a:ext uri="{FF2B5EF4-FFF2-40B4-BE49-F238E27FC236}">
+                <a16:creationId xmlns:a16="http://schemas.microsoft.com/office/drawing/2014/main" id="{592B4328-1DC2-4AB8-A873-7D50DD54C0F1}"/>
               </a:ext>
             </a:extLst>
           </p:cNvPr>
           <p:cNvCxnSpPr>
             <a:cxnSpLocks/>
-            <a:stCxn id="33" idx="3"/>
+            <a:stCxn id="84" idx="3"/>
+            <a:endCxn id="87" idx="1"/>
           </p:cNvCxnSpPr>
           <p:nvPr/>
         </p:nvCxnSpPr>
         <p:spPr>
           <a:xfrm>
-            <a:off x="2875196" y="2761773"/>
-            <a:ext cx="329431" cy="580798"/>
+            <a:off x="1691038" y="2982684"/>
+            <a:ext cx="962830" cy="971612"/>
           </a:xfrm>
           <a:prstGeom prst="straightConnector1">
             <a:avLst/>
           </a:prstGeom>
-          <a:ln w="38100">
-            <a:solidFill>
-              <a:srgbClr val="FF0000"/>
-            </a:solidFill>
-            <a:headEnd type="none" w="med" len="med"/>
-            <a:tailEnd type="triangle" w="med" len="med"/>
+          <a:ln w="57150">
+            <a:tailEnd type="triangle"/>
           </a:ln>
         </p:spPr>
         <p:style>
@@ -5345,1885 +5969,30 @@
       </p:cxnSp>
       <p:cxnSp>
         <p:nvCxnSpPr>
-          <p:cNvPr id="85" name="Connecteur droit avec flèche 84">
-            <a:extLst>
-              <a:ext uri="{FF2B5EF4-FFF2-40B4-BE49-F238E27FC236}">
-                <a16:creationId xmlns:a16="http://schemas.microsoft.com/office/drawing/2014/main" id="{D64B2F06-B04B-4F21-8D25-3E238ADE1A89}"/>
+          <p:cNvPr id="106" name="Connecteur droit avec flèche 105">
+            <a:extLst>
+              <a:ext uri="{FF2B5EF4-FFF2-40B4-BE49-F238E27FC236}">
+                <a16:creationId xmlns:a16="http://schemas.microsoft.com/office/drawing/2014/main" id="{F8EA352F-69C8-49C8-A40B-07B8673CEE43}"/>
               </a:ext>
             </a:extLst>
           </p:cNvPr>
           <p:cNvCxnSpPr>
             <a:cxnSpLocks/>
+            <a:stCxn id="87" idx="3"/>
+            <a:endCxn id="90" idx="1"/>
           </p:cNvCxnSpPr>
           <p:nvPr/>
         </p:nvCxnSpPr>
         <p:spPr>
           <a:xfrm flipV="1">
-            <a:off x="778212" y="2280564"/>
-            <a:ext cx="0" cy="1068196"/>
+            <a:off x="3568268" y="3601218"/>
+            <a:ext cx="961754" cy="353078"/>
           </a:xfrm>
           <a:prstGeom prst="straightConnector1">
             <a:avLst/>
           </a:prstGeom>
-          <a:ln w="38100">
-            <a:solidFill>
-              <a:schemeClr val="accent4"/>
-            </a:solidFill>
-            <a:headEnd type="none" w="med" len="med"/>
-            <a:tailEnd type="triangle" w="med" len="med"/>
-          </a:ln>
-        </p:spPr>
-        <p:style>
-          <a:lnRef idx="1">
-            <a:schemeClr val="accent1"/>
-          </a:lnRef>
-          <a:fillRef idx="0">
-            <a:schemeClr val="accent1"/>
-          </a:fillRef>
-          <a:effectRef idx="0">
-            <a:schemeClr val="accent1"/>
-          </a:effectRef>
-          <a:fontRef idx="minor">
-            <a:schemeClr val="tx1"/>
-          </a:fontRef>
-        </p:style>
-      </p:cxnSp>
-      <p:sp>
-        <p:nvSpPr>
-          <p:cNvPr id="53" name="Rectangle 52">
-            <a:extLst>
-              <a:ext uri="{FF2B5EF4-FFF2-40B4-BE49-F238E27FC236}">
-                <a16:creationId xmlns:a16="http://schemas.microsoft.com/office/drawing/2014/main" id="{2F884956-A22C-475E-9A6D-0B660299D708}"/>
-              </a:ext>
-            </a:extLst>
-          </p:cNvPr>
-          <p:cNvSpPr/>
-          <p:nvPr/>
-        </p:nvSpPr>
-        <p:spPr>
-          <a:xfrm>
-            <a:off x="657051" y="4722845"/>
-            <a:ext cx="5258300" cy="680858"/>
-          </a:xfrm>
-          <a:prstGeom prst="rect">
-            <a:avLst/>
-          </a:prstGeom>
-          <a:solidFill>
-            <a:schemeClr val="accent6"/>
-          </a:solidFill>
-        </p:spPr>
-        <p:style>
-          <a:lnRef idx="2">
-            <a:schemeClr val="accent1">
-              <a:shade val="50000"/>
-            </a:schemeClr>
-          </a:lnRef>
-          <a:fillRef idx="1">
-            <a:schemeClr val="accent1"/>
-          </a:fillRef>
-          <a:effectRef idx="0">
-            <a:schemeClr val="accent1"/>
-          </a:effectRef>
-          <a:fontRef idx="minor">
-            <a:schemeClr val="lt1"/>
-          </a:fontRef>
-        </p:style>
-        <p:txBody>
-          <a:bodyPr rtlCol="0" anchor="ctr"/>
-          <a:lstStyle/>
-          <a:p>
-            <a:pPr algn="ctr"/>
-            <a:endParaRPr lang="fr-FR"/>
-          </a:p>
-        </p:txBody>
-      </p:sp>
-      <p:sp>
-        <p:nvSpPr>
-          <p:cNvPr id="4" name="Ellipse 3">
-            <a:extLst>
-              <a:ext uri="{FF2B5EF4-FFF2-40B4-BE49-F238E27FC236}">
-                <a16:creationId xmlns:a16="http://schemas.microsoft.com/office/drawing/2014/main" id="{AE1E7893-AB55-4ADE-8E0A-D005FF8E985F}"/>
-              </a:ext>
-            </a:extLst>
-          </p:cNvPr>
-          <p:cNvSpPr/>
-          <p:nvPr/>
-        </p:nvSpPr>
-        <p:spPr>
-          <a:xfrm>
-            <a:off x="2204556" y="951530"/>
-            <a:ext cx="703479" cy="657723"/>
-          </a:xfrm>
-          <a:prstGeom prst="ellipse">
-            <a:avLst/>
-          </a:prstGeom>
-          <a:solidFill>
-            <a:schemeClr val="accent2"/>
-          </a:solidFill>
-        </p:spPr>
-        <p:style>
-          <a:lnRef idx="2">
-            <a:schemeClr val="accent1">
-              <a:shade val="50000"/>
-            </a:schemeClr>
-          </a:lnRef>
-          <a:fillRef idx="1">
-            <a:schemeClr val="accent1"/>
-          </a:fillRef>
-          <a:effectRef idx="0">
-            <a:schemeClr val="accent1"/>
-          </a:effectRef>
-          <a:fontRef idx="minor">
-            <a:schemeClr val="lt1"/>
-          </a:fontRef>
-        </p:style>
-        <p:txBody>
-          <a:bodyPr rtlCol="0" anchor="ctr"/>
-          <a:lstStyle/>
-          <a:p>
-            <a:pPr algn="ctr"/>
-            <a:endParaRPr lang="fr-FR" sz="2000" dirty="0"/>
-          </a:p>
-        </p:txBody>
-      </p:sp>
-      <p:sp>
-        <p:nvSpPr>
-          <p:cNvPr id="6" name="Rectangle 5">
-            <a:extLst>
-              <a:ext uri="{FF2B5EF4-FFF2-40B4-BE49-F238E27FC236}">
-                <a16:creationId xmlns:a16="http://schemas.microsoft.com/office/drawing/2014/main" id="{0436BBB8-5625-4B04-B745-D8FA22D2B4A1}"/>
-              </a:ext>
-            </a:extLst>
-          </p:cNvPr>
-          <p:cNvSpPr/>
-          <p:nvPr/>
-        </p:nvSpPr>
-        <p:spPr>
-          <a:xfrm>
-            <a:off x="649317" y="3353315"/>
-            <a:ext cx="1330349" cy="487279"/>
-          </a:xfrm>
-          <a:prstGeom prst="rect">
-            <a:avLst/>
-          </a:prstGeom>
-          <a:solidFill>
-            <a:schemeClr val="accent2"/>
-          </a:solidFill>
-        </p:spPr>
-        <p:style>
-          <a:lnRef idx="2">
-            <a:schemeClr val="accent1">
-              <a:shade val="50000"/>
-            </a:schemeClr>
-          </a:lnRef>
-          <a:fillRef idx="1">
-            <a:schemeClr val="accent1"/>
-          </a:fillRef>
-          <a:effectRef idx="0">
-            <a:schemeClr val="accent1"/>
-          </a:effectRef>
-          <a:fontRef idx="minor">
-            <a:schemeClr val="lt1"/>
-          </a:fontRef>
-        </p:style>
-        <p:txBody>
-          <a:bodyPr rtlCol="0" anchor="ctr"/>
-          <a:lstStyle/>
-          <a:p>
-            <a:pPr algn="ctr"/>
-            <a:endParaRPr lang="fr-FR" sz="1013"/>
-          </a:p>
-        </p:txBody>
-      </p:sp>
-      <p:sp>
-        <p:nvSpPr>
-          <p:cNvPr id="7" name="Rectangle 6">
-            <a:extLst>
-              <a:ext uri="{FF2B5EF4-FFF2-40B4-BE49-F238E27FC236}">
-                <a16:creationId xmlns:a16="http://schemas.microsoft.com/office/drawing/2014/main" id="{CEA547BA-880E-4CFF-8981-2FD163B8D239}"/>
-              </a:ext>
-            </a:extLst>
-          </p:cNvPr>
-          <p:cNvSpPr/>
-          <p:nvPr/>
-        </p:nvSpPr>
-        <p:spPr>
-          <a:xfrm>
-            <a:off x="4648165" y="3329843"/>
-            <a:ext cx="1330349" cy="533366"/>
-          </a:xfrm>
-          <a:prstGeom prst="rect">
-            <a:avLst/>
-          </a:prstGeom>
-        </p:spPr>
-        <p:style>
-          <a:lnRef idx="2">
-            <a:schemeClr val="accent1">
-              <a:shade val="50000"/>
-            </a:schemeClr>
-          </a:lnRef>
-          <a:fillRef idx="1">
-            <a:schemeClr val="accent1"/>
-          </a:fillRef>
-          <a:effectRef idx="0">
-            <a:schemeClr val="accent1"/>
-          </a:effectRef>
-          <a:fontRef idx="minor">
-            <a:schemeClr val="lt1"/>
-          </a:fontRef>
-        </p:style>
-        <p:txBody>
-          <a:bodyPr rtlCol="0" anchor="ctr"/>
-          <a:lstStyle/>
-          <a:p>
-            <a:pPr algn="ctr"/>
-            <a:endParaRPr lang="fr-FR" sz="1013"/>
-          </a:p>
-        </p:txBody>
-      </p:sp>
-      <p:sp>
-        <p:nvSpPr>
-          <p:cNvPr id="10" name="Rectangle : coins arrondis 9">
-            <a:extLst>
-              <a:ext uri="{FF2B5EF4-FFF2-40B4-BE49-F238E27FC236}">
-                <a16:creationId xmlns:a16="http://schemas.microsoft.com/office/drawing/2014/main" id="{EBB15A90-F119-4509-9DD1-7A961FD3FD31}"/>
-              </a:ext>
-            </a:extLst>
-          </p:cNvPr>
-          <p:cNvSpPr/>
-          <p:nvPr/>
-        </p:nvSpPr>
-        <p:spPr>
-          <a:xfrm>
-            <a:off x="3111774" y="3334298"/>
-            <a:ext cx="1332653" cy="533367"/>
-          </a:xfrm>
-          <a:prstGeom prst="roundRect">
-            <a:avLst/>
-          </a:prstGeom>
-          <a:solidFill>
-            <a:schemeClr val="accent1"/>
-          </a:solidFill>
-        </p:spPr>
-        <p:style>
-          <a:lnRef idx="2">
-            <a:schemeClr val="accent1">
-              <a:shade val="50000"/>
-            </a:schemeClr>
-          </a:lnRef>
-          <a:fillRef idx="1">
-            <a:schemeClr val="accent1"/>
-          </a:fillRef>
-          <a:effectRef idx="0">
-            <a:schemeClr val="accent1"/>
-          </a:effectRef>
-          <a:fontRef idx="minor">
-            <a:schemeClr val="lt1"/>
-          </a:fontRef>
-        </p:style>
-        <p:txBody>
-          <a:bodyPr rtlCol="0" anchor="ctr"/>
-          <a:lstStyle/>
-          <a:p>
-            <a:pPr algn="ctr"/>
-            <a:endParaRPr lang="fr-FR" sz="2000" dirty="0"/>
-          </a:p>
-        </p:txBody>
-      </p:sp>
-      <p:sp>
-        <p:nvSpPr>
-          <p:cNvPr id="17" name="Rectangle 16">
-            <a:extLst>
-              <a:ext uri="{FF2B5EF4-FFF2-40B4-BE49-F238E27FC236}">
-                <a16:creationId xmlns:a16="http://schemas.microsoft.com/office/drawing/2014/main" id="{4C4AC5BB-907A-4B92-ACE3-1BCEBC3020AB}"/>
-              </a:ext>
-            </a:extLst>
-          </p:cNvPr>
-          <p:cNvSpPr/>
-          <p:nvPr/>
-        </p:nvSpPr>
-        <p:spPr>
-          <a:xfrm rot="2659627">
-            <a:off x="1015563" y="1622371"/>
-            <a:ext cx="405000" cy="405000"/>
-          </a:xfrm>
-          <a:prstGeom prst="rect">
-            <a:avLst/>
-          </a:prstGeom>
-          <a:solidFill>
-            <a:schemeClr val="accent2"/>
-          </a:solidFill>
-        </p:spPr>
-        <p:style>
-          <a:lnRef idx="2">
-            <a:schemeClr val="accent1">
-              <a:shade val="50000"/>
-            </a:schemeClr>
-          </a:lnRef>
-          <a:fillRef idx="1">
-            <a:schemeClr val="accent1"/>
-          </a:fillRef>
-          <a:effectRef idx="0">
-            <a:schemeClr val="accent1"/>
-          </a:effectRef>
-          <a:fontRef idx="minor">
-            <a:schemeClr val="lt1"/>
-          </a:fontRef>
-        </p:style>
-        <p:txBody>
-          <a:bodyPr rtlCol="0" anchor="ctr"/>
-          <a:lstStyle/>
-          <a:p>
-            <a:pPr algn="ctr"/>
-            <a:endParaRPr lang="fr-FR" sz="1013"/>
-          </a:p>
-        </p:txBody>
-      </p:sp>
-      <p:pic>
-        <p:nvPicPr>
-          <p:cNvPr id="19" name="Graphique 18" descr="Visage au large sourire avec remplissage solide avec un remplissage uni">
-            <a:extLst>
-              <a:ext uri="{FF2B5EF4-FFF2-40B4-BE49-F238E27FC236}">
-                <a16:creationId xmlns:a16="http://schemas.microsoft.com/office/drawing/2014/main" id="{2904B3E9-0311-4216-820B-5D0957EEC9C6}"/>
-              </a:ext>
-            </a:extLst>
-          </p:cNvPr>
-          <p:cNvPicPr>
-            <a:picLocks noChangeAspect="1"/>
-          </p:cNvPicPr>
-          <p:nvPr/>
-        </p:nvPicPr>
-        <p:blipFill>
-          <a:blip r:embed="rId2">
-            <a:extLst>
-              <a:ext uri="{28A0092B-C50C-407E-A947-70E740481C1C}">
-                <a14:useLocalDpi xmlns:a14="http://schemas.microsoft.com/office/drawing/2010/main" val="0"/>
-              </a:ext>
-              <a:ext uri="{96DAC541-7B7A-43D3-8B79-37D633B846F1}">
-                <asvg:svgBlip xmlns:asvg="http://schemas.microsoft.com/office/drawing/2016/SVG/main" r:embed="rId3"/>
-              </a:ext>
-            </a:extLst>
-          </a:blip>
-          <a:stretch>
-            <a:fillRect/>
-          </a:stretch>
-        </p:blipFill>
-        <p:spPr>
-          <a:xfrm>
-            <a:off x="2235137" y="959233"/>
-            <a:ext cx="642316" cy="642316"/>
-          </a:xfrm>
-          <a:prstGeom prst="rect">
-            <a:avLst/>
-          </a:prstGeom>
-        </p:spPr>
-      </p:pic>
-      <p:pic>
-        <p:nvPicPr>
-          <p:cNvPr id="21" name="Graphique 20" descr="Écran avec un remplissage uni">
-            <a:extLst>
-              <a:ext uri="{FF2B5EF4-FFF2-40B4-BE49-F238E27FC236}">
-                <a16:creationId xmlns:a16="http://schemas.microsoft.com/office/drawing/2014/main" id="{42931361-1CE6-4E4A-916D-BB6545ABC8AE}"/>
-              </a:ext>
-            </a:extLst>
-          </p:cNvPr>
-          <p:cNvPicPr>
-            <a:picLocks noChangeAspect="1"/>
-          </p:cNvPicPr>
-          <p:nvPr/>
-        </p:nvPicPr>
-        <p:blipFill>
-          <a:blip r:embed="rId4">
-            <a:extLst>
-              <a:ext uri="{28A0092B-C50C-407E-A947-70E740481C1C}">
-                <a14:useLocalDpi xmlns:a14="http://schemas.microsoft.com/office/drawing/2010/main" val="0"/>
-              </a:ext>
-              <a:ext uri="{96DAC541-7B7A-43D3-8B79-37D633B846F1}">
-                <asvg:svgBlip xmlns:asvg="http://schemas.microsoft.com/office/drawing/2016/SVG/main" r:embed="rId5"/>
-              </a:ext>
-            </a:extLst>
-          </a:blip>
-          <a:stretch>
-            <a:fillRect/>
-          </a:stretch>
-        </p:blipFill>
-        <p:spPr>
-          <a:xfrm>
-            <a:off x="4648760" y="3319206"/>
-            <a:ext cx="514350" cy="563549"/>
-          </a:xfrm>
-          <a:prstGeom prst="rect">
-            <a:avLst/>
-          </a:prstGeom>
-        </p:spPr>
-      </p:pic>
-      <p:pic>
-        <p:nvPicPr>
-          <p:cNvPr id="23" name="Graphique 22" descr="Personne confuse avec un remplissage uni">
-            <a:extLst>
-              <a:ext uri="{FF2B5EF4-FFF2-40B4-BE49-F238E27FC236}">
-                <a16:creationId xmlns:a16="http://schemas.microsoft.com/office/drawing/2014/main" id="{B87845A2-CD3C-441F-A548-D82C533003AC}"/>
-              </a:ext>
-            </a:extLst>
-          </p:cNvPr>
-          <p:cNvPicPr>
-            <a:picLocks noChangeAspect="1"/>
-          </p:cNvPicPr>
-          <p:nvPr/>
-        </p:nvPicPr>
-        <p:blipFill>
-          <a:blip r:embed="rId6">
-            <a:extLst>
-              <a:ext uri="{28A0092B-C50C-407E-A947-70E740481C1C}">
-                <a14:useLocalDpi xmlns:a14="http://schemas.microsoft.com/office/drawing/2010/main" val="0"/>
-              </a:ext>
-              <a:ext uri="{96DAC541-7B7A-43D3-8B79-37D633B846F1}">
-                <asvg:svgBlip xmlns:asvg="http://schemas.microsoft.com/office/drawing/2016/SVG/main" r:embed="rId7"/>
-              </a:ext>
-            </a:extLst>
-          </a:blip>
-          <a:stretch>
-            <a:fillRect/>
-          </a:stretch>
-        </p:blipFill>
-        <p:spPr>
-          <a:xfrm>
-            <a:off x="1019397" y="1622475"/>
-            <a:ext cx="397327" cy="397327"/>
-          </a:xfrm>
-          <a:prstGeom prst="rect">
-            <a:avLst/>
-          </a:prstGeom>
-        </p:spPr>
-      </p:pic>
-      <p:pic>
-        <p:nvPicPr>
-          <p:cNvPr id="27" name="Graphique 26" descr="Cerveau avec un remplissage uni">
-            <a:extLst>
-              <a:ext uri="{FF2B5EF4-FFF2-40B4-BE49-F238E27FC236}">
-                <a16:creationId xmlns:a16="http://schemas.microsoft.com/office/drawing/2014/main" id="{91149C9C-7517-4674-AB57-35875C970460}"/>
-              </a:ext>
-            </a:extLst>
-          </p:cNvPr>
-          <p:cNvPicPr>
-            <a:picLocks noChangeAspect="1"/>
-          </p:cNvPicPr>
-          <p:nvPr/>
-        </p:nvPicPr>
-        <p:blipFill>
-          <a:blip r:embed="rId8">
-            <a:extLst>
-              <a:ext uri="{28A0092B-C50C-407E-A947-70E740481C1C}">
-                <a14:useLocalDpi xmlns:a14="http://schemas.microsoft.com/office/drawing/2010/main" val="0"/>
-              </a:ext>
-              <a:ext uri="{96DAC541-7B7A-43D3-8B79-37D633B846F1}">
-                <asvg:svgBlip xmlns:asvg="http://schemas.microsoft.com/office/drawing/2016/SVG/main" r:embed="rId9"/>
-              </a:ext>
-            </a:extLst>
-          </a:blip>
-          <a:stretch>
-            <a:fillRect/>
-          </a:stretch>
-        </p:blipFill>
-        <p:spPr>
-          <a:xfrm>
-            <a:off x="657051" y="3353315"/>
-            <a:ext cx="514350" cy="514350"/>
-          </a:xfrm>
-          <a:prstGeom prst="rect">
-            <a:avLst/>
-          </a:prstGeom>
-        </p:spPr>
-      </p:pic>
-      <p:pic>
-        <p:nvPicPr>
-          <p:cNvPr id="29" name="Graphique 28" descr="Liste de contrôle avec un remplissage uni">
-            <a:extLst>
-              <a:ext uri="{FF2B5EF4-FFF2-40B4-BE49-F238E27FC236}">
-                <a16:creationId xmlns:a16="http://schemas.microsoft.com/office/drawing/2014/main" id="{062CE8EF-8077-4390-AA12-BE4BC87EFE65}"/>
-              </a:ext>
-            </a:extLst>
-          </p:cNvPr>
-          <p:cNvPicPr>
-            <a:picLocks noChangeAspect="1"/>
-          </p:cNvPicPr>
-          <p:nvPr/>
-        </p:nvPicPr>
-        <p:blipFill>
-          <a:blip r:embed="rId10">
-            <a:extLst>
-              <a:ext uri="{28A0092B-C50C-407E-A947-70E740481C1C}">
-                <a14:useLocalDpi xmlns:a14="http://schemas.microsoft.com/office/drawing/2010/main" val="0"/>
-              </a:ext>
-              <a:ext uri="{96DAC541-7B7A-43D3-8B79-37D633B846F1}">
-                <asvg:svgBlip xmlns:asvg="http://schemas.microsoft.com/office/drawing/2016/SVG/main" r:embed="rId11"/>
-              </a:ext>
-            </a:extLst>
-          </a:blip>
-          <a:stretch>
-            <a:fillRect/>
-          </a:stretch>
-        </p:blipFill>
-        <p:spPr>
-          <a:xfrm>
-            <a:off x="3111774" y="3389465"/>
-            <a:ext cx="478200" cy="478200"/>
-          </a:xfrm>
-          <a:prstGeom prst="rect">
-            <a:avLst/>
-          </a:prstGeom>
-        </p:spPr>
-      </p:pic>
-      <p:sp>
-        <p:nvSpPr>
-          <p:cNvPr id="30" name="Ellipse 29">
-            <a:extLst>
-              <a:ext uri="{FF2B5EF4-FFF2-40B4-BE49-F238E27FC236}">
-                <a16:creationId xmlns:a16="http://schemas.microsoft.com/office/drawing/2014/main" id="{D5F18824-E77B-4D30-A810-E5532ACFE249}"/>
-              </a:ext>
-            </a:extLst>
-          </p:cNvPr>
-          <p:cNvSpPr/>
-          <p:nvPr/>
-        </p:nvSpPr>
-        <p:spPr>
-          <a:xfrm>
-            <a:off x="2204557" y="1700950"/>
-            <a:ext cx="703479" cy="657723"/>
-          </a:xfrm>
-          <a:prstGeom prst="ellipse">
-            <a:avLst/>
-          </a:prstGeom>
-          <a:solidFill>
-            <a:schemeClr val="accent2"/>
-          </a:solidFill>
-        </p:spPr>
-        <p:style>
-          <a:lnRef idx="2">
-            <a:schemeClr val="accent1">
-              <a:shade val="50000"/>
-            </a:schemeClr>
-          </a:lnRef>
-          <a:fillRef idx="1">
-            <a:schemeClr val="accent1"/>
-          </a:fillRef>
-          <a:effectRef idx="0">
-            <a:schemeClr val="accent1"/>
-          </a:effectRef>
-          <a:fontRef idx="minor">
-            <a:schemeClr val="lt1"/>
-          </a:fontRef>
-        </p:style>
-        <p:txBody>
-          <a:bodyPr rtlCol="0" anchor="ctr"/>
-          <a:lstStyle/>
-          <a:p>
-            <a:pPr algn="ctr"/>
-            <a:endParaRPr lang="fr-FR" sz="2000" dirty="0"/>
-          </a:p>
-        </p:txBody>
-      </p:sp>
-      <p:sp>
-        <p:nvSpPr>
-          <p:cNvPr id="31" name="Ellipse 30">
-            <a:extLst>
-              <a:ext uri="{FF2B5EF4-FFF2-40B4-BE49-F238E27FC236}">
-                <a16:creationId xmlns:a16="http://schemas.microsoft.com/office/drawing/2014/main" id="{3F17DCAE-C4BC-41B0-8BE9-06CCA0B896F7}"/>
-              </a:ext>
-            </a:extLst>
-          </p:cNvPr>
-          <p:cNvSpPr/>
-          <p:nvPr/>
-        </p:nvSpPr>
-        <p:spPr>
-          <a:xfrm>
-            <a:off x="2204557" y="2450370"/>
-            <a:ext cx="703479" cy="657723"/>
-          </a:xfrm>
-          <a:prstGeom prst="ellipse">
-            <a:avLst/>
-          </a:prstGeom>
-          <a:solidFill>
-            <a:schemeClr val="accent2"/>
-          </a:solidFill>
-        </p:spPr>
-        <p:style>
-          <a:lnRef idx="2">
-            <a:schemeClr val="accent1">
-              <a:shade val="50000"/>
-            </a:schemeClr>
-          </a:lnRef>
-          <a:fillRef idx="1">
-            <a:schemeClr val="accent1"/>
-          </a:fillRef>
-          <a:effectRef idx="0">
-            <a:schemeClr val="accent1"/>
-          </a:effectRef>
-          <a:fontRef idx="minor">
-            <a:schemeClr val="lt1"/>
-          </a:fontRef>
-        </p:style>
-        <p:txBody>
-          <a:bodyPr rtlCol="0" anchor="ctr"/>
-          <a:lstStyle/>
-          <a:p>
-            <a:pPr algn="ctr"/>
-            <a:endParaRPr lang="fr-FR" sz="900" dirty="0"/>
-          </a:p>
-        </p:txBody>
-      </p:sp>
-      <p:pic>
-        <p:nvPicPr>
-          <p:cNvPr id="33" name="Graphique 32" descr="Nuage avec un remplissage uni">
-            <a:extLst>
-              <a:ext uri="{FF2B5EF4-FFF2-40B4-BE49-F238E27FC236}">
-                <a16:creationId xmlns:a16="http://schemas.microsoft.com/office/drawing/2014/main" id="{55EC19BA-348E-43B2-BB51-6EA8968AF436}"/>
-              </a:ext>
-            </a:extLst>
-          </p:cNvPr>
-          <p:cNvPicPr>
-            <a:picLocks noChangeAspect="1"/>
-          </p:cNvPicPr>
-          <p:nvPr/>
-        </p:nvPicPr>
-        <p:blipFill>
-          <a:blip r:embed="rId12">
-            <a:extLst>
-              <a:ext uri="{28A0092B-C50C-407E-A947-70E740481C1C}">
-                <a14:useLocalDpi xmlns:a14="http://schemas.microsoft.com/office/drawing/2010/main" val="0"/>
-              </a:ext>
-              <a:ext uri="{96DAC541-7B7A-43D3-8B79-37D633B846F1}">
-                <asvg:svgBlip xmlns:asvg="http://schemas.microsoft.com/office/drawing/2016/SVG/main" r:embed="rId13"/>
-              </a:ext>
-            </a:extLst>
-          </a:blip>
-          <a:stretch>
-            <a:fillRect/>
-          </a:stretch>
-        </p:blipFill>
-        <p:spPr>
-          <a:xfrm>
-            <a:off x="2252891" y="2450620"/>
-            <a:ext cx="622305" cy="622305"/>
-          </a:xfrm>
-          <a:prstGeom prst="rect">
-            <a:avLst/>
-          </a:prstGeom>
-        </p:spPr>
-      </p:pic>
-      <p:pic>
-        <p:nvPicPr>
-          <p:cNvPr id="34" name="Graphique 33" descr="Visage au large sourire avec remplissage solide avec un remplissage uni">
-            <a:extLst>
-              <a:ext uri="{FF2B5EF4-FFF2-40B4-BE49-F238E27FC236}">
-                <a16:creationId xmlns:a16="http://schemas.microsoft.com/office/drawing/2014/main" id="{D46B5786-1B71-44DF-823A-D290C7DF3736}"/>
-              </a:ext>
-            </a:extLst>
-          </p:cNvPr>
-          <p:cNvPicPr>
-            <a:picLocks noChangeAspect="1"/>
-          </p:cNvPicPr>
-          <p:nvPr/>
-        </p:nvPicPr>
-        <p:blipFill>
-          <a:blip r:embed="rId2">
-            <a:extLst>
-              <a:ext uri="{28A0092B-C50C-407E-A947-70E740481C1C}">
-                <a14:useLocalDpi xmlns:a14="http://schemas.microsoft.com/office/drawing/2010/main" val="0"/>
-              </a:ext>
-              <a:ext uri="{96DAC541-7B7A-43D3-8B79-37D633B846F1}">
-                <asvg:svgBlip xmlns:asvg="http://schemas.microsoft.com/office/drawing/2016/SVG/main" r:embed="rId3"/>
-              </a:ext>
-            </a:extLst>
-          </a:blip>
-          <a:stretch>
-            <a:fillRect/>
-          </a:stretch>
-        </p:blipFill>
-        <p:spPr>
-          <a:xfrm>
-            <a:off x="2235137" y="1716357"/>
-            <a:ext cx="642316" cy="642316"/>
-          </a:xfrm>
-          <a:prstGeom prst="rect">
-            <a:avLst/>
-          </a:prstGeom>
-        </p:spPr>
-      </p:pic>
-      <p:sp>
-        <p:nvSpPr>
-          <p:cNvPr id="35" name="Rectangle 34">
-            <a:extLst>
-              <a:ext uri="{FF2B5EF4-FFF2-40B4-BE49-F238E27FC236}">
-                <a16:creationId xmlns:a16="http://schemas.microsoft.com/office/drawing/2014/main" id="{FF9E3023-9581-4B6D-B5D2-630C7A7A43E9}"/>
-              </a:ext>
-            </a:extLst>
-          </p:cNvPr>
-          <p:cNvSpPr/>
-          <p:nvPr/>
-        </p:nvSpPr>
-        <p:spPr>
-          <a:xfrm rot="2659627">
-            <a:off x="1335482" y="1948205"/>
-            <a:ext cx="405000" cy="405000"/>
-          </a:xfrm>
-          <a:prstGeom prst="rect">
-            <a:avLst/>
-          </a:prstGeom>
-          <a:solidFill>
-            <a:schemeClr val="accent2"/>
-          </a:solidFill>
-        </p:spPr>
-        <p:style>
-          <a:lnRef idx="2">
-            <a:schemeClr val="accent1">
-              <a:shade val="50000"/>
-            </a:schemeClr>
-          </a:lnRef>
-          <a:fillRef idx="1">
-            <a:schemeClr val="accent1"/>
-          </a:fillRef>
-          <a:effectRef idx="0">
-            <a:schemeClr val="accent1"/>
-          </a:effectRef>
-          <a:fontRef idx="minor">
-            <a:schemeClr val="lt1"/>
-          </a:fontRef>
-        </p:style>
-        <p:txBody>
-          <a:bodyPr rtlCol="0" anchor="ctr"/>
-          <a:lstStyle/>
-          <a:p>
-            <a:pPr algn="ctr"/>
-            <a:endParaRPr lang="fr-FR" sz="1013"/>
-          </a:p>
-        </p:txBody>
-      </p:sp>
-      <p:pic>
-        <p:nvPicPr>
-          <p:cNvPr id="36" name="Graphique 35" descr="Personne confuse avec un remplissage uni">
-            <a:extLst>
-              <a:ext uri="{FF2B5EF4-FFF2-40B4-BE49-F238E27FC236}">
-                <a16:creationId xmlns:a16="http://schemas.microsoft.com/office/drawing/2014/main" id="{DC6E0B32-C794-4F1E-8EB2-BC3298891EBF}"/>
-              </a:ext>
-            </a:extLst>
-          </p:cNvPr>
-          <p:cNvPicPr>
-            <a:picLocks noChangeAspect="1"/>
-          </p:cNvPicPr>
-          <p:nvPr/>
-        </p:nvPicPr>
-        <p:blipFill>
-          <a:blip r:embed="rId6">
-            <a:extLst>
-              <a:ext uri="{28A0092B-C50C-407E-A947-70E740481C1C}">
-                <a14:useLocalDpi xmlns:a14="http://schemas.microsoft.com/office/drawing/2010/main" val="0"/>
-              </a:ext>
-              <a:ext uri="{96DAC541-7B7A-43D3-8B79-37D633B846F1}">
-                <asvg:svgBlip xmlns:asvg="http://schemas.microsoft.com/office/drawing/2016/SVG/main" r:embed="rId7"/>
-              </a:ext>
-            </a:extLst>
-          </a:blip>
-          <a:stretch>
-            <a:fillRect/>
-          </a:stretch>
-        </p:blipFill>
-        <p:spPr>
-          <a:xfrm>
-            <a:off x="1339318" y="1952469"/>
-            <a:ext cx="397327" cy="397327"/>
-          </a:xfrm>
-          <a:prstGeom prst="rect">
-            <a:avLst/>
-          </a:prstGeom>
-        </p:spPr>
-      </p:pic>
-      <p:sp>
-        <p:nvSpPr>
-          <p:cNvPr id="37" name="Rectangle 36">
-            <a:extLst>
-              <a:ext uri="{FF2B5EF4-FFF2-40B4-BE49-F238E27FC236}">
-                <a16:creationId xmlns:a16="http://schemas.microsoft.com/office/drawing/2014/main" id="{FF758471-F63E-4BD9-94EE-93B1451BC76A}"/>
-              </a:ext>
-            </a:extLst>
-          </p:cNvPr>
-          <p:cNvSpPr/>
-          <p:nvPr/>
-        </p:nvSpPr>
-        <p:spPr>
-          <a:xfrm rot="2659627">
-            <a:off x="1015562" y="2276300"/>
-            <a:ext cx="405000" cy="405000"/>
-          </a:xfrm>
-          <a:prstGeom prst="rect">
-            <a:avLst/>
-          </a:prstGeom>
-          <a:solidFill>
-            <a:schemeClr val="accent2"/>
-          </a:solidFill>
-        </p:spPr>
-        <p:style>
-          <a:lnRef idx="2">
-            <a:schemeClr val="accent1">
-              <a:shade val="50000"/>
-            </a:schemeClr>
-          </a:lnRef>
-          <a:fillRef idx="1">
-            <a:schemeClr val="accent1"/>
-          </a:fillRef>
-          <a:effectRef idx="0">
-            <a:schemeClr val="accent1"/>
-          </a:effectRef>
-          <a:fontRef idx="minor">
-            <a:schemeClr val="lt1"/>
-          </a:fontRef>
-        </p:style>
-        <p:txBody>
-          <a:bodyPr rtlCol="0" anchor="ctr"/>
-          <a:lstStyle/>
-          <a:p>
-            <a:pPr algn="ctr"/>
-            <a:endParaRPr lang="fr-FR" sz="1013"/>
-          </a:p>
-        </p:txBody>
-      </p:sp>
-      <p:pic>
-        <p:nvPicPr>
-          <p:cNvPr id="38" name="Graphique 37" descr="Personne confuse avec un remplissage uni">
-            <a:extLst>
-              <a:ext uri="{FF2B5EF4-FFF2-40B4-BE49-F238E27FC236}">
-                <a16:creationId xmlns:a16="http://schemas.microsoft.com/office/drawing/2014/main" id="{32B54F7D-6A94-4FAE-8A9D-F8BD675CCE3F}"/>
-              </a:ext>
-            </a:extLst>
-          </p:cNvPr>
-          <p:cNvPicPr>
-            <a:picLocks noChangeAspect="1"/>
-          </p:cNvPicPr>
-          <p:nvPr/>
-        </p:nvPicPr>
-        <p:blipFill>
-          <a:blip r:embed="rId6">
-            <a:extLst>
-              <a:ext uri="{28A0092B-C50C-407E-A947-70E740481C1C}">
-                <a14:useLocalDpi xmlns:a14="http://schemas.microsoft.com/office/drawing/2010/main" val="0"/>
-              </a:ext>
-              <a:ext uri="{96DAC541-7B7A-43D3-8B79-37D633B846F1}">
-                <asvg:svgBlip xmlns:asvg="http://schemas.microsoft.com/office/drawing/2016/SVG/main" r:embed="rId7"/>
-              </a:ext>
-            </a:extLst>
-          </a:blip>
-          <a:stretch>
-            <a:fillRect/>
-          </a:stretch>
-        </p:blipFill>
-        <p:spPr>
-          <a:xfrm>
-            <a:off x="1019398" y="2280564"/>
-            <a:ext cx="397327" cy="397327"/>
-          </a:xfrm>
-          <a:prstGeom prst="rect">
-            <a:avLst/>
-          </a:prstGeom>
-        </p:spPr>
-      </p:pic>
-      <p:sp>
-        <p:nvSpPr>
-          <p:cNvPr id="39" name="Rectangle 38">
-            <a:extLst>
-              <a:ext uri="{FF2B5EF4-FFF2-40B4-BE49-F238E27FC236}">
-                <a16:creationId xmlns:a16="http://schemas.microsoft.com/office/drawing/2014/main" id="{24C97E63-6E2E-4EA6-AA58-7DD5D017C0B9}"/>
-              </a:ext>
-            </a:extLst>
-          </p:cNvPr>
-          <p:cNvSpPr/>
-          <p:nvPr/>
-        </p:nvSpPr>
-        <p:spPr>
-          <a:xfrm rot="2659627">
-            <a:off x="1328147" y="2606293"/>
-            <a:ext cx="405000" cy="405000"/>
-          </a:xfrm>
-          <a:prstGeom prst="rect">
-            <a:avLst/>
-          </a:prstGeom>
-          <a:solidFill>
-            <a:schemeClr val="accent2"/>
-          </a:solidFill>
-        </p:spPr>
-        <p:style>
-          <a:lnRef idx="2">
-            <a:schemeClr val="accent1">
-              <a:shade val="50000"/>
-            </a:schemeClr>
-          </a:lnRef>
-          <a:fillRef idx="1">
-            <a:schemeClr val="accent1"/>
-          </a:fillRef>
-          <a:effectRef idx="0">
-            <a:schemeClr val="accent1"/>
-          </a:effectRef>
-          <a:fontRef idx="minor">
-            <a:schemeClr val="lt1"/>
-          </a:fontRef>
-        </p:style>
-        <p:txBody>
-          <a:bodyPr rtlCol="0" anchor="ctr"/>
-          <a:lstStyle/>
-          <a:p>
-            <a:pPr algn="ctr"/>
-            <a:endParaRPr lang="fr-FR" sz="1013"/>
-          </a:p>
-        </p:txBody>
-      </p:sp>
-      <p:pic>
-        <p:nvPicPr>
-          <p:cNvPr id="40" name="Graphique 39" descr="Personne confuse avec un remplissage uni">
-            <a:extLst>
-              <a:ext uri="{FF2B5EF4-FFF2-40B4-BE49-F238E27FC236}">
-                <a16:creationId xmlns:a16="http://schemas.microsoft.com/office/drawing/2014/main" id="{05D7CD8E-C131-4D83-B536-828021245FB5}"/>
-              </a:ext>
-            </a:extLst>
-          </p:cNvPr>
-          <p:cNvPicPr>
-            <a:picLocks noChangeAspect="1"/>
-          </p:cNvPicPr>
-          <p:nvPr/>
-        </p:nvPicPr>
-        <p:blipFill>
-          <a:blip r:embed="rId6">
-            <a:extLst>
-              <a:ext uri="{28A0092B-C50C-407E-A947-70E740481C1C}">
-                <a14:useLocalDpi xmlns:a14="http://schemas.microsoft.com/office/drawing/2010/main" val="0"/>
-              </a:ext>
-              <a:ext uri="{96DAC541-7B7A-43D3-8B79-37D633B846F1}">
-                <asvg:svgBlip xmlns:asvg="http://schemas.microsoft.com/office/drawing/2016/SVG/main" r:embed="rId7"/>
-              </a:ext>
-            </a:extLst>
-          </a:blip>
-          <a:stretch>
-            <a:fillRect/>
-          </a:stretch>
-        </p:blipFill>
-        <p:spPr>
-          <a:xfrm>
-            <a:off x="1331983" y="2610557"/>
-            <a:ext cx="397327" cy="397327"/>
-          </a:xfrm>
-          <a:prstGeom prst="rect">
-            <a:avLst/>
-          </a:prstGeom>
-        </p:spPr>
-      </p:pic>
-      <p:sp>
-        <p:nvSpPr>
-          <p:cNvPr id="41" name="Rectangle 40">
-            <a:extLst>
-              <a:ext uri="{FF2B5EF4-FFF2-40B4-BE49-F238E27FC236}">
-                <a16:creationId xmlns:a16="http://schemas.microsoft.com/office/drawing/2014/main" id="{79B0D879-485B-4400-953B-46E92B2C2A13}"/>
-              </a:ext>
-            </a:extLst>
-          </p:cNvPr>
-          <p:cNvSpPr/>
-          <p:nvPr/>
-        </p:nvSpPr>
-        <p:spPr>
-          <a:xfrm>
-            <a:off x="4916495" y="1776714"/>
-            <a:ext cx="405000" cy="405000"/>
-          </a:xfrm>
-          <a:prstGeom prst="rect">
-            <a:avLst/>
-          </a:prstGeom>
-        </p:spPr>
-        <p:style>
-          <a:lnRef idx="2">
-            <a:schemeClr val="accent1">
-              <a:shade val="50000"/>
-            </a:schemeClr>
-          </a:lnRef>
-          <a:fillRef idx="1">
-            <a:schemeClr val="accent1"/>
-          </a:fillRef>
-          <a:effectRef idx="0">
-            <a:schemeClr val="accent1"/>
-          </a:effectRef>
-          <a:fontRef idx="minor">
-            <a:schemeClr val="lt1"/>
-          </a:fontRef>
-        </p:style>
-        <p:txBody>
-          <a:bodyPr rtlCol="0" anchor="ctr"/>
-          <a:lstStyle/>
-          <a:p>
-            <a:pPr algn="ctr"/>
-            <a:endParaRPr lang="fr-FR" sz="1013"/>
-          </a:p>
-        </p:txBody>
-      </p:sp>
-      <p:pic>
-        <p:nvPicPr>
-          <p:cNvPr id="44" name="Graphique 43" descr="Yeux avec un remplissage uni">
-            <a:extLst>
-              <a:ext uri="{FF2B5EF4-FFF2-40B4-BE49-F238E27FC236}">
-                <a16:creationId xmlns:a16="http://schemas.microsoft.com/office/drawing/2014/main" id="{FEEF19A9-6037-4193-8BB4-9839E2384434}"/>
-              </a:ext>
-            </a:extLst>
-          </p:cNvPr>
-          <p:cNvPicPr>
-            <a:picLocks noChangeAspect="1"/>
-          </p:cNvPicPr>
-          <p:nvPr/>
-        </p:nvPicPr>
-        <p:blipFill>
-          <a:blip r:embed="rId14">
-            <a:extLst>
-              <a:ext uri="{28A0092B-C50C-407E-A947-70E740481C1C}">
-                <a14:useLocalDpi xmlns:a14="http://schemas.microsoft.com/office/drawing/2010/main" val="0"/>
-              </a:ext>
-              <a:ext uri="{96DAC541-7B7A-43D3-8B79-37D633B846F1}">
-                <asvg:svgBlip xmlns:asvg="http://schemas.microsoft.com/office/drawing/2016/SVG/main" r:embed="rId15"/>
-              </a:ext>
-            </a:extLst>
-          </a:blip>
-          <a:stretch>
-            <a:fillRect/>
-          </a:stretch>
-        </p:blipFill>
-        <p:spPr>
-          <a:xfrm>
-            <a:off x="4931034" y="1776714"/>
-            <a:ext cx="383126" cy="383126"/>
-          </a:xfrm>
-          <a:prstGeom prst="rect">
-            <a:avLst/>
-          </a:prstGeom>
-        </p:spPr>
-      </p:pic>
-      <p:pic>
-        <p:nvPicPr>
-          <p:cNvPr id="46" name="Graphique 45" descr="Flèche en cercle avec un remplissage uni">
-            <a:extLst>
-              <a:ext uri="{FF2B5EF4-FFF2-40B4-BE49-F238E27FC236}">
-                <a16:creationId xmlns:a16="http://schemas.microsoft.com/office/drawing/2014/main" id="{BF354DC1-0DF2-4730-A412-2EF5888C5E56}"/>
-              </a:ext>
-            </a:extLst>
-          </p:cNvPr>
-          <p:cNvPicPr>
-            <a:picLocks noChangeAspect="1"/>
-          </p:cNvPicPr>
-          <p:nvPr/>
-        </p:nvPicPr>
-        <p:blipFill>
-          <a:blip r:embed="rId16">
-            <a:extLst>
-              <a:ext uri="{28A0092B-C50C-407E-A947-70E740481C1C}">
-                <a14:useLocalDpi xmlns:a14="http://schemas.microsoft.com/office/drawing/2010/main" val="0"/>
-              </a:ext>
-              <a:ext uri="{96DAC541-7B7A-43D3-8B79-37D633B846F1}">
-                <asvg:svgBlip xmlns:asvg="http://schemas.microsoft.com/office/drawing/2016/SVG/main" r:embed="rId17"/>
-              </a:ext>
-            </a:extLst>
-          </a:blip>
-          <a:stretch>
-            <a:fillRect/>
-          </a:stretch>
-        </p:blipFill>
-        <p:spPr>
-          <a:xfrm>
-            <a:off x="649317" y="4674642"/>
-            <a:ext cx="737455" cy="737455"/>
-          </a:xfrm>
-          <a:prstGeom prst="rect">
-            <a:avLst/>
-          </a:prstGeom>
-        </p:spPr>
-      </p:pic>
-      <p:sp>
-        <p:nvSpPr>
-          <p:cNvPr id="47" name="Rectangle 46">
-            <a:extLst>
-              <a:ext uri="{FF2B5EF4-FFF2-40B4-BE49-F238E27FC236}">
-                <a16:creationId xmlns:a16="http://schemas.microsoft.com/office/drawing/2014/main" id="{281FEC57-C333-4084-8DF4-9D8ED653D82F}"/>
-              </a:ext>
-            </a:extLst>
-          </p:cNvPr>
-          <p:cNvSpPr/>
-          <p:nvPr/>
-        </p:nvSpPr>
-        <p:spPr>
-          <a:xfrm>
-            <a:off x="5380081" y="1776714"/>
-            <a:ext cx="405000" cy="405000"/>
-          </a:xfrm>
-          <a:prstGeom prst="rect">
-            <a:avLst/>
-          </a:prstGeom>
-        </p:spPr>
-        <p:style>
-          <a:lnRef idx="2">
-            <a:schemeClr val="accent1">
-              <a:shade val="50000"/>
-            </a:schemeClr>
-          </a:lnRef>
-          <a:fillRef idx="1">
-            <a:schemeClr val="accent1"/>
-          </a:fillRef>
-          <a:effectRef idx="0">
-            <a:schemeClr val="accent1"/>
-          </a:effectRef>
-          <a:fontRef idx="minor">
-            <a:schemeClr val="lt1"/>
-          </a:fontRef>
-        </p:style>
-        <p:txBody>
-          <a:bodyPr rtlCol="0" anchor="ctr"/>
-          <a:lstStyle/>
-          <a:p>
-            <a:pPr algn="ctr"/>
-            <a:endParaRPr lang="fr-FR" sz="1013"/>
-          </a:p>
-        </p:txBody>
-      </p:sp>
-      <p:pic>
-        <p:nvPicPr>
-          <p:cNvPr id="48" name="Graphique 47" descr="Yeux avec un remplissage uni">
-            <a:extLst>
-              <a:ext uri="{FF2B5EF4-FFF2-40B4-BE49-F238E27FC236}">
-                <a16:creationId xmlns:a16="http://schemas.microsoft.com/office/drawing/2014/main" id="{A642C0C7-2443-44C2-AA02-E8AE9BEFAADD}"/>
-              </a:ext>
-            </a:extLst>
-          </p:cNvPr>
-          <p:cNvPicPr>
-            <a:picLocks noChangeAspect="1"/>
-          </p:cNvPicPr>
-          <p:nvPr/>
-        </p:nvPicPr>
-        <p:blipFill>
-          <a:blip r:embed="rId14">
-            <a:extLst>
-              <a:ext uri="{28A0092B-C50C-407E-A947-70E740481C1C}">
-                <a14:useLocalDpi xmlns:a14="http://schemas.microsoft.com/office/drawing/2010/main" val="0"/>
-              </a:ext>
-              <a:ext uri="{96DAC541-7B7A-43D3-8B79-37D633B846F1}">
-                <asvg:svgBlip xmlns:asvg="http://schemas.microsoft.com/office/drawing/2016/SVG/main" r:embed="rId15"/>
-              </a:ext>
-            </a:extLst>
-          </a:blip>
-          <a:stretch>
-            <a:fillRect/>
-          </a:stretch>
-        </p:blipFill>
-        <p:spPr>
-          <a:xfrm>
-            <a:off x="5394620" y="1776714"/>
-            <a:ext cx="383126" cy="383126"/>
-          </a:xfrm>
-          <a:prstGeom prst="rect">
-            <a:avLst/>
-          </a:prstGeom>
-        </p:spPr>
-      </p:pic>
-      <p:sp>
-        <p:nvSpPr>
-          <p:cNvPr id="49" name="Rectangle 48">
-            <a:extLst>
-              <a:ext uri="{FF2B5EF4-FFF2-40B4-BE49-F238E27FC236}">
-                <a16:creationId xmlns:a16="http://schemas.microsoft.com/office/drawing/2014/main" id="{9644363B-4CE6-46C8-B61E-A1C07D97E647}"/>
-              </a:ext>
-            </a:extLst>
-          </p:cNvPr>
-          <p:cNvSpPr/>
-          <p:nvPr/>
-        </p:nvSpPr>
-        <p:spPr>
-          <a:xfrm>
-            <a:off x="4909160" y="2255788"/>
-            <a:ext cx="405000" cy="405000"/>
-          </a:xfrm>
-          <a:prstGeom prst="rect">
-            <a:avLst/>
-          </a:prstGeom>
-        </p:spPr>
-        <p:style>
-          <a:lnRef idx="2">
-            <a:schemeClr val="accent1">
-              <a:shade val="50000"/>
-            </a:schemeClr>
-          </a:lnRef>
-          <a:fillRef idx="1">
-            <a:schemeClr val="accent1"/>
-          </a:fillRef>
-          <a:effectRef idx="0">
-            <a:schemeClr val="accent1"/>
-          </a:effectRef>
-          <a:fontRef idx="minor">
-            <a:schemeClr val="lt1"/>
-          </a:fontRef>
-        </p:style>
-        <p:txBody>
-          <a:bodyPr rtlCol="0" anchor="ctr"/>
-          <a:lstStyle/>
-          <a:p>
-            <a:pPr algn="ctr"/>
-            <a:endParaRPr lang="fr-FR" sz="1013"/>
-          </a:p>
-        </p:txBody>
-      </p:sp>
-      <p:pic>
-        <p:nvPicPr>
-          <p:cNvPr id="50" name="Graphique 49" descr="Yeux avec un remplissage uni">
-            <a:extLst>
-              <a:ext uri="{FF2B5EF4-FFF2-40B4-BE49-F238E27FC236}">
-                <a16:creationId xmlns:a16="http://schemas.microsoft.com/office/drawing/2014/main" id="{F0C14BDC-2843-4C4C-9921-9D92AF0607ED}"/>
-              </a:ext>
-            </a:extLst>
-          </p:cNvPr>
-          <p:cNvPicPr>
-            <a:picLocks noChangeAspect="1"/>
-          </p:cNvPicPr>
-          <p:nvPr/>
-        </p:nvPicPr>
-        <p:blipFill>
-          <a:blip r:embed="rId14">
-            <a:extLst>
-              <a:ext uri="{28A0092B-C50C-407E-A947-70E740481C1C}">
-                <a14:useLocalDpi xmlns:a14="http://schemas.microsoft.com/office/drawing/2010/main" val="0"/>
-              </a:ext>
-              <a:ext uri="{96DAC541-7B7A-43D3-8B79-37D633B846F1}">
-                <asvg:svgBlip xmlns:asvg="http://schemas.microsoft.com/office/drawing/2016/SVG/main" r:embed="rId15"/>
-              </a:ext>
-            </a:extLst>
-          </a:blip>
-          <a:stretch>
-            <a:fillRect/>
-          </a:stretch>
-        </p:blipFill>
-        <p:spPr>
-          <a:xfrm>
-            <a:off x="4909159" y="2255788"/>
-            <a:ext cx="383126" cy="383126"/>
-          </a:xfrm>
-          <a:prstGeom prst="rect">
-            <a:avLst/>
-          </a:prstGeom>
-        </p:spPr>
-      </p:pic>
-      <p:sp>
-        <p:nvSpPr>
-          <p:cNvPr id="51" name="Rectangle 50">
-            <a:extLst>
-              <a:ext uri="{FF2B5EF4-FFF2-40B4-BE49-F238E27FC236}">
-                <a16:creationId xmlns:a16="http://schemas.microsoft.com/office/drawing/2014/main" id="{5B0036A0-9E14-4F35-A6BB-A76B77A3D6DB}"/>
-              </a:ext>
-            </a:extLst>
-          </p:cNvPr>
-          <p:cNvSpPr/>
-          <p:nvPr/>
-        </p:nvSpPr>
-        <p:spPr>
-          <a:xfrm>
-            <a:off x="5380081" y="2255788"/>
-            <a:ext cx="405000" cy="405000"/>
-          </a:xfrm>
-          <a:prstGeom prst="rect">
-            <a:avLst/>
-          </a:prstGeom>
-        </p:spPr>
-        <p:style>
-          <a:lnRef idx="2">
-            <a:schemeClr val="accent1">
-              <a:shade val="50000"/>
-            </a:schemeClr>
-          </a:lnRef>
-          <a:fillRef idx="1">
-            <a:schemeClr val="accent1"/>
-          </a:fillRef>
-          <a:effectRef idx="0">
-            <a:schemeClr val="accent1"/>
-          </a:effectRef>
-          <a:fontRef idx="minor">
-            <a:schemeClr val="lt1"/>
-          </a:fontRef>
-        </p:style>
-        <p:txBody>
-          <a:bodyPr rtlCol="0" anchor="ctr"/>
-          <a:lstStyle/>
-          <a:p>
-            <a:pPr algn="ctr"/>
-            <a:endParaRPr lang="fr-FR" sz="1013"/>
-          </a:p>
-        </p:txBody>
-      </p:sp>
-      <p:pic>
-        <p:nvPicPr>
-          <p:cNvPr id="52" name="Graphique 51" descr="Yeux avec un remplissage uni">
-            <a:extLst>
-              <a:ext uri="{FF2B5EF4-FFF2-40B4-BE49-F238E27FC236}">
-                <a16:creationId xmlns:a16="http://schemas.microsoft.com/office/drawing/2014/main" id="{1ACB5F1E-321C-4352-A3CA-AD9270368467}"/>
-              </a:ext>
-            </a:extLst>
-          </p:cNvPr>
-          <p:cNvPicPr>
-            <a:picLocks noChangeAspect="1"/>
-          </p:cNvPicPr>
-          <p:nvPr/>
-        </p:nvPicPr>
-        <p:blipFill>
-          <a:blip r:embed="rId14">
-            <a:extLst>
-              <a:ext uri="{28A0092B-C50C-407E-A947-70E740481C1C}">
-                <a14:useLocalDpi xmlns:a14="http://schemas.microsoft.com/office/drawing/2010/main" val="0"/>
-              </a:ext>
-              <a:ext uri="{96DAC541-7B7A-43D3-8B79-37D633B846F1}">
-                <asvg:svgBlip xmlns:asvg="http://schemas.microsoft.com/office/drawing/2016/SVG/main" r:embed="rId15"/>
-              </a:ext>
-            </a:extLst>
-          </a:blip>
-          <a:stretch>
-            <a:fillRect/>
-          </a:stretch>
-        </p:blipFill>
-        <p:spPr>
-          <a:xfrm>
-            <a:off x="5394620" y="2255788"/>
-            <a:ext cx="383126" cy="383126"/>
-          </a:xfrm>
-          <a:prstGeom prst="rect">
-            <a:avLst/>
-          </a:prstGeom>
-        </p:spPr>
-      </p:pic>
-      <p:sp>
-        <p:nvSpPr>
-          <p:cNvPr id="54" name="ZoneTexte 53">
-            <a:extLst>
-              <a:ext uri="{FF2B5EF4-FFF2-40B4-BE49-F238E27FC236}">
-                <a16:creationId xmlns:a16="http://schemas.microsoft.com/office/drawing/2014/main" id="{EE026900-C8FC-4C0E-902E-A570D4933603}"/>
-              </a:ext>
-            </a:extLst>
-          </p:cNvPr>
-          <p:cNvSpPr txBox="1"/>
-          <p:nvPr/>
-        </p:nvSpPr>
-        <p:spPr>
-          <a:xfrm>
-            <a:off x="1400045" y="4811980"/>
-            <a:ext cx="4159259" cy="461665"/>
-          </a:xfrm>
-          <a:prstGeom prst="rect">
-            <a:avLst/>
-          </a:prstGeom>
-          <a:noFill/>
-        </p:spPr>
-        <p:txBody>
-          <a:bodyPr wrap="square" rtlCol="0">
-            <a:spAutoFit/>
-          </a:bodyPr>
-          <a:lstStyle/>
-          <a:p>
-            <a:r>
-              <a:rPr lang="fr-FR" sz="2400" dirty="0">
-                <a:solidFill>
-                  <a:schemeClr val="bg1"/>
-                </a:solidFill>
-              </a:rPr>
-              <a:t>Main / Boucle principale</a:t>
-            </a:r>
-          </a:p>
-        </p:txBody>
-      </p:sp>
-      <p:sp>
-        <p:nvSpPr>
-          <p:cNvPr id="55" name="ZoneTexte 54">
-            <a:extLst>
-              <a:ext uri="{FF2B5EF4-FFF2-40B4-BE49-F238E27FC236}">
-                <a16:creationId xmlns:a16="http://schemas.microsoft.com/office/drawing/2014/main" id="{8751AE07-97E9-4EAB-AD39-332E80FD7DE2}"/>
-              </a:ext>
-            </a:extLst>
-          </p:cNvPr>
-          <p:cNvSpPr txBox="1"/>
-          <p:nvPr/>
-        </p:nvSpPr>
-        <p:spPr>
-          <a:xfrm>
-            <a:off x="5076185" y="3335018"/>
-            <a:ext cx="1076653" cy="523220"/>
-          </a:xfrm>
-          <a:prstGeom prst="rect">
-            <a:avLst/>
-          </a:prstGeom>
-          <a:noFill/>
-        </p:spPr>
-        <p:txBody>
-          <a:bodyPr wrap="square" rtlCol="0">
-            <a:spAutoFit/>
-          </a:bodyPr>
-          <a:lstStyle/>
-          <a:p>
-            <a:r>
-              <a:rPr lang="fr-FR" sz="1400" dirty="0">
-                <a:solidFill>
-                  <a:schemeClr val="bg1"/>
-                </a:solidFill>
-              </a:rPr>
-              <a:t>Plateau</a:t>
-            </a:r>
-          </a:p>
-          <a:p>
-            <a:r>
-              <a:rPr lang="fr-FR" sz="1400" dirty="0">
-                <a:solidFill>
-                  <a:schemeClr val="bg1"/>
-                </a:solidFill>
-              </a:rPr>
-              <a:t>Graphique</a:t>
-            </a:r>
-          </a:p>
-        </p:txBody>
-      </p:sp>
-      <p:sp>
-        <p:nvSpPr>
-          <p:cNvPr id="56" name="ZoneTexte 55">
-            <a:extLst>
-              <a:ext uri="{FF2B5EF4-FFF2-40B4-BE49-F238E27FC236}">
-                <a16:creationId xmlns:a16="http://schemas.microsoft.com/office/drawing/2014/main" id="{E87A4B90-E85F-4AEE-900F-CF0427ED3523}"/>
-              </a:ext>
-            </a:extLst>
-          </p:cNvPr>
-          <p:cNvSpPr txBox="1"/>
-          <p:nvPr/>
-        </p:nvSpPr>
-        <p:spPr>
-          <a:xfrm>
-            <a:off x="3524667" y="3353300"/>
-            <a:ext cx="998107" cy="523220"/>
-          </a:xfrm>
-          <a:prstGeom prst="rect">
-            <a:avLst/>
-          </a:prstGeom>
-          <a:noFill/>
-        </p:spPr>
-        <p:txBody>
-          <a:bodyPr wrap="square" rtlCol="0">
-            <a:spAutoFit/>
-          </a:bodyPr>
-          <a:lstStyle/>
-          <a:p>
-            <a:r>
-              <a:rPr lang="fr-FR" sz="1400" dirty="0">
-                <a:solidFill>
-                  <a:schemeClr val="bg1"/>
-                </a:solidFill>
-              </a:rPr>
-              <a:t>Logs de la </a:t>
-            </a:r>
-          </a:p>
-          <a:p>
-            <a:r>
-              <a:rPr lang="fr-FR" sz="1400" dirty="0">
-                <a:solidFill>
-                  <a:schemeClr val="bg1"/>
-                </a:solidFill>
-              </a:rPr>
-              <a:t>Partie</a:t>
-            </a:r>
-          </a:p>
-        </p:txBody>
-      </p:sp>
-      <p:sp>
-        <p:nvSpPr>
-          <p:cNvPr id="57" name="ZoneTexte 56">
-            <a:extLst>
-              <a:ext uri="{FF2B5EF4-FFF2-40B4-BE49-F238E27FC236}">
-                <a16:creationId xmlns:a16="http://schemas.microsoft.com/office/drawing/2014/main" id="{6E907373-4935-472E-8C09-143D2189FDD3}"/>
-              </a:ext>
-            </a:extLst>
-          </p:cNvPr>
-          <p:cNvSpPr txBox="1"/>
-          <p:nvPr/>
-        </p:nvSpPr>
-        <p:spPr>
-          <a:xfrm>
-            <a:off x="1102320" y="3334298"/>
-            <a:ext cx="1076653" cy="523220"/>
-          </a:xfrm>
-          <a:prstGeom prst="rect">
-            <a:avLst/>
-          </a:prstGeom>
-          <a:noFill/>
-        </p:spPr>
-        <p:txBody>
-          <a:bodyPr wrap="square" rtlCol="0">
-            <a:spAutoFit/>
-          </a:bodyPr>
-          <a:lstStyle/>
-          <a:p>
-            <a:r>
-              <a:rPr lang="fr-FR" sz="1400" dirty="0">
-                <a:solidFill>
-                  <a:schemeClr val="bg1"/>
-                </a:solidFill>
-              </a:rPr>
-              <a:t>Plateau</a:t>
-            </a:r>
-          </a:p>
-          <a:p>
-            <a:r>
-              <a:rPr lang="fr-FR" sz="1400" dirty="0">
-                <a:solidFill>
-                  <a:schemeClr val="bg1"/>
-                </a:solidFill>
-              </a:rPr>
-              <a:t>Logique</a:t>
-            </a:r>
-          </a:p>
-        </p:txBody>
-      </p:sp>
-      <p:sp>
-        <p:nvSpPr>
-          <p:cNvPr id="58" name="ZoneTexte 57">
-            <a:extLst>
-              <a:ext uri="{FF2B5EF4-FFF2-40B4-BE49-F238E27FC236}">
-                <a16:creationId xmlns:a16="http://schemas.microsoft.com/office/drawing/2014/main" id="{C1B021B1-ACF0-414E-8686-936F260B6630}"/>
-              </a:ext>
-            </a:extLst>
-          </p:cNvPr>
-          <p:cNvSpPr txBox="1"/>
-          <p:nvPr/>
-        </p:nvSpPr>
-        <p:spPr>
-          <a:xfrm>
-            <a:off x="2125708" y="3020133"/>
-            <a:ext cx="1076653" cy="369332"/>
-          </a:xfrm>
-          <a:prstGeom prst="rect">
-            <a:avLst/>
-          </a:prstGeom>
-          <a:noFill/>
-        </p:spPr>
-        <p:txBody>
-          <a:bodyPr wrap="square" rtlCol="0">
-            <a:spAutoFit/>
-          </a:bodyPr>
-          <a:lstStyle/>
-          <a:p>
-            <a:r>
-              <a:rPr lang="fr-FR" dirty="0">
-                <a:solidFill>
-                  <a:schemeClr val="accent2"/>
-                </a:solidFill>
-              </a:rPr>
-              <a:t>Joueurs</a:t>
-            </a:r>
-          </a:p>
-        </p:txBody>
-      </p:sp>
-      <p:sp>
-        <p:nvSpPr>
-          <p:cNvPr id="59" name="ZoneTexte 58">
-            <a:extLst>
-              <a:ext uri="{FF2B5EF4-FFF2-40B4-BE49-F238E27FC236}">
-                <a16:creationId xmlns:a16="http://schemas.microsoft.com/office/drawing/2014/main" id="{CAB825FC-4853-4ADF-B923-E6980651B063}"/>
-              </a:ext>
-            </a:extLst>
-          </p:cNvPr>
-          <p:cNvSpPr txBox="1"/>
-          <p:nvPr/>
-        </p:nvSpPr>
-        <p:spPr>
-          <a:xfrm>
-            <a:off x="560284" y="1975184"/>
-            <a:ext cx="1076653" cy="307777"/>
-          </a:xfrm>
-          <a:prstGeom prst="rect">
-            <a:avLst/>
-          </a:prstGeom>
-          <a:noFill/>
-        </p:spPr>
-        <p:txBody>
-          <a:bodyPr wrap="square" rtlCol="0">
-            <a:spAutoFit/>
-          </a:bodyPr>
-          <a:lstStyle/>
-          <a:p>
-            <a:r>
-              <a:rPr lang="fr-FR" sz="1400" dirty="0">
-                <a:solidFill>
-                  <a:schemeClr val="accent2"/>
-                </a:solidFill>
-              </a:rPr>
-              <a:t>Pieces</a:t>
-            </a:r>
-          </a:p>
-        </p:txBody>
-      </p:sp>
-      <p:sp>
-        <p:nvSpPr>
-          <p:cNvPr id="60" name="ZoneTexte 59">
-            <a:extLst>
-              <a:ext uri="{FF2B5EF4-FFF2-40B4-BE49-F238E27FC236}">
-                <a16:creationId xmlns:a16="http://schemas.microsoft.com/office/drawing/2014/main" id="{D6993DAD-6244-4651-A8E6-15B96256554D}"/>
-              </a:ext>
-            </a:extLst>
-          </p:cNvPr>
-          <p:cNvSpPr txBox="1"/>
-          <p:nvPr/>
-        </p:nvSpPr>
-        <p:spPr>
-          <a:xfrm>
-            <a:off x="5003135" y="2624556"/>
-            <a:ext cx="1076653" cy="369332"/>
-          </a:xfrm>
-          <a:prstGeom prst="rect">
-            <a:avLst/>
-          </a:prstGeom>
-          <a:noFill/>
-        </p:spPr>
-        <p:txBody>
-          <a:bodyPr wrap="square" rtlCol="0">
-            <a:spAutoFit/>
-          </a:bodyPr>
-          <a:lstStyle/>
-          <a:p>
-            <a:r>
-              <a:rPr lang="fr-FR" dirty="0">
-                <a:solidFill>
-                  <a:schemeClr val="accent1"/>
-                </a:solidFill>
-              </a:rPr>
-              <a:t>Cases</a:t>
-            </a:r>
-            <a:endParaRPr lang="fr-FR" sz="1400" dirty="0">
-              <a:solidFill>
-                <a:schemeClr val="accent1"/>
-              </a:solidFill>
-            </a:endParaRPr>
-          </a:p>
-        </p:txBody>
-      </p:sp>
-      <p:sp>
-        <p:nvSpPr>
-          <p:cNvPr id="77" name="ZoneTexte 76">
-            <a:extLst>
-              <a:ext uri="{FF2B5EF4-FFF2-40B4-BE49-F238E27FC236}">
-                <a16:creationId xmlns:a16="http://schemas.microsoft.com/office/drawing/2014/main" id="{6E3DDCE4-01B0-4ACA-AADD-A1982510F71E}"/>
-              </a:ext>
-            </a:extLst>
-          </p:cNvPr>
-          <p:cNvSpPr txBox="1"/>
-          <p:nvPr/>
-        </p:nvSpPr>
-        <p:spPr>
-          <a:xfrm>
-            <a:off x="4052373" y="854103"/>
-            <a:ext cx="1317908" cy="338554"/>
-          </a:xfrm>
-          <a:prstGeom prst="rect">
-            <a:avLst/>
-          </a:prstGeom>
-          <a:noFill/>
-        </p:spPr>
-        <p:txBody>
-          <a:bodyPr wrap="square" rtlCol="0">
-            <a:spAutoFit/>
-          </a:bodyPr>
-          <a:lstStyle/>
-          <a:p>
-            <a:r>
-              <a:rPr lang="fr-FR" sz="1600" dirty="0">
-                <a:solidFill>
-                  <a:srgbClr val="00B050"/>
-                </a:solidFill>
-              </a:rPr>
-              <a:t>Interroge</a:t>
-            </a:r>
-          </a:p>
-        </p:txBody>
-      </p:sp>
-      <p:sp>
-        <p:nvSpPr>
-          <p:cNvPr id="80" name="ZoneTexte 79">
-            <a:extLst>
-              <a:ext uri="{FF2B5EF4-FFF2-40B4-BE49-F238E27FC236}">
-                <a16:creationId xmlns:a16="http://schemas.microsoft.com/office/drawing/2014/main" id="{1F586E6C-D011-480D-A504-3AD558E6312F}"/>
-              </a:ext>
-            </a:extLst>
-          </p:cNvPr>
-          <p:cNvSpPr txBox="1"/>
-          <p:nvPr/>
-        </p:nvSpPr>
-        <p:spPr>
-          <a:xfrm>
-            <a:off x="4052372" y="1132813"/>
-            <a:ext cx="939082" cy="338554"/>
-          </a:xfrm>
-          <a:prstGeom prst="rect">
-            <a:avLst/>
-          </a:prstGeom>
-          <a:noFill/>
-        </p:spPr>
-        <p:txBody>
-          <a:bodyPr wrap="square" rtlCol="0">
-            <a:spAutoFit/>
-          </a:bodyPr>
-          <a:lstStyle/>
-          <a:p>
-            <a:r>
-              <a:rPr lang="fr-FR" sz="1600" dirty="0">
-                <a:solidFill>
-                  <a:srgbClr val="FF0000"/>
-                </a:solidFill>
-              </a:rPr>
-              <a:t>Informe</a:t>
-            </a:r>
-          </a:p>
-        </p:txBody>
-      </p:sp>
-      <p:sp>
-        <p:nvSpPr>
-          <p:cNvPr id="81" name="ZoneTexte 80">
-            <a:extLst>
-              <a:ext uri="{FF2B5EF4-FFF2-40B4-BE49-F238E27FC236}">
-                <a16:creationId xmlns:a16="http://schemas.microsoft.com/office/drawing/2014/main" id="{6F6E345D-0C59-4FC3-A13B-33E802047781}"/>
-              </a:ext>
-            </a:extLst>
-          </p:cNvPr>
-          <p:cNvSpPr txBox="1"/>
-          <p:nvPr/>
-        </p:nvSpPr>
-        <p:spPr>
-          <a:xfrm>
-            <a:off x="4052372" y="1418204"/>
-            <a:ext cx="939082" cy="338554"/>
-          </a:xfrm>
-          <a:prstGeom prst="rect">
-            <a:avLst/>
-          </a:prstGeom>
-          <a:noFill/>
-        </p:spPr>
-        <p:txBody>
-          <a:bodyPr wrap="square" rtlCol="0">
-            <a:spAutoFit/>
-          </a:bodyPr>
-          <a:lstStyle/>
-          <a:p>
-            <a:r>
-              <a:rPr lang="fr-FR" sz="1600" dirty="0">
-                <a:solidFill>
-                  <a:schemeClr val="accent4"/>
-                </a:solidFill>
-              </a:rPr>
-              <a:t>Contient</a:t>
-            </a:r>
-          </a:p>
-        </p:txBody>
-      </p:sp>
-      <p:pic>
-        <p:nvPicPr>
-          <p:cNvPr id="143" name="Graphique 142" descr="Visage au large sourire avec remplissage solide avec un remplissage uni">
-            <a:extLst>
-              <a:ext uri="{FF2B5EF4-FFF2-40B4-BE49-F238E27FC236}">
-                <a16:creationId xmlns:a16="http://schemas.microsoft.com/office/drawing/2014/main" id="{E27C6D8D-D5FC-4B8B-8709-B75F153CB785}"/>
-              </a:ext>
-            </a:extLst>
-          </p:cNvPr>
-          <p:cNvPicPr>
-            <a:picLocks noChangeAspect="1"/>
-          </p:cNvPicPr>
-          <p:nvPr/>
-        </p:nvPicPr>
-        <p:blipFill>
-          <a:blip r:embed="rId2">
-            <a:extLst>
-              <a:ext uri="{28A0092B-C50C-407E-A947-70E740481C1C}">
-                <a14:useLocalDpi xmlns:a14="http://schemas.microsoft.com/office/drawing/2010/main" val="0"/>
-              </a:ext>
-              <a:ext uri="{96DAC541-7B7A-43D3-8B79-37D633B846F1}">
-                <asvg:svgBlip xmlns:asvg="http://schemas.microsoft.com/office/drawing/2016/SVG/main" r:embed="rId3"/>
-              </a:ext>
-            </a:extLst>
-          </a:blip>
-          <a:stretch>
-            <a:fillRect/>
-          </a:stretch>
-        </p:blipFill>
-        <p:spPr>
-          <a:xfrm>
-            <a:off x="2246916" y="959233"/>
-            <a:ext cx="642316" cy="642316"/>
-          </a:xfrm>
-          <a:prstGeom prst="rect">
-            <a:avLst/>
-          </a:prstGeom>
-        </p:spPr>
-      </p:pic>
-      <p:pic>
-        <p:nvPicPr>
-          <p:cNvPr id="145" name="Graphique 144" descr="Visage au large sourire avec remplissage solide avec un remplissage uni">
-            <a:extLst>
-              <a:ext uri="{FF2B5EF4-FFF2-40B4-BE49-F238E27FC236}">
-                <a16:creationId xmlns:a16="http://schemas.microsoft.com/office/drawing/2014/main" id="{7C01CC6B-BC24-4656-8058-A8DFAE1ED574}"/>
-              </a:ext>
-            </a:extLst>
-          </p:cNvPr>
-          <p:cNvPicPr>
-            <a:picLocks noChangeAspect="1"/>
-          </p:cNvPicPr>
-          <p:nvPr/>
-        </p:nvPicPr>
-        <p:blipFill>
-          <a:blip r:embed="rId2">
-            <a:extLst>
-              <a:ext uri="{28A0092B-C50C-407E-A947-70E740481C1C}">
-                <a14:useLocalDpi xmlns:a14="http://schemas.microsoft.com/office/drawing/2010/main" val="0"/>
-              </a:ext>
-              <a:ext uri="{96DAC541-7B7A-43D3-8B79-37D633B846F1}">
-                <asvg:svgBlip xmlns:asvg="http://schemas.microsoft.com/office/drawing/2016/SVG/main" r:embed="rId3"/>
-              </a:ext>
-            </a:extLst>
-          </a:blip>
-          <a:stretch>
-            <a:fillRect/>
-          </a:stretch>
-        </p:blipFill>
-        <p:spPr>
-          <a:xfrm>
-            <a:off x="2246916" y="1716357"/>
-            <a:ext cx="642316" cy="642316"/>
-          </a:xfrm>
-          <a:prstGeom prst="rect">
-            <a:avLst/>
-          </a:prstGeom>
-        </p:spPr>
-      </p:pic>
-      <p:cxnSp>
-        <p:nvCxnSpPr>
-          <p:cNvPr id="149" name="Connecteur droit avec flèche 148">
-            <a:extLst>
-              <a:ext uri="{FF2B5EF4-FFF2-40B4-BE49-F238E27FC236}">
-                <a16:creationId xmlns:a16="http://schemas.microsoft.com/office/drawing/2014/main" id="{E37D3E28-7871-4DB6-8C2B-BAD83FF1C83D}"/>
-              </a:ext>
-            </a:extLst>
-          </p:cNvPr>
-          <p:cNvCxnSpPr>
-            <a:cxnSpLocks/>
-          </p:cNvCxnSpPr>
-          <p:nvPr/>
-        </p:nvCxnSpPr>
-        <p:spPr>
-          <a:xfrm flipH="1" flipV="1">
-            <a:off x="1012622" y="2572098"/>
-            <a:ext cx="5422" cy="762200"/>
-          </a:xfrm>
-          <a:prstGeom prst="straightConnector1">
-            <a:avLst/>
-          </a:prstGeom>
-          <a:ln w="38100">
-            <a:solidFill>
-              <a:srgbClr val="00B050"/>
-            </a:solidFill>
-            <a:headEnd type="none" w="med" len="med"/>
-            <a:tailEnd type="triangle" w="med" len="med"/>
+          <a:ln w="57150">
+            <a:tailEnd type="triangle"/>
           </a:ln>
         </p:spPr>
         <p:style>
@@ -7243,32 +6012,30 @@
       </p:cxnSp>
       <p:cxnSp>
         <p:nvCxnSpPr>
-          <p:cNvPr id="61" name="Connecteur droit avec flèche 60">
-            <a:extLst>
-              <a:ext uri="{FF2B5EF4-FFF2-40B4-BE49-F238E27FC236}">
-                <a16:creationId xmlns:a16="http://schemas.microsoft.com/office/drawing/2014/main" id="{198579D5-8469-45D3-BF1B-FCE5F3658FCA}"/>
+          <p:cNvPr id="107" name="Connecteur droit avec flèche 106">
+            <a:extLst>
+              <a:ext uri="{FF2B5EF4-FFF2-40B4-BE49-F238E27FC236}">
+                <a16:creationId xmlns:a16="http://schemas.microsoft.com/office/drawing/2014/main" id="{E8B86A75-CBAF-40C6-B92D-444771579026}"/>
               </a:ext>
             </a:extLst>
           </p:cNvPr>
           <p:cNvCxnSpPr>
             <a:cxnSpLocks/>
+            <a:stCxn id="87" idx="3"/>
+            <a:endCxn id="93" idx="1"/>
           </p:cNvCxnSpPr>
           <p:nvPr/>
         </p:nvCxnSpPr>
         <p:spPr>
           <a:xfrm>
-            <a:off x="2865002" y="2741475"/>
-            <a:ext cx="329431" cy="580798"/>
+            <a:off x="3568268" y="3954296"/>
+            <a:ext cx="961754" cy="271763"/>
           </a:xfrm>
           <a:prstGeom prst="straightConnector1">
             <a:avLst/>
           </a:prstGeom>
-          <a:ln w="38100">
-            <a:solidFill>
-              <a:srgbClr val="FF0000"/>
-            </a:solidFill>
-            <a:headEnd type="none" w="med" len="med"/>
-            <a:tailEnd type="triangle" w="med" len="med"/>
+          <a:ln w="57150">
+            <a:tailEnd type="triangle"/>
           </a:ln>
         </p:spPr>
         <p:style>
@@ -7286,45 +6053,92 @@
           </a:fontRef>
         </p:style>
       </p:cxnSp>
-      <p:sp>
-        <p:nvSpPr>
-          <p:cNvPr id="62" name="ZoneTexte 61">
-            <a:extLst>
-              <a:ext uri="{FF2B5EF4-FFF2-40B4-BE49-F238E27FC236}">
-                <a16:creationId xmlns:a16="http://schemas.microsoft.com/office/drawing/2014/main" id="{99233176-C42A-4DB0-890D-AE491C186343}"/>
-              </a:ext>
-            </a:extLst>
-          </p:cNvPr>
-          <p:cNvSpPr txBox="1"/>
-          <p:nvPr/>
-        </p:nvSpPr>
-        <p:spPr>
-          <a:xfrm>
-            <a:off x="4042178" y="1112515"/>
-            <a:ext cx="939082" cy="338554"/>
-          </a:xfrm>
-          <a:prstGeom prst="rect">
-            <a:avLst/>
-          </a:prstGeom>
-          <a:noFill/>
-        </p:spPr>
-        <p:txBody>
-          <a:bodyPr wrap="square" rtlCol="0">
-            <a:spAutoFit/>
-          </a:bodyPr>
-          <a:lstStyle/>
-          <a:p>
-            <a:r>
-              <a:rPr lang="fr-FR" sz="1600" dirty="0">
-                <a:solidFill>
-                  <a:srgbClr val="FF0000"/>
-                </a:solidFill>
-              </a:rPr>
-              <a:t>Informe</a:t>
-            </a:r>
-          </a:p>
-        </p:txBody>
-      </p:sp>
+      <p:cxnSp>
+        <p:nvCxnSpPr>
+          <p:cNvPr id="108" name="Connecteur droit avec flèche 107">
+            <a:extLst>
+              <a:ext uri="{FF2B5EF4-FFF2-40B4-BE49-F238E27FC236}">
+                <a16:creationId xmlns:a16="http://schemas.microsoft.com/office/drawing/2014/main" id="{66163F4D-4ABF-4253-900E-9AC7F2408649}"/>
+              </a:ext>
+            </a:extLst>
+          </p:cNvPr>
+          <p:cNvCxnSpPr>
+            <a:cxnSpLocks/>
+            <a:stCxn id="88" idx="3"/>
+            <a:endCxn id="92" idx="1"/>
+          </p:cNvCxnSpPr>
+          <p:nvPr/>
+        </p:nvCxnSpPr>
+        <p:spPr>
+          <a:xfrm flipV="1">
+            <a:off x="3589178" y="1755818"/>
+            <a:ext cx="940844" cy="264841"/>
+          </a:xfrm>
+          <a:prstGeom prst="straightConnector1">
+            <a:avLst/>
+          </a:prstGeom>
+          <a:ln w="57150">
+            <a:tailEnd type="triangle"/>
+          </a:ln>
+        </p:spPr>
+        <p:style>
+          <a:lnRef idx="1">
+            <a:schemeClr val="accent1"/>
+          </a:lnRef>
+          <a:fillRef idx="0">
+            <a:schemeClr val="accent1"/>
+          </a:fillRef>
+          <a:effectRef idx="0">
+            <a:schemeClr val="accent1"/>
+          </a:effectRef>
+          <a:fontRef idx="minor">
+            <a:schemeClr val="tx1"/>
+          </a:fontRef>
+        </p:style>
+      </p:cxnSp>
+      <p:cxnSp>
+        <p:nvCxnSpPr>
+          <p:cNvPr id="109" name="Connecteur droit avec flèche 108">
+            <a:extLst>
+              <a:ext uri="{FF2B5EF4-FFF2-40B4-BE49-F238E27FC236}">
+                <a16:creationId xmlns:a16="http://schemas.microsoft.com/office/drawing/2014/main" id="{EBD56265-206E-4590-942D-866E49B1EEEB}"/>
+              </a:ext>
+            </a:extLst>
+          </p:cNvPr>
+          <p:cNvCxnSpPr>
+            <a:cxnSpLocks/>
+            <a:stCxn id="88" idx="3"/>
+            <a:endCxn id="94" idx="1"/>
+          </p:cNvCxnSpPr>
+          <p:nvPr/>
+        </p:nvCxnSpPr>
+        <p:spPr>
+          <a:xfrm>
+            <a:off x="3589178" y="2020659"/>
+            <a:ext cx="940844" cy="360000"/>
+          </a:xfrm>
+          <a:prstGeom prst="straightConnector1">
+            <a:avLst/>
+          </a:prstGeom>
+          <a:ln w="57150">
+            <a:tailEnd type="triangle"/>
+          </a:ln>
+        </p:spPr>
+        <p:style>
+          <a:lnRef idx="1">
+            <a:schemeClr val="accent1"/>
+          </a:lnRef>
+          <a:fillRef idx="0">
+            <a:schemeClr val="accent1"/>
+          </a:fillRef>
+          <a:effectRef idx="0">
+            <a:schemeClr val="accent1"/>
+          </a:effectRef>
+          <a:fontRef idx="minor">
+            <a:schemeClr val="tx1"/>
+          </a:fontRef>
+        </p:style>
+      </p:cxnSp>
     </p:spTree>
     <p:extLst>
       <p:ext uri="{BB962C8B-B14F-4D97-AF65-F5344CB8AC3E}">
